--- a/Data Structures using C#/data-structures-using-.net-core-csharp/Linked List/Double Linked List/Double Linked List.pptx
+++ b/Data Structures using C#/data-structures-using-.net-core-csharp/Linked List/Double Linked List/Double Linked List.pptx
@@ -5068,7 +5068,7 @@
                 <a:latin typeface="Bernard MT Condensed" panose="02050806060905020404" pitchFamily="18" charset="77"/>
                 <a:cs typeface="LilyUPC" panose="020B0604020202020204" pitchFamily="34" charset="0"/>
               </a:rPr>
-              <a:t>Single Linked List</a:t>
+              <a:t>Double Linked List</a:t>
             </a:r>
           </a:p>
         </p:txBody>
@@ -9388,8 +9388,238 @@
                   <a:schemeClr val="tx1"/>
                 </a:solidFill>
               </a:rPr>
-              <a:t>When we want to delete again 0 index elements or left over single element</a:t>
-            </a:r>
+              <a:t>When we want to delete again 0 index elements or left-over single element</a:t>
+            </a:r>
+          </a:p>
+        </p:txBody>
+      </p:sp>
+      <p:sp>
+        <p:nvSpPr>
+          <p:cNvPr id="22" name="TextBox 21">
+            <a:extLst>
+              <a:ext uri="{FF2B5EF4-FFF2-40B4-BE49-F238E27FC236}">
+                <a16:creationId xmlns:a16="http://schemas.microsoft.com/office/drawing/2014/main" id="{3D82751E-54FC-C261-CFEB-DFEC289D7AD9}"/>
+              </a:ext>
+            </a:extLst>
+          </p:cNvPr>
+          <p:cNvSpPr txBox="1"/>
+          <p:nvPr/>
+        </p:nvSpPr>
+        <p:spPr>
+          <a:xfrm>
+            <a:off x="9152147" y="1383258"/>
+            <a:ext cx="2353200" cy="1477328"/>
+          </a:xfrm>
+          <a:prstGeom prst="rect">
+            <a:avLst/>
+          </a:prstGeom>
+          <a:solidFill>
+            <a:schemeClr val="tx1"/>
+          </a:solidFill>
+        </p:spPr>
+        <p:txBody>
+          <a:bodyPr wrap="square">
+            <a:spAutoFit/>
+          </a:bodyPr>
+          <a:lstStyle/>
+          <a:p>
+            <a:r>
+              <a:rPr lang="en-US" sz="1800" dirty="0">
+                <a:solidFill>
+                  <a:srgbClr val="BDBDBD"/>
+                </a:solidFill>
+              </a:rPr>
+              <a:t>    </a:t>
+            </a:r>
+            <a:r>
+              <a:rPr lang="en-US" sz="1800" dirty="0">
+                <a:solidFill>
+                  <a:srgbClr val="6C95EB"/>
+                </a:solidFill>
+              </a:rPr>
+              <a:t>if </a:t>
+            </a:r>
+            <a:r>
+              <a:rPr lang="en-US" sz="1800" dirty="0">
+                <a:solidFill>
+                  <a:srgbClr val="BDBDBD"/>
+                </a:solidFill>
+              </a:rPr>
+              <a:t>(</a:t>
+            </a:r>
+            <a:r>
+              <a:rPr lang="en-US" sz="1800" dirty="0">
+                <a:solidFill>
+                  <a:srgbClr val="66C3CC"/>
+                </a:solidFill>
+              </a:rPr>
+              <a:t>head </a:t>
+            </a:r>
+            <a:r>
+              <a:rPr lang="en-US" sz="1800" dirty="0">
+                <a:solidFill>
+                  <a:srgbClr val="BDBDBD"/>
+                </a:solidFill>
+              </a:rPr>
+              <a:t>== </a:t>
+            </a:r>
+            <a:r>
+              <a:rPr lang="en-US" sz="1800" dirty="0">
+                <a:solidFill>
+                  <a:srgbClr val="66C3CC"/>
+                </a:solidFill>
+              </a:rPr>
+              <a:t>tail</a:t>
+            </a:r>
+            <a:r>
+              <a:rPr lang="en-US" sz="1800" dirty="0">
+                <a:solidFill>
+                  <a:srgbClr val="BDBDBD"/>
+                </a:solidFill>
+              </a:rPr>
+              <a:t>)</a:t>
+            </a:r>
+            <a:br>
+              <a:rPr lang="en-US" sz="1800" dirty="0">
+                <a:solidFill>
+                  <a:srgbClr val="BDBDBD"/>
+                </a:solidFill>
+              </a:rPr>
+            </a:br>
+            <a:r>
+              <a:rPr lang="en-US" sz="1800" dirty="0">
+                <a:solidFill>
+                  <a:srgbClr val="BDBDBD"/>
+                </a:solidFill>
+              </a:rPr>
+              <a:t>    {</a:t>
+            </a:r>
+            <a:br>
+              <a:rPr lang="en-US" sz="1800" dirty="0">
+                <a:solidFill>
+                  <a:srgbClr val="BDBDBD"/>
+                </a:solidFill>
+              </a:rPr>
+            </a:br>
+            <a:r>
+              <a:rPr lang="en-US" sz="1800" dirty="0">
+                <a:solidFill>
+                  <a:srgbClr val="BDBDBD"/>
+                </a:solidFill>
+              </a:rPr>
+              <a:t>        ele = </a:t>
+            </a:r>
+            <a:r>
+              <a:rPr lang="en-US" sz="1800" dirty="0" err="1">
+                <a:solidFill>
+                  <a:srgbClr val="66C3CC"/>
+                </a:solidFill>
+              </a:rPr>
+              <a:t>head</a:t>
+            </a:r>
+            <a:r>
+              <a:rPr lang="en-US" sz="1800" dirty="0" err="1">
+                <a:solidFill>
+                  <a:srgbClr val="BDBDBD"/>
+                </a:solidFill>
+              </a:rPr>
+              <a:t>.</a:t>
+            </a:r>
+            <a:r>
+              <a:rPr lang="en-US" sz="1800" dirty="0" err="1">
+                <a:solidFill>
+                  <a:srgbClr val="66C3CC"/>
+                </a:solidFill>
+              </a:rPr>
+              <a:t>info</a:t>
+            </a:r>
+            <a:r>
+              <a:rPr lang="en-US" sz="1800" dirty="0">
+                <a:solidFill>
+                  <a:srgbClr val="BDBDBD"/>
+                </a:solidFill>
+              </a:rPr>
+              <a:t>;</a:t>
+            </a:r>
+            <a:br>
+              <a:rPr lang="en-US" sz="1800" dirty="0">
+                <a:solidFill>
+                  <a:srgbClr val="BDBDBD"/>
+                </a:solidFill>
+              </a:rPr>
+            </a:br>
+            <a:r>
+              <a:rPr lang="en-US" sz="1800" dirty="0">
+                <a:solidFill>
+                  <a:srgbClr val="BDBDBD"/>
+                </a:solidFill>
+              </a:rPr>
+              <a:t>        </a:t>
+            </a:r>
+            <a:r>
+              <a:rPr lang="en-US" sz="1800" dirty="0">
+                <a:solidFill>
+                  <a:srgbClr val="66C3CC"/>
+                </a:solidFill>
+              </a:rPr>
+              <a:t>head </a:t>
+            </a:r>
+            <a:r>
+              <a:rPr lang="en-US" sz="1800" dirty="0">
+                <a:solidFill>
+                  <a:srgbClr val="BDBDBD"/>
+                </a:solidFill>
+              </a:rPr>
+              <a:t>= </a:t>
+            </a:r>
+            <a:r>
+              <a:rPr lang="en-US" sz="1800" dirty="0">
+                <a:solidFill>
+                  <a:srgbClr val="66C3CC"/>
+                </a:solidFill>
+              </a:rPr>
+              <a:t>tail </a:t>
+            </a:r>
+            <a:r>
+              <a:rPr lang="en-US" sz="1800" dirty="0">
+                <a:solidFill>
+                  <a:srgbClr val="BDBDBD"/>
+                </a:solidFill>
+              </a:rPr>
+              <a:t>= </a:t>
+            </a:r>
+            <a:r>
+              <a:rPr lang="en-US" sz="1800" dirty="0">
+                <a:solidFill>
+                  <a:srgbClr val="6C95EB"/>
+                </a:solidFill>
+              </a:rPr>
+              <a:t>null</a:t>
+            </a:r>
+            <a:r>
+              <a:rPr lang="en-US" sz="1800" dirty="0">
+                <a:solidFill>
+                  <a:srgbClr val="BDBDBD"/>
+                </a:solidFill>
+              </a:rPr>
+              <a:t>;</a:t>
+            </a:r>
+            <a:br>
+              <a:rPr lang="en-US" sz="1800" dirty="0">
+                <a:solidFill>
+                  <a:srgbClr val="BDBDBD"/>
+                </a:solidFill>
+              </a:rPr>
+            </a:br>
+            <a:r>
+              <a:rPr lang="en-US" sz="1800" dirty="0">
+                <a:solidFill>
+                  <a:srgbClr val="BDBDBD"/>
+                </a:solidFill>
+              </a:rPr>
+              <a:t>    }</a:t>
+            </a:r>
+            <a:endParaRPr lang="en-US" dirty="0"/>
           </a:p>
         </p:txBody>
       </p:sp>
@@ -12064,6 +12294,582 @@
           </a:fontRef>
         </p:style>
       </p:cxnSp>
+      <p:sp>
+        <p:nvSpPr>
+          <p:cNvPr id="35" name="TextBox 34">
+            <a:extLst>
+              <a:ext uri="{FF2B5EF4-FFF2-40B4-BE49-F238E27FC236}">
+                <a16:creationId xmlns:a16="http://schemas.microsoft.com/office/drawing/2014/main" id="{4960348F-6E11-B435-0320-663A4B122C15}"/>
+              </a:ext>
+            </a:extLst>
+          </p:cNvPr>
+          <p:cNvSpPr txBox="1"/>
+          <p:nvPr/>
+        </p:nvSpPr>
+        <p:spPr>
+          <a:xfrm>
+            <a:off x="7601072" y="142021"/>
+            <a:ext cx="2407068" cy="1852469"/>
+          </a:xfrm>
+          <a:prstGeom prst="rect">
+            <a:avLst/>
+          </a:prstGeom>
+          <a:solidFill>
+            <a:schemeClr val="tx1"/>
+          </a:solidFill>
+        </p:spPr>
+        <p:txBody>
+          <a:bodyPr wrap="square">
+            <a:spAutoFit/>
+          </a:bodyPr>
+          <a:lstStyle/>
+          <a:p>
+            <a:r>
+              <a:rPr lang="en-US" sz="1400" dirty="0">
+                <a:solidFill>
+                  <a:srgbClr val="BDBDBD"/>
+                </a:solidFill>
+                <a:effectLst/>
+              </a:rPr>
+              <a:t>    </a:t>
+            </a:r>
+            <a:r>
+              <a:rPr lang="en-US" sz="1400" dirty="0">
+                <a:solidFill>
+                  <a:srgbClr val="66C3CC"/>
+                </a:solidFill>
+                <a:effectLst/>
+              </a:rPr>
+              <a:t>temp </a:t>
+            </a:r>
+            <a:r>
+              <a:rPr lang="en-US" sz="1400" dirty="0">
+                <a:solidFill>
+                  <a:srgbClr val="BDBDBD"/>
+                </a:solidFill>
+                <a:effectLst/>
+              </a:rPr>
+              <a:t>= </a:t>
+            </a:r>
+            <a:r>
+              <a:rPr lang="en-US" sz="1400" dirty="0">
+                <a:solidFill>
+                  <a:srgbClr val="66C3CC"/>
+                </a:solidFill>
+                <a:effectLst/>
+              </a:rPr>
+              <a:t>head</a:t>
+            </a:r>
+            <a:r>
+              <a:rPr lang="en-US" sz="1400" dirty="0">
+                <a:solidFill>
+                  <a:srgbClr val="BDBDBD"/>
+                </a:solidFill>
+                <a:effectLst/>
+              </a:rPr>
+              <a:t>;</a:t>
+            </a:r>
+            <a:br>
+              <a:rPr lang="en-US" sz="1400" dirty="0">
+                <a:solidFill>
+                  <a:srgbClr val="BDBDBD"/>
+                </a:solidFill>
+                <a:effectLst/>
+              </a:rPr>
+            </a:br>
+            <a:r>
+              <a:rPr lang="en-US" sz="1400" dirty="0">
+                <a:solidFill>
+                  <a:srgbClr val="BDBDBD"/>
+                </a:solidFill>
+                <a:effectLst/>
+              </a:rPr>
+              <a:t>    </a:t>
+            </a:r>
+            <a:r>
+              <a:rPr lang="en-US" sz="1400" dirty="0">
+                <a:solidFill>
+                  <a:srgbClr val="6C95EB"/>
+                </a:solidFill>
+                <a:effectLst/>
+              </a:rPr>
+              <a:t>for </a:t>
+            </a:r>
+            <a:r>
+              <a:rPr lang="en-US" sz="1400" dirty="0">
+                <a:solidFill>
+                  <a:srgbClr val="BDBDBD"/>
+                </a:solidFill>
+                <a:effectLst/>
+              </a:rPr>
+              <a:t>(</a:t>
+            </a:r>
+            <a:r>
+              <a:rPr lang="en-US" sz="1400" dirty="0" err="1">
+                <a:solidFill>
+                  <a:srgbClr val="BDBDBD"/>
+                </a:solidFill>
+                <a:effectLst/>
+              </a:rPr>
+              <a:t>i</a:t>
+            </a:r>
+            <a:r>
+              <a:rPr lang="en-US" sz="1400" dirty="0">
+                <a:solidFill>
+                  <a:srgbClr val="BDBDBD"/>
+                </a:solidFill>
+                <a:effectLst/>
+              </a:rPr>
+              <a:t> = </a:t>
+            </a:r>
+            <a:r>
+              <a:rPr lang="en-US" sz="1400" dirty="0">
+                <a:solidFill>
+                  <a:srgbClr val="ED94C0"/>
+                </a:solidFill>
+                <a:effectLst/>
+              </a:rPr>
+              <a:t>0</a:t>
+            </a:r>
+            <a:r>
+              <a:rPr lang="en-US" sz="1400" dirty="0">
+                <a:solidFill>
+                  <a:srgbClr val="BDBDBD"/>
+                </a:solidFill>
+                <a:effectLst/>
+              </a:rPr>
+              <a:t>; </a:t>
+            </a:r>
+            <a:r>
+              <a:rPr lang="en-US" sz="1400" dirty="0" err="1">
+                <a:solidFill>
+                  <a:srgbClr val="BDBDBD"/>
+                </a:solidFill>
+                <a:effectLst/>
+              </a:rPr>
+              <a:t>i</a:t>
+            </a:r>
+            <a:r>
+              <a:rPr lang="en-US" sz="1400" dirty="0">
+                <a:solidFill>
+                  <a:srgbClr val="BDBDBD"/>
+                </a:solidFill>
+                <a:effectLst/>
+              </a:rPr>
+              <a:t> &lt; index; </a:t>
+            </a:r>
+            <a:r>
+              <a:rPr lang="en-US" sz="1400" dirty="0" err="1">
+                <a:solidFill>
+                  <a:srgbClr val="BDBDBD"/>
+                </a:solidFill>
+                <a:effectLst/>
+              </a:rPr>
+              <a:t>i</a:t>
+            </a:r>
+            <a:r>
+              <a:rPr lang="en-US" sz="1400" dirty="0">
+                <a:solidFill>
+                  <a:srgbClr val="BDBDBD"/>
+                </a:solidFill>
+                <a:effectLst/>
+              </a:rPr>
+              <a:t>++)</a:t>
+            </a:r>
+            <a:br>
+              <a:rPr lang="en-US" sz="1400" dirty="0">
+                <a:solidFill>
+                  <a:srgbClr val="BDBDBD"/>
+                </a:solidFill>
+                <a:effectLst/>
+              </a:rPr>
+            </a:br>
+            <a:r>
+              <a:rPr lang="en-US" sz="1400" dirty="0">
+                <a:solidFill>
+                  <a:srgbClr val="BDBDBD"/>
+                </a:solidFill>
+                <a:effectLst/>
+              </a:rPr>
+              <a:t>    {</a:t>
+            </a:r>
+            <a:br>
+              <a:rPr lang="en-US" sz="1400" dirty="0">
+                <a:solidFill>
+                  <a:srgbClr val="BDBDBD"/>
+                </a:solidFill>
+                <a:effectLst/>
+              </a:rPr>
+            </a:br>
+            <a:r>
+              <a:rPr lang="en-US" sz="1400" dirty="0">
+                <a:solidFill>
+                  <a:srgbClr val="BDBDBD"/>
+                </a:solidFill>
+                <a:effectLst/>
+              </a:rPr>
+              <a:t>        </a:t>
+            </a:r>
+            <a:r>
+              <a:rPr lang="en-US" sz="1400" dirty="0">
+                <a:solidFill>
+                  <a:srgbClr val="66C3CC"/>
+                </a:solidFill>
+                <a:effectLst/>
+              </a:rPr>
+              <a:t>temp </a:t>
+            </a:r>
+            <a:r>
+              <a:rPr lang="en-US" sz="1400" dirty="0">
+                <a:solidFill>
+                  <a:srgbClr val="BDBDBD"/>
+                </a:solidFill>
+                <a:effectLst/>
+              </a:rPr>
+              <a:t>= </a:t>
+            </a:r>
+            <a:r>
+              <a:rPr lang="en-US" sz="1400" dirty="0" err="1">
+                <a:solidFill>
+                  <a:srgbClr val="66C3CC"/>
+                </a:solidFill>
+                <a:effectLst/>
+              </a:rPr>
+              <a:t>temp</a:t>
+            </a:r>
+            <a:r>
+              <a:rPr lang="en-US" sz="1400" dirty="0" err="1">
+                <a:solidFill>
+                  <a:srgbClr val="BDBDBD"/>
+                </a:solidFill>
+                <a:effectLst/>
+              </a:rPr>
+              <a:t>.</a:t>
+            </a:r>
+            <a:r>
+              <a:rPr lang="en-US" sz="1400" dirty="0" err="1">
+                <a:solidFill>
+                  <a:srgbClr val="66C3CC"/>
+                </a:solidFill>
+                <a:effectLst/>
+              </a:rPr>
+              <a:t>rptr</a:t>
+            </a:r>
+            <a:r>
+              <a:rPr lang="en-US" sz="1400" dirty="0">
+                <a:solidFill>
+                  <a:srgbClr val="BDBDBD"/>
+                </a:solidFill>
+                <a:effectLst/>
+              </a:rPr>
+              <a:t>;</a:t>
+            </a:r>
+            <a:br>
+              <a:rPr lang="en-US" sz="1400" dirty="0">
+                <a:solidFill>
+                  <a:srgbClr val="BDBDBD"/>
+                </a:solidFill>
+                <a:effectLst/>
+              </a:rPr>
+            </a:br>
+            <a:r>
+              <a:rPr lang="en-US" sz="1400" dirty="0">
+                <a:solidFill>
+                  <a:srgbClr val="BDBDBD"/>
+                </a:solidFill>
+                <a:effectLst/>
+              </a:rPr>
+              <a:t>    }</a:t>
+            </a:r>
+            <a:br>
+              <a:rPr lang="en-US" sz="1400" dirty="0">
+                <a:solidFill>
+                  <a:srgbClr val="BDBDBD"/>
+                </a:solidFill>
+                <a:effectLst/>
+              </a:rPr>
+            </a:br>
+            <a:r>
+              <a:rPr lang="en-US" sz="1400" dirty="0">
+                <a:solidFill>
+                  <a:srgbClr val="BDBDBD"/>
+                </a:solidFill>
+                <a:effectLst/>
+              </a:rPr>
+              <a:t>    ele = </a:t>
+            </a:r>
+            <a:r>
+              <a:rPr lang="en-US" sz="1400" dirty="0" err="1">
+                <a:solidFill>
+                  <a:srgbClr val="66C3CC"/>
+                </a:solidFill>
+                <a:effectLst/>
+              </a:rPr>
+              <a:t>temp</a:t>
+            </a:r>
+            <a:r>
+              <a:rPr lang="en-US" sz="1400" dirty="0" err="1">
+                <a:solidFill>
+                  <a:srgbClr val="BDBDBD"/>
+                </a:solidFill>
+                <a:effectLst/>
+              </a:rPr>
+              <a:t>.</a:t>
+            </a:r>
+            <a:r>
+              <a:rPr lang="en-US" sz="1400" dirty="0" err="1">
+                <a:solidFill>
+                  <a:srgbClr val="66C3CC"/>
+                </a:solidFill>
+                <a:effectLst/>
+              </a:rPr>
+              <a:t>info</a:t>
+            </a:r>
+            <a:r>
+              <a:rPr lang="en-US" sz="1400" dirty="0">
+                <a:solidFill>
+                  <a:srgbClr val="BDBDBD"/>
+                </a:solidFill>
+                <a:effectLst/>
+              </a:rPr>
+              <a:t>;</a:t>
+            </a:r>
+            <a:br>
+              <a:rPr lang="en-US" sz="1400" dirty="0">
+                <a:solidFill>
+                  <a:srgbClr val="BDBDBD"/>
+                </a:solidFill>
+                <a:effectLst/>
+              </a:rPr>
+            </a:br>
+            <a:r>
+              <a:rPr lang="en-US" sz="1400" dirty="0">
+                <a:solidFill>
+                  <a:srgbClr val="BDBDBD"/>
+                </a:solidFill>
+                <a:effectLst/>
+              </a:rPr>
+              <a:t>    </a:t>
+            </a:r>
+            <a:r>
+              <a:rPr lang="en-US" sz="1400" dirty="0" err="1">
+                <a:solidFill>
+                  <a:srgbClr val="66C3CC"/>
+                </a:solidFill>
+                <a:effectLst/>
+              </a:rPr>
+              <a:t>temp</a:t>
+            </a:r>
+            <a:r>
+              <a:rPr lang="en-US" sz="1400" dirty="0" err="1">
+                <a:solidFill>
+                  <a:srgbClr val="BDBDBD"/>
+                </a:solidFill>
+                <a:effectLst/>
+              </a:rPr>
+              <a:t>.</a:t>
+            </a:r>
+            <a:r>
+              <a:rPr lang="en-US" sz="1400" dirty="0" err="1">
+                <a:solidFill>
+                  <a:srgbClr val="66C3CC"/>
+                </a:solidFill>
+                <a:effectLst/>
+              </a:rPr>
+              <a:t>rptr</a:t>
+            </a:r>
+            <a:r>
+              <a:rPr lang="en-US" sz="1400" dirty="0" err="1">
+                <a:solidFill>
+                  <a:srgbClr val="BDBDBD"/>
+                </a:solidFill>
+                <a:effectLst/>
+              </a:rPr>
+              <a:t>.</a:t>
+            </a:r>
+            <a:r>
+              <a:rPr lang="en-US" sz="1400" dirty="0" err="1">
+                <a:solidFill>
+                  <a:srgbClr val="66C3CC"/>
+                </a:solidFill>
+                <a:effectLst/>
+              </a:rPr>
+              <a:t>lptr</a:t>
+            </a:r>
+            <a:r>
+              <a:rPr lang="en-US" sz="1400" dirty="0">
+                <a:solidFill>
+                  <a:srgbClr val="66C3CC"/>
+                </a:solidFill>
+                <a:effectLst/>
+              </a:rPr>
+              <a:t> </a:t>
+            </a:r>
+            <a:r>
+              <a:rPr lang="en-US" sz="1400" dirty="0">
+                <a:solidFill>
+                  <a:srgbClr val="BDBDBD"/>
+                </a:solidFill>
+                <a:effectLst/>
+              </a:rPr>
+              <a:t>= </a:t>
+            </a:r>
+            <a:r>
+              <a:rPr lang="en-US" sz="1400" dirty="0" err="1">
+                <a:solidFill>
+                  <a:srgbClr val="66C3CC"/>
+                </a:solidFill>
+                <a:effectLst/>
+              </a:rPr>
+              <a:t>temp</a:t>
+            </a:r>
+            <a:r>
+              <a:rPr lang="en-US" sz="1400" dirty="0" err="1">
+                <a:solidFill>
+                  <a:srgbClr val="BDBDBD"/>
+                </a:solidFill>
+                <a:effectLst/>
+              </a:rPr>
+              <a:t>.</a:t>
+            </a:r>
+            <a:r>
+              <a:rPr lang="en-US" sz="1400" dirty="0" err="1">
+                <a:solidFill>
+                  <a:srgbClr val="66C3CC"/>
+                </a:solidFill>
+                <a:effectLst/>
+              </a:rPr>
+              <a:t>lptr</a:t>
+            </a:r>
+            <a:r>
+              <a:rPr lang="en-US" sz="1400" dirty="0">
+                <a:solidFill>
+                  <a:srgbClr val="BDBDBD"/>
+                </a:solidFill>
+                <a:effectLst/>
+              </a:rPr>
+              <a:t>;</a:t>
+            </a:r>
+            <a:br>
+              <a:rPr lang="en-US" sz="1400" dirty="0">
+                <a:solidFill>
+                  <a:srgbClr val="BDBDBD"/>
+                </a:solidFill>
+                <a:effectLst/>
+              </a:rPr>
+            </a:br>
+            <a:r>
+              <a:rPr lang="en-US" sz="1400" dirty="0">
+                <a:solidFill>
+                  <a:srgbClr val="BDBDBD"/>
+                </a:solidFill>
+                <a:effectLst/>
+              </a:rPr>
+              <a:t>    </a:t>
+            </a:r>
+            <a:r>
+              <a:rPr lang="en-US" sz="1400" dirty="0" err="1">
+                <a:solidFill>
+                  <a:srgbClr val="66C3CC"/>
+                </a:solidFill>
+                <a:effectLst/>
+              </a:rPr>
+              <a:t>temp</a:t>
+            </a:r>
+            <a:r>
+              <a:rPr lang="en-US" sz="1400" dirty="0" err="1">
+                <a:solidFill>
+                  <a:srgbClr val="BDBDBD"/>
+                </a:solidFill>
+                <a:effectLst/>
+              </a:rPr>
+              <a:t>.</a:t>
+            </a:r>
+            <a:r>
+              <a:rPr lang="en-US" sz="1400" dirty="0" err="1">
+                <a:solidFill>
+                  <a:srgbClr val="66C3CC"/>
+                </a:solidFill>
+                <a:effectLst/>
+              </a:rPr>
+              <a:t>lptr</a:t>
+            </a:r>
+            <a:r>
+              <a:rPr lang="en-US" sz="1400" dirty="0" err="1">
+                <a:solidFill>
+                  <a:srgbClr val="BDBDBD"/>
+                </a:solidFill>
+                <a:effectLst/>
+              </a:rPr>
+              <a:t>.</a:t>
+            </a:r>
+            <a:r>
+              <a:rPr lang="en-US" sz="1400" dirty="0" err="1">
+                <a:solidFill>
+                  <a:srgbClr val="66C3CC"/>
+                </a:solidFill>
+                <a:effectLst/>
+              </a:rPr>
+              <a:t>rptr</a:t>
+            </a:r>
+            <a:r>
+              <a:rPr lang="en-US" sz="1400" dirty="0">
+                <a:solidFill>
+                  <a:srgbClr val="66C3CC"/>
+                </a:solidFill>
+                <a:effectLst/>
+              </a:rPr>
+              <a:t> </a:t>
+            </a:r>
+            <a:r>
+              <a:rPr lang="en-US" sz="1400" dirty="0">
+                <a:solidFill>
+                  <a:srgbClr val="BDBDBD"/>
+                </a:solidFill>
+                <a:effectLst/>
+              </a:rPr>
+              <a:t>= </a:t>
+            </a:r>
+            <a:r>
+              <a:rPr lang="en-US" sz="1400" dirty="0" err="1">
+                <a:solidFill>
+                  <a:srgbClr val="66C3CC"/>
+                </a:solidFill>
+                <a:effectLst/>
+              </a:rPr>
+              <a:t>temp</a:t>
+            </a:r>
+            <a:r>
+              <a:rPr lang="en-US" sz="1400" dirty="0" err="1">
+                <a:solidFill>
+                  <a:srgbClr val="BDBDBD"/>
+                </a:solidFill>
+                <a:effectLst/>
+              </a:rPr>
+              <a:t>.</a:t>
+            </a:r>
+            <a:r>
+              <a:rPr lang="en-US" sz="1400" dirty="0" err="1">
+                <a:solidFill>
+                  <a:srgbClr val="66C3CC"/>
+                </a:solidFill>
+                <a:effectLst/>
+              </a:rPr>
+              <a:t>rptr</a:t>
+            </a:r>
+            <a:r>
+              <a:rPr lang="en-US" sz="1400" dirty="0">
+                <a:solidFill>
+                  <a:srgbClr val="BDBDBD"/>
+                </a:solidFill>
+                <a:effectLst/>
+              </a:rPr>
+              <a:t>;</a:t>
+            </a:r>
+            <a:endParaRPr lang="en-US" sz="1400" dirty="0"/>
+          </a:p>
+        </p:txBody>
+      </p:sp>
     </p:spTree>
     <p:extLst>
       <p:ext uri="{BB962C8B-B14F-4D97-AF65-F5344CB8AC3E}">
@@ -21013,7 +21819,7 @@
           <a:lstStyle/>
           <a:p>
             <a:r>
-              <a:rPr lang="en-US" sz="1600" dirty="0">
+              <a:rPr lang="en-US" sz="1400" dirty="0">
                 <a:solidFill>
                   <a:srgbClr val="6C95EB"/>
                 </a:solidFill>
@@ -21021,7 +21827,7 @@
               <a:t>public void </a:t>
             </a:r>
             <a:r>
-              <a:rPr lang="en-US" sz="1600" dirty="0">
+              <a:rPr lang="en-US" sz="1400" dirty="0">
                 <a:solidFill>
                   <a:srgbClr val="39CC8F"/>
                 </a:solidFill>
@@ -21029,7 +21835,7 @@
               <a:t>Creation</a:t>
             </a:r>
             <a:r>
-              <a:rPr lang="en-US" sz="1600" dirty="0">
+              <a:rPr lang="en-US" sz="1400" dirty="0">
                 <a:solidFill>
                   <a:srgbClr val="BDBDBD"/>
                 </a:solidFill>
@@ -21037,7 +21843,7 @@
               <a:t>(</a:t>
             </a:r>
             <a:r>
-              <a:rPr lang="en-US" sz="1600" dirty="0">
+              <a:rPr lang="en-US" sz="1400" dirty="0">
                 <a:solidFill>
                   <a:srgbClr val="6C95EB"/>
                 </a:solidFill>
@@ -21045,7 +21851,7 @@
               <a:t>int </a:t>
             </a:r>
             <a:r>
-              <a:rPr lang="en-US" sz="1600" dirty="0">
+              <a:rPr lang="en-US" sz="1400" dirty="0">
                 <a:solidFill>
                   <a:srgbClr val="BDBDBD"/>
                 </a:solidFill>
@@ -21053,14 +21859,14 @@
               <a:t>ele)</a:t>
             </a:r>
             <a:br>
-              <a:rPr lang="en-US" sz="1600" dirty="0">
+              <a:rPr lang="en-US" sz="1400" dirty="0">
                 <a:solidFill>
                   <a:srgbClr val="BDBDBD"/>
                 </a:solidFill>
               </a:rPr>
             </a:br>
             <a:r>
-              <a:rPr lang="en-US" sz="1600" dirty="0">
+              <a:rPr lang="en-US" sz="1400" dirty="0">
                 <a:solidFill>
                   <a:srgbClr val="BDBDBD"/>
                 </a:solidFill>
@@ -21068,14 +21874,14 @@
               <a:t>{</a:t>
             </a:r>
             <a:br>
-              <a:rPr lang="en-US" sz="1600" dirty="0">
+              <a:rPr lang="en-US" sz="1400" dirty="0">
                 <a:solidFill>
                   <a:srgbClr val="BDBDBD"/>
                 </a:solidFill>
               </a:rPr>
             </a:br>
             <a:r>
-              <a:rPr lang="en-US" sz="1600" dirty="0">
+              <a:rPr lang="en-US" sz="1400" dirty="0">
                 <a:solidFill>
                   <a:srgbClr val="BDBDBD"/>
                 </a:solidFill>
@@ -21083,7 +21889,7 @@
               <a:t>    </a:t>
             </a:r>
             <a:r>
-              <a:rPr lang="en-US" sz="1600" dirty="0">
+              <a:rPr lang="en-US" sz="1400" dirty="0">
                 <a:solidFill>
                   <a:srgbClr val="66C3CC"/>
                 </a:solidFill>
@@ -21091,7 +21897,7 @@
               <a:t>newn </a:t>
             </a:r>
             <a:r>
-              <a:rPr lang="en-US" sz="1600" dirty="0">
+              <a:rPr lang="en-US" sz="1400" dirty="0">
                 <a:solidFill>
                   <a:srgbClr val="BDBDBD"/>
                 </a:solidFill>
@@ -21099,7 +21905,7 @@
               <a:t>= </a:t>
             </a:r>
             <a:r>
-              <a:rPr lang="en-US" sz="1600" dirty="0">
+              <a:rPr lang="en-US" sz="1400" dirty="0">
                 <a:solidFill>
                   <a:srgbClr val="6C95EB"/>
                 </a:solidFill>
@@ -21107,7 +21913,7 @@
               <a:t>new </a:t>
             </a:r>
             <a:r>
-              <a:rPr lang="en-US" sz="1600" dirty="0">
+              <a:rPr lang="en-US" sz="1400" dirty="0">
                 <a:solidFill>
                   <a:srgbClr val="C191FF"/>
                 </a:solidFill>
@@ -21115,7 +21921,7 @@
               <a:t>Node</a:t>
             </a:r>
             <a:r>
-              <a:rPr lang="en-US" sz="1600" dirty="0">
+              <a:rPr lang="en-US" sz="1400" dirty="0">
                 <a:solidFill>
                   <a:srgbClr val="BDBDBD"/>
                 </a:solidFill>
@@ -21123,14 +21929,14 @@
               <a:t>();</a:t>
             </a:r>
             <a:br>
-              <a:rPr lang="en-US" sz="1600" dirty="0">
+              <a:rPr lang="en-US" sz="1400" dirty="0">
                 <a:solidFill>
                   <a:srgbClr val="BDBDBD"/>
                 </a:solidFill>
               </a:rPr>
             </a:br>
             <a:r>
-              <a:rPr lang="en-US" sz="1600" dirty="0">
+              <a:rPr lang="en-US" sz="1400" dirty="0">
                 <a:solidFill>
                   <a:srgbClr val="BDBDBD"/>
                 </a:solidFill>
@@ -21138,7 +21944,7 @@
               <a:t>    </a:t>
             </a:r>
             <a:r>
-              <a:rPr lang="en-US" sz="1600" dirty="0">
+              <a:rPr lang="en-US" sz="1400" dirty="0">
                 <a:solidFill>
                   <a:srgbClr val="66C3CC"/>
                 </a:solidFill>
@@ -21146,7 +21952,7 @@
               <a:t>newn</a:t>
             </a:r>
             <a:r>
-              <a:rPr lang="en-US" sz="1600" dirty="0">
+              <a:rPr lang="en-US" sz="1400" dirty="0">
                 <a:solidFill>
                   <a:srgbClr val="BDBDBD"/>
                 </a:solidFill>
@@ -21154,7 +21960,7 @@
               <a:t>.</a:t>
             </a:r>
             <a:r>
-              <a:rPr lang="en-US" sz="1600" dirty="0">
+              <a:rPr lang="en-US" sz="1400" dirty="0">
                 <a:solidFill>
                   <a:srgbClr val="66C3CC"/>
                 </a:solidFill>
@@ -21162,7 +21968,7 @@
               <a:t>info </a:t>
             </a:r>
             <a:r>
-              <a:rPr lang="en-US" sz="1600" dirty="0">
+              <a:rPr lang="en-US" sz="1400" dirty="0">
                 <a:solidFill>
                   <a:srgbClr val="BDBDBD"/>
                 </a:solidFill>
@@ -21170,14 +21976,14 @@
               <a:t>= ele;</a:t>
             </a:r>
             <a:br>
-              <a:rPr lang="en-US" sz="1600" dirty="0">
+              <a:rPr lang="en-US" sz="1400" dirty="0">
                 <a:solidFill>
                   <a:srgbClr val="BDBDBD"/>
                 </a:solidFill>
               </a:rPr>
             </a:br>
             <a:r>
-              <a:rPr lang="en-US" sz="1600" dirty="0">
+              <a:rPr lang="en-US" sz="1400" dirty="0">
                 <a:solidFill>
                   <a:srgbClr val="BDBDBD"/>
                 </a:solidFill>
@@ -21185,7 +21991,7 @@
               <a:t>    </a:t>
             </a:r>
             <a:r>
-              <a:rPr lang="en-US" sz="1600" dirty="0">
+              <a:rPr lang="en-US" sz="1400" dirty="0">
                 <a:solidFill>
                   <a:srgbClr val="6C95EB"/>
                 </a:solidFill>
@@ -21193,7 +21999,7 @@
               <a:t>if </a:t>
             </a:r>
             <a:r>
-              <a:rPr lang="en-US" sz="1600" dirty="0">
+              <a:rPr lang="en-US" sz="1400" dirty="0">
                 <a:solidFill>
                   <a:srgbClr val="BDBDBD"/>
                 </a:solidFill>
@@ -21201,7 +22007,7 @@
               <a:t>(</a:t>
             </a:r>
             <a:r>
-              <a:rPr lang="en-US" sz="1600" dirty="0">
+              <a:rPr lang="en-US" sz="1400" dirty="0">
                 <a:solidFill>
                   <a:srgbClr val="66C3CC"/>
                 </a:solidFill>
@@ -21209,7 +22015,7 @@
               <a:t>head </a:t>
             </a:r>
             <a:r>
-              <a:rPr lang="en-US" sz="1600" dirty="0">
+              <a:rPr lang="en-US" sz="1400" dirty="0">
                 <a:solidFill>
                   <a:srgbClr val="BDBDBD"/>
                 </a:solidFill>
@@ -21217,7 +22023,7 @@
               <a:t>== </a:t>
             </a:r>
             <a:r>
-              <a:rPr lang="en-US" sz="1600" dirty="0">
+              <a:rPr lang="en-US" sz="1400" dirty="0">
                 <a:solidFill>
                   <a:srgbClr val="6C95EB"/>
                 </a:solidFill>
@@ -21225,7 +22031,7 @@
               <a:t>null</a:t>
             </a:r>
             <a:r>
-              <a:rPr lang="en-US" sz="1600" dirty="0">
+              <a:rPr lang="en-US" sz="1400" dirty="0">
                 <a:solidFill>
                   <a:srgbClr val="BDBDBD"/>
                 </a:solidFill>
@@ -21233,14 +22039,14 @@
               <a:t>)</a:t>
             </a:r>
             <a:br>
-              <a:rPr lang="en-US" sz="1600" dirty="0">
+              <a:rPr lang="en-US" sz="1400" dirty="0">
                 <a:solidFill>
                   <a:srgbClr val="BDBDBD"/>
                 </a:solidFill>
               </a:rPr>
             </a:br>
             <a:r>
-              <a:rPr lang="en-US" sz="1600" dirty="0">
+              <a:rPr lang="en-US" sz="1400" dirty="0">
                 <a:solidFill>
                   <a:srgbClr val="BDBDBD"/>
                 </a:solidFill>
@@ -21248,14 +22054,14 @@
               <a:t>    {</a:t>
             </a:r>
             <a:br>
-              <a:rPr lang="en-US" sz="1600" dirty="0">
+              <a:rPr lang="en-US" sz="1400" dirty="0">
                 <a:solidFill>
                   <a:srgbClr val="BDBDBD"/>
                 </a:solidFill>
               </a:rPr>
             </a:br>
             <a:r>
-              <a:rPr lang="en-US" sz="1600" dirty="0">
+              <a:rPr lang="en-US" sz="1400" dirty="0">
                 <a:solidFill>
                   <a:srgbClr val="BDBDBD"/>
                 </a:solidFill>
@@ -21263,7 +22069,7 @@
               <a:t>        </a:t>
             </a:r>
             <a:r>
-              <a:rPr lang="en-US" sz="1600" dirty="0">
+              <a:rPr lang="en-US" sz="1400" dirty="0">
                 <a:solidFill>
                   <a:srgbClr val="66C3CC"/>
                 </a:solidFill>
@@ -21271,7 +22077,7 @@
               <a:t>newn</a:t>
             </a:r>
             <a:r>
-              <a:rPr lang="en-US" sz="1600" dirty="0">
+              <a:rPr lang="en-US" sz="1400" dirty="0">
                 <a:solidFill>
                   <a:srgbClr val="BDBDBD"/>
                 </a:solidFill>
@@ -21279,15 +22085,15 @@
               <a:t>.</a:t>
             </a:r>
             <a:r>
-              <a:rPr lang="en-US" sz="1600" dirty="0">
+              <a:rPr lang="en-US" sz="1400" dirty="0">
                 <a:solidFill>
                   <a:srgbClr val="66C3CC"/>
                 </a:solidFill>
               </a:rPr>
-              <a:t>ptr </a:t>
-            </a:r>
-            <a:r>
-              <a:rPr lang="en-US" sz="1600" dirty="0">
+              <a:t>lptr </a:t>
+            </a:r>
+            <a:r>
+              <a:rPr lang="en-US" sz="1400" dirty="0">
                 <a:solidFill>
                   <a:srgbClr val="BDBDBD"/>
                 </a:solidFill>
@@ -21295,7 +22101,7 @@
               <a:t>= </a:t>
             </a:r>
             <a:r>
-              <a:rPr lang="en-US" sz="1600" dirty="0">
+              <a:rPr lang="en-US" sz="1400" dirty="0">
                 <a:solidFill>
                   <a:srgbClr val="6C95EB"/>
                 </a:solidFill>
@@ -21303,7 +22109,7 @@
               <a:t>null</a:t>
             </a:r>
             <a:r>
-              <a:rPr lang="en-US" sz="1600" dirty="0">
+              <a:rPr lang="en-US" sz="1400" dirty="0">
                 <a:solidFill>
                   <a:srgbClr val="BDBDBD"/>
                 </a:solidFill>
@@ -21311,14 +22117,14 @@
               <a:t>;</a:t>
             </a:r>
             <a:br>
-              <a:rPr lang="en-US" sz="1600" dirty="0">
+              <a:rPr lang="en-US" sz="1400" dirty="0">
                 <a:solidFill>
                   <a:srgbClr val="BDBDBD"/>
                 </a:solidFill>
               </a:rPr>
             </a:br>
             <a:r>
-              <a:rPr lang="en-US" sz="1600" dirty="0">
+              <a:rPr lang="en-US" sz="1400" dirty="0">
                 <a:solidFill>
                   <a:srgbClr val="BDBDBD"/>
                 </a:solidFill>
@@ -21326,15 +22132,78 @@
               <a:t>        </a:t>
             </a:r>
             <a:r>
-              <a:rPr lang="en-US" sz="1600" dirty="0">
+              <a:rPr lang="en-US" sz="1400" dirty="0">
                 <a:solidFill>
                   <a:srgbClr val="66C3CC"/>
                 </a:solidFill>
               </a:rPr>
+              <a:t>newn</a:t>
+            </a:r>
+            <a:r>
+              <a:rPr lang="en-US" sz="1400" dirty="0">
+                <a:solidFill>
+                  <a:srgbClr val="BDBDBD"/>
+                </a:solidFill>
+              </a:rPr>
+              <a:t>.</a:t>
+            </a:r>
+            <a:r>
+              <a:rPr lang="en-US" sz="1400" dirty="0">
+                <a:solidFill>
+                  <a:srgbClr val="66C3CC"/>
+                </a:solidFill>
+              </a:rPr>
+              <a:t>rptr </a:t>
+            </a:r>
+            <a:r>
+              <a:rPr lang="en-US" sz="1400" dirty="0">
+                <a:solidFill>
+                  <a:srgbClr val="BDBDBD"/>
+                </a:solidFill>
+              </a:rPr>
+              <a:t>= </a:t>
+            </a:r>
+            <a:r>
+              <a:rPr lang="en-US" sz="1400" dirty="0">
+                <a:solidFill>
+                  <a:srgbClr val="6C95EB"/>
+                </a:solidFill>
+              </a:rPr>
+              <a:t>null</a:t>
+            </a:r>
+            <a:r>
+              <a:rPr lang="en-US" sz="1400" dirty="0">
+                <a:solidFill>
+                  <a:srgbClr val="BDBDBD"/>
+                </a:solidFill>
+              </a:rPr>
+              <a:t>;</a:t>
+            </a:r>
+            <a:br>
+              <a:rPr lang="en-US" sz="1400" dirty="0">
+                <a:solidFill>
+                  <a:srgbClr val="BDBDBD"/>
+                </a:solidFill>
+              </a:rPr>
+            </a:br>
+            <a:r>
+              <a:rPr lang="en-US" sz="1400" dirty="0">
+                <a:solidFill>
+                  <a:srgbClr val="BDBDBD"/>
+                </a:solidFill>
+              </a:rPr>
+              <a:t>        </a:t>
+            </a:r>
+            <a:r>
+              <a:rPr lang="en-US" sz="1400" dirty="0">
+                <a:solidFill>
+                  <a:srgbClr val="66C3CC"/>
+                </a:solidFill>
+              </a:rPr>
               <a:t>head </a:t>
             </a:r>
             <a:r>
-              <a:rPr lang="en-US" sz="1600" dirty="0">
+              <a:rPr lang="en-US" sz="1400" dirty="0">
                 <a:solidFill>
                   <a:srgbClr val="BDBDBD"/>
                 </a:solidFill>
@@ -21342,15 +22211,15 @@
               <a:t>= </a:t>
             </a:r>
             <a:r>
-              <a:rPr lang="en-US" sz="1600" dirty="0">
+              <a:rPr lang="en-US" sz="1400" dirty="0">
                 <a:solidFill>
                   <a:srgbClr val="66C3CC"/>
                 </a:solidFill>
               </a:rPr>
-              <a:t>cur </a:t>
-            </a:r>
-            <a:r>
-              <a:rPr lang="en-US" sz="1600" dirty="0">
+              <a:t>tail </a:t>
+            </a:r>
+            <a:r>
+              <a:rPr lang="en-US" sz="1400" dirty="0">
                 <a:solidFill>
                   <a:srgbClr val="BDBDBD"/>
                 </a:solidFill>
@@ -21358,7 +22227,7 @@
               <a:t>= </a:t>
             </a:r>
             <a:r>
-              <a:rPr lang="en-US" sz="1600" dirty="0">
+              <a:rPr lang="en-US" sz="1400" dirty="0">
                 <a:solidFill>
                   <a:srgbClr val="66C3CC"/>
                 </a:solidFill>
@@ -21366,7 +22235,7 @@
               <a:t>newn</a:t>
             </a:r>
             <a:r>
-              <a:rPr lang="en-US" sz="1600" dirty="0">
+              <a:rPr lang="en-US" sz="1400" dirty="0">
                 <a:solidFill>
                   <a:srgbClr val="BDBDBD"/>
                 </a:solidFill>
@@ -21374,14 +22243,14 @@
               <a:t>;</a:t>
             </a:r>
             <a:br>
-              <a:rPr lang="en-US" sz="1600" dirty="0">
+              <a:rPr lang="en-US" sz="1400" dirty="0">
                 <a:solidFill>
                   <a:srgbClr val="BDBDBD"/>
                 </a:solidFill>
               </a:rPr>
             </a:br>
             <a:r>
-              <a:rPr lang="en-US" sz="1600" dirty="0">
+              <a:rPr lang="en-US" sz="1400" dirty="0">
                 <a:solidFill>
                   <a:srgbClr val="BDBDBD"/>
                 </a:solidFill>
@@ -21389,14 +22258,14 @@
               <a:t>    }</a:t>
             </a:r>
             <a:br>
-              <a:rPr lang="en-US" sz="1600" dirty="0">
+              <a:rPr lang="en-US" sz="1400" dirty="0">
                 <a:solidFill>
                   <a:srgbClr val="BDBDBD"/>
                 </a:solidFill>
               </a:rPr>
             </a:br>
             <a:r>
-              <a:rPr lang="en-US" sz="1600" dirty="0">
+              <a:rPr lang="en-US" sz="1400" dirty="0">
                 <a:solidFill>
                   <a:srgbClr val="BDBDBD"/>
                 </a:solidFill>
@@ -21404,7 +22273,7 @@
               <a:t>    </a:t>
             </a:r>
             <a:r>
-              <a:rPr lang="en-US" sz="1600" dirty="0">
+              <a:rPr lang="en-US" sz="1400" dirty="0">
                 <a:solidFill>
                   <a:srgbClr val="6C95EB"/>
                 </a:solidFill>
@@ -21412,14 +22281,14 @@
               <a:t>else</a:t>
             </a:r>
             <a:br>
-              <a:rPr lang="en-US" sz="1600" dirty="0">
+              <a:rPr lang="en-US" sz="1400" dirty="0">
                 <a:solidFill>
                   <a:srgbClr val="6C95EB"/>
                 </a:solidFill>
               </a:rPr>
             </a:br>
             <a:r>
-              <a:rPr lang="en-US" sz="1600" dirty="0">
+              <a:rPr lang="en-US" sz="1400" dirty="0">
                 <a:solidFill>
                   <a:srgbClr val="6C95EB"/>
                 </a:solidFill>
@@ -21427,7 +22296,7 @@
               <a:t>    </a:t>
             </a:r>
             <a:r>
-              <a:rPr lang="en-US" sz="1600" dirty="0">
+              <a:rPr lang="en-US" sz="1400" dirty="0">
                 <a:solidFill>
                   <a:srgbClr val="BDBDBD"/>
                 </a:solidFill>
@@ -21435,14 +22304,14 @@
               <a:t>{</a:t>
             </a:r>
             <a:br>
-              <a:rPr lang="en-US" sz="1600" dirty="0">
+              <a:rPr lang="en-US" sz="1400" dirty="0">
                 <a:solidFill>
                   <a:srgbClr val="BDBDBD"/>
                 </a:solidFill>
               </a:rPr>
             </a:br>
             <a:r>
-              <a:rPr lang="en-US" sz="1600" dirty="0">
+              <a:rPr lang="en-US" sz="1400" dirty="0">
                 <a:solidFill>
                   <a:srgbClr val="BDBDBD"/>
                 </a:solidFill>
@@ -21450,7 +22319,7 @@
               <a:t>        </a:t>
             </a:r>
             <a:r>
-              <a:rPr lang="en-US" sz="1600" dirty="0">
+              <a:rPr lang="en-US" sz="1400" dirty="0">
                 <a:solidFill>
                   <a:srgbClr val="66C3CC"/>
                 </a:solidFill>
@@ -21458,7 +22327,7 @@
               <a:t>newn</a:t>
             </a:r>
             <a:r>
-              <a:rPr lang="en-US" sz="1600" dirty="0">
+              <a:rPr lang="en-US" sz="1400" dirty="0">
                 <a:solidFill>
                   <a:srgbClr val="BDBDBD"/>
                 </a:solidFill>
@@ -21466,15 +22335,15 @@
               <a:t>.</a:t>
             </a:r>
             <a:r>
-              <a:rPr lang="en-US" sz="1600" dirty="0">
+              <a:rPr lang="en-US" sz="1400" dirty="0">
                 <a:solidFill>
                   <a:srgbClr val="66C3CC"/>
                 </a:solidFill>
               </a:rPr>
-              <a:t>ptr </a:t>
-            </a:r>
-            <a:r>
-              <a:rPr lang="en-US" sz="1600" dirty="0">
+              <a:t>rptr </a:t>
+            </a:r>
+            <a:r>
+              <a:rPr lang="en-US" sz="1400" dirty="0">
                 <a:solidFill>
                   <a:srgbClr val="BDBDBD"/>
                 </a:solidFill>
@@ -21482,7 +22351,7 @@
               <a:t>= </a:t>
             </a:r>
             <a:r>
-              <a:rPr lang="en-US" sz="1600" dirty="0">
+              <a:rPr lang="en-US" sz="1400" dirty="0">
                 <a:solidFill>
                   <a:srgbClr val="6C95EB"/>
                 </a:solidFill>
@@ -21490,7 +22359,7 @@
               <a:t>null</a:t>
             </a:r>
             <a:r>
-              <a:rPr lang="en-US" sz="1600" dirty="0">
+              <a:rPr lang="en-US" sz="1400" dirty="0">
                 <a:solidFill>
                   <a:srgbClr val="BDBDBD"/>
                 </a:solidFill>
@@ -21498,14 +22367,14 @@
               <a:t>;</a:t>
             </a:r>
             <a:br>
-              <a:rPr lang="en-US" sz="1600" dirty="0">
+              <a:rPr lang="en-US" sz="1400" dirty="0">
                 <a:solidFill>
                   <a:srgbClr val="BDBDBD"/>
                 </a:solidFill>
               </a:rPr>
             </a:br>
             <a:r>
-              <a:rPr lang="en-US" sz="1600" dirty="0">
+              <a:rPr lang="en-US" sz="1400" dirty="0">
                 <a:solidFill>
                   <a:srgbClr val="BDBDBD"/>
                 </a:solidFill>
@@ -21513,15 +22382,15 @@
               <a:t>        </a:t>
             </a:r>
             <a:r>
-              <a:rPr lang="en-US" sz="1600" dirty="0">
+              <a:rPr lang="en-US" sz="1400" dirty="0">
                 <a:solidFill>
                   <a:srgbClr val="66C3CC"/>
                 </a:solidFill>
               </a:rPr>
-              <a:t>cur</a:t>
-            </a:r>
-            <a:r>
-              <a:rPr lang="en-US" sz="1600" dirty="0">
+              <a:t>newn</a:t>
+            </a:r>
+            <a:r>
+              <a:rPr lang="en-US" sz="1400" dirty="0">
                 <a:solidFill>
                   <a:srgbClr val="BDBDBD"/>
                 </a:solidFill>
@@ -21529,15 +22398,15 @@
               <a:t>.</a:t>
             </a:r>
             <a:r>
-              <a:rPr lang="en-US" sz="1600" dirty="0">
+              <a:rPr lang="en-US" sz="1400" dirty="0">
                 <a:solidFill>
                   <a:srgbClr val="66C3CC"/>
                 </a:solidFill>
               </a:rPr>
-              <a:t>ptr </a:t>
-            </a:r>
-            <a:r>
-              <a:rPr lang="en-US" sz="1600" dirty="0">
+              <a:t>lptr </a:t>
+            </a:r>
+            <a:r>
+              <a:rPr lang="en-US" sz="1400" dirty="0">
                 <a:solidFill>
                   <a:srgbClr val="BDBDBD"/>
                 </a:solidFill>
@@ -21545,15 +22414,78 @@
               <a:t>= </a:t>
             </a:r>
             <a:r>
-              <a:rPr lang="en-US" sz="1600" dirty="0">
+              <a:rPr lang="en-US" sz="1400" dirty="0">
                 <a:solidFill>
                   <a:srgbClr val="66C3CC"/>
                 </a:solidFill>
               </a:rPr>
+              <a:t>tail</a:t>
+            </a:r>
+            <a:r>
+              <a:rPr lang="en-US" sz="1400" dirty="0">
+                <a:solidFill>
+                  <a:srgbClr val="BDBDBD"/>
+                </a:solidFill>
+              </a:rPr>
+              <a:t>;</a:t>
+            </a:r>
+            <a:br>
+              <a:rPr lang="en-US" sz="1400" dirty="0">
+                <a:solidFill>
+                  <a:srgbClr val="BDBDBD"/>
+                </a:solidFill>
+              </a:rPr>
+            </a:br>
+            <a:r>
+              <a:rPr lang="en-US" sz="1400" dirty="0">
+                <a:solidFill>
+                  <a:srgbClr val="BDBDBD"/>
+                </a:solidFill>
+              </a:rPr>
+              <a:t>        </a:t>
+            </a:r>
+            <a:r>
+              <a:rPr lang="en-US" sz="1400" dirty="0">
+                <a:solidFill>
+                  <a:srgbClr val="66C3CC"/>
+                </a:solidFill>
+              </a:rPr>
+              <a:t>tail</a:t>
+            </a:r>
+            <a:r>
+              <a:rPr lang="en-US" sz="1400" dirty="0">
+                <a:solidFill>
+                  <a:srgbClr val="BDBDBD"/>
+                </a:solidFill>
+              </a:rPr>
+              <a:t>.</a:t>
+            </a:r>
+            <a:r>
+              <a:rPr lang="en-US" sz="1400" dirty="0">
+                <a:solidFill>
+                  <a:srgbClr val="66C3CC"/>
+                </a:solidFill>
+              </a:rPr>
+              <a:t>rptr </a:t>
+            </a:r>
+            <a:r>
+              <a:rPr lang="en-US" sz="1400" dirty="0">
+                <a:solidFill>
+                  <a:srgbClr val="BDBDBD"/>
+                </a:solidFill>
+              </a:rPr>
+              <a:t>= </a:t>
+            </a:r>
+            <a:r>
+              <a:rPr lang="en-US" sz="1400" dirty="0">
+                <a:solidFill>
+                  <a:srgbClr val="66C3CC"/>
+                </a:solidFill>
+              </a:rPr>
               <a:t>newn</a:t>
             </a:r>
             <a:r>
-              <a:rPr lang="en-US" sz="1600" dirty="0">
+              <a:rPr lang="en-US" sz="1400" dirty="0">
                 <a:solidFill>
                   <a:srgbClr val="BDBDBD"/>
                 </a:solidFill>
@@ -21561,14 +22493,14 @@
               <a:t>;</a:t>
             </a:r>
             <a:br>
-              <a:rPr lang="en-US" sz="1600" dirty="0">
+              <a:rPr lang="en-US" sz="1400" dirty="0">
                 <a:solidFill>
                   <a:srgbClr val="BDBDBD"/>
                 </a:solidFill>
               </a:rPr>
             </a:br>
             <a:r>
-              <a:rPr lang="en-US" sz="1600" dirty="0">
+              <a:rPr lang="en-US" sz="1400" dirty="0">
                 <a:solidFill>
                   <a:srgbClr val="BDBDBD"/>
                 </a:solidFill>
@@ -21576,15 +22508,15 @@
               <a:t>        </a:t>
             </a:r>
             <a:r>
-              <a:rPr lang="en-US" sz="1600" dirty="0">
+              <a:rPr lang="en-US" sz="1400" dirty="0">
                 <a:solidFill>
                   <a:srgbClr val="66C3CC"/>
                 </a:solidFill>
               </a:rPr>
-              <a:t>cur </a:t>
-            </a:r>
-            <a:r>
-              <a:rPr lang="en-US" sz="1600" dirty="0">
+              <a:t>tail </a:t>
+            </a:r>
+            <a:r>
+              <a:rPr lang="en-US" sz="1400" dirty="0">
                 <a:solidFill>
                   <a:srgbClr val="BDBDBD"/>
                 </a:solidFill>
@@ -21592,7 +22524,7 @@
               <a:t>= </a:t>
             </a:r>
             <a:r>
-              <a:rPr lang="en-US" sz="1600" dirty="0">
+              <a:rPr lang="en-US" sz="1400" dirty="0">
                 <a:solidFill>
                   <a:srgbClr val="66C3CC"/>
                 </a:solidFill>
@@ -21600,7 +22532,7 @@
               <a:t>newn</a:t>
             </a:r>
             <a:r>
-              <a:rPr lang="en-US" sz="1600" dirty="0">
+              <a:rPr lang="en-US" sz="1400" dirty="0">
                 <a:solidFill>
                   <a:srgbClr val="BDBDBD"/>
                 </a:solidFill>
@@ -21608,14 +22540,14 @@
               <a:t>;</a:t>
             </a:r>
             <a:br>
-              <a:rPr lang="en-US" sz="1600" dirty="0">
+              <a:rPr lang="en-US" sz="1400" dirty="0">
                 <a:solidFill>
                   <a:srgbClr val="BDBDBD"/>
                 </a:solidFill>
               </a:rPr>
             </a:br>
             <a:r>
-              <a:rPr lang="en-US" sz="1600" dirty="0">
+              <a:rPr lang="en-US" sz="1400" dirty="0">
                 <a:solidFill>
                   <a:srgbClr val="BDBDBD"/>
                 </a:solidFill>
@@ -21623,14 +22555,14 @@
               <a:t>    }</a:t>
             </a:r>
             <a:br>
-              <a:rPr lang="en-US" sz="1600" dirty="0">
+              <a:rPr lang="en-US" sz="1400" dirty="0">
                 <a:solidFill>
                   <a:srgbClr val="BDBDBD"/>
                 </a:solidFill>
               </a:rPr>
             </a:br>
             <a:r>
-              <a:rPr lang="en-US" sz="1600" dirty="0">
+              <a:rPr lang="en-US" sz="1400" dirty="0">
                 <a:solidFill>
                   <a:srgbClr val="BDBDBD"/>
                 </a:solidFill>
@@ -21638,7 +22570,7 @@
               <a:t>    </a:t>
             </a:r>
             <a:r>
-              <a:rPr lang="en-US" sz="1600" dirty="0">
+              <a:rPr lang="en-US" sz="1400" dirty="0">
                 <a:solidFill>
                   <a:srgbClr val="66C3CC"/>
                 </a:solidFill>
@@ -21646,7 +22578,7 @@
               <a:t>length</a:t>
             </a:r>
             <a:r>
-              <a:rPr lang="en-US" sz="1600" dirty="0">
+              <a:rPr lang="en-US" sz="1400" dirty="0">
                 <a:solidFill>
                   <a:srgbClr val="BDBDBD"/>
                 </a:solidFill>
@@ -21654,21 +22586,21 @@
               <a:t>++;</a:t>
             </a:r>
             <a:br>
-              <a:rPr lang="en-US" sz="1600" dirty="0">
+              <a:rPr lang="en-US" sz="1400" dirty="0">
                 <a:solidFill>
                   <a:srgbClr val="BDBDBD"/>
                 </a:solidFill>
               </a:rPr>
             </a:br>
             <a:r>
-              <a:rPr lang="en-US" sz="1600" dirty="0">
+              <a:rPr lang="en-US" sz="1400" dirty="0">
                 <a:solidFill>
                   <a:srgbClr val="BDBDBD"/>
                 </a:solidFill>
               </a:rPr>
               <a:t>}</a:t>
             </a:r>
-            <a:endParaRPr lang="en-US" sz="1600" dirty="0"/>
+            <a:endParaRPr lang="en-US" sz="1400" dirty="0"/>
           </a:p>
         </p:txBody>
       </p:sp>
@@ -24665,7 +25597,7 @@
         <p:spPr>
           <a:xfrm>
             <a:off x="178891" y="367006"/>
-            <a:ext cx="2154399" cy="3208162"/>
+            <a:ext cx="2154399" cy="3638966"/>
           </a:xfrm>
           <a:prstGeom prst="rect">
             <a:avLst/>
@@ -24978,7 +25910,7 @@
                   <a:srgbClr val="66C3CC"/>
                 </a:solidFill>
               </a:rPr>
-              <a:t>ptr </a:t>
+              <a:t>lptr </a:t>
             </a:r>
             <a:r>
               <a:rPr lang="en-US" sz="1200" dirty="0">
@@ -25025,7 +25957,7 @@
                   <a:srgbClr val="66C3CC"/>
                 </a:solidFill>
               </a:rPr>
-              <a:t>head </a:t>
+              <a:t>newn</a:t>
             </a:r>
             <a:r>
               <a:rPr lang="en-US" sz="1200" dirty="0">
@@ -25033,31 +25965,31 @@
                   <a:srgbClr val="BDBDBD"/>
                 </a:solidFill>
               </a:rPr>
+              <a:t>.</a:t>
+            </a:r>
+            <a:r>
+              <a:rPr lang="en-US" sz="1200" dirty="0">
+                <a:solidFill>
+                  <a:srgbClr val="66C3CC"/>
+                </a:solidFill>
+              </a:rPr>
+              <a:t>rptr </a:t>
+            </a:r>
+            <a:r>
+              <a:rPr lang="en-US" sz="1200" dirty="0">
+                <a:solidFill>
+                  <a:srgbClr val="BDBDBD"/>
+                </a:solidFill>
+              </a:rPr>
               <a:t>= </a:t>
             </a:r>
             <a:r>
               <a:rPr lang="en-US" sz="1200" dirty="0">
                 <a:solidFill>
-                  <a:srgbClr val="66C3CC"/>
-                </a:solidFill>
-              </a:rPr>
-              <a:t>cur </a:t>
-            </a:r>
-            <a:r>
-              <a:rPr lang="en-US" sz="1200" dirty="0">
-                <a:solidFill>
-                  <a:srgbClr val="BDBDBD"/>
-                </a:solidFill>
-              </a:rPr>
-              <a:t>= </a:t>
-            </a:r>
-            <a:r>
-              <a:rPr lang="en-US" sz="1200" dirty="0">
-                <a:solidFill>
-                  <a:srgbClr val="66C3CC"/>
-                </a:solidFill>
-              </a:rPr>
-              <a:t>newn</a:t>
+                  <a:srgbClr val="6C95EB"/>
+                </a:solidFill>
+              </a:rPr>
+              <a:t>null</a:t>
             </a:r>
             <a:r>
               <a:rPr lang="en-US" sz="1200" dirty="0">
@@ -25080,7 +26012,55 @@
                   <a:srgbClr val="BDBDBD"/>
                 </a:solidFill>
               </a:rPr>
-              <a:t>    }</a:t>
+              <a:t>        </a:t>
+            </a:r>
+            <a:r>
+              <a:rPr lang="en-US" sz="1200" dirty="0">
+                <a:solidFill>
+                  <a:srgbClr val="66C3CC"/>
+                </a:solidFill>
+              </a:rPr>
+              <a:t>head </a:t>
+            </a:r>
+            <a:r>
+              <a:rPr lang="en-US" sz="1200" dirty="0">
+                <a:solidFill>
+                  <a:srgbClr val="BDBDBD"/>
+                </a:solidFill>
+              </a:rPr>
+              <a:t>= </a:t>
+            </a:r>
+            <a:r>
+              <a:rPr lang="en-US" sz="1200" dirty="0">
+                <a:solidFill>
+                  <a:srgbClr val="66C3CC"/>
+                </a:solidFill>
+              </a:rPr>
+              <a:t>tail </a:t>
+            </a:r>
+            <a:r>
+              <a:rPr lang="en-US" sz="1200" dirty="0">
+                <a:solidFill>
+                  <a:srgbClr val="BDBDBD"/>
+                </a:solidFill>
+              </a:rPr>
+              <a:t>= </a:t>
+            </a:r>
+            <a:r>
+              <a:rPr lang="en-US" sz="1200" dirty="0">
+                <a:solidFill>
+                  <a:srgbClr val="66C3CC"/>
+                </a:solidFill>
+              </a:rPr>
+              <a:t>newn</a:t>
+            </a:r>
+            <a:r>
+              <a:rPr lang="en-US" sz="1200" dirty="0">
+                <a:solidFill>
+                  <a:srgbClr val="BDBDBD"/>
+                </a:solidFill>
+              </a:rPr>
+              <a:t>;</a:t>
             </a:r>
             <a:br>
               <a:rPr lang="en-US" sz="1200" dirty="0">
@@ -25095,101 +26075,53 @@
                   <a:srgbClr val="BDBDBD"/>
                 </a:solidFill>
               </a:rPr>
-              <a:t>    </a:t>
-            </a:r>
-            <a:r>
-              <a:rPr lang="en-US" sz="1200" dirty="0">
-                <a:solidFill>
-                  <a:srgbClr val="6C95EB"/>
-                </a:solidFill>
-              </a:rPr>
-              <a:t>else</a:t>
+              <a:t>    }</a:t>
             </a:r>
             <a:br>
               <a:rPr lang="en-US" sz="1200" dirty="0">
                 <a:solidFill>
+                  <a:srgbClr val="BDBDBD"/>
+                </a:solidFill>
+              </a:rPr>
+            </a:br>
+            <a:r>
+              <a:rPr lang="en-US" sz="1200" dirty="0">
+                <a:solidFill>
+                  <a:srgbClr val="BDBDBD"/>
+                </a:solidFill>
+              </a:rPr>
+              <a:t>    </a:t>
+            </a:r>
+            <a:r>
+              <a:rPr lang="en-US" sz="1200" dirty="0">
+                <a:solidFill>
                   <a:srgbClr val="6C95EB"/>
                 </a:solidFill>
               </a:rPr>
-            </a:br>
-            <a:r>
-              <a:rPr lang="en-US" sz="1200" dirty="0">
-                <a:solidFill>
-                  <a:srgbClr val="6C95EB"/>
-                </a:solidFill>
-              </a:rPr>
-              <a:t>    </a:t>
-            </a:r>
-            <a:r>
-              <a:rPr lang="en-US" sz="1200" dirty="0">
-                <a:solidFill>
-                  <a:srgbClr val="BDBDBD"/>
-                </a:solidFill>
-              </a:rPr>
-              <a:t>{</a:t>
+              <a:t>else</a:t>
             </a:r>
             <a:br>
               <a:rPr lang="en-US" sz="1200" dirty="0">
                 <a:solidFill>
-                  <a:srgbClr val="BDBDBD"/>
+                  <a:srgbClr val="6C95EB"/>
                 </a:solidFill>
               </a:rPr>
             </a:br>
             <a:r>
               <a:rPr lang="en-US" sz="1200" dirty="0">
                 <a:solidFill>
-                  <a:srgbClr val="BDBDBD"/>
-                </a:solidFill>
-              </a:rPr>
-              <a:t>        </a:t>
+                  <a:srgbClr val="6C95EB"/>
+                </a:solidFill>
+              </a:rPr>
+              <a:t>    </a:t>
             </a:r>
             <a:r>
               <a:rPr lang="en-US" sz="1200" dirty="0">
                 <a:solidFill>
-                  <a:srgbClr val="66C3CC"/>
-                </a:solidFill>
-              </a:rPr>
-              <a:t>newn</a:t>
-            </a:r>
-            <a:r>
-              <a:rPr lang="en-US" sz="1200" dirty="0">
-                <a:solidFill>
-                  <a:srgbClr val="BDBDBD"/>
-                </a:solidFill>
-              </a:rPr>
-              <a:t>.</a:t>
-            </a:r>
-            <a:r>
-              <a:rPr lang="en-US" sz="1200" dirty="0">
-                <a:solidFill>
-                  <a:srgbClr val="66C3CC"/>
-                </a:solidFill>
-              </a:rPr>
-              <a:t>ptr </a:t>
-            </a:r>
-            <a:r>
-              <a:rPr lang="en-US" sz="1200" dirty="0">
-                <a:solidFill>
-                  <a:srgbClr val="BDBDBD"/>
-                </a:solidFill>
-              </a:rPr>
-              <a:t>= </a:t>
-            </a:r>
-            <a:r>
-              <a:rPr lang="en-US" sz="1200" dirty="0">
-                <a:solidFill>
-                  <a:srgbClr val="6C95EB"/>
-                </a:solidFill>
-              </a:rPr>
-              <a:t>null</a:t>
-            </a:r>
-            <a:r>
-              <a:rPr lang="en-US" sz="1200" dirty="0">
-                <a:solidFill>
-                  <a:srgbClr val="BDBDBD"/>
-                </a:solidFill>
-              </a:rPr>
-              <a:t>;</a:t>
+                  <a:srgbClr val="BDBDBD"/>
+                </a:solidFill>
+              </a:rPr>
+              <a:t>{</a:t>
             </a:r>
             <a:br>
               <a:rPr lang="en-US" sz="1200" dirty="0">
@@ -25212,7 +26144,7 @@
                   <a:srgbClr val="66C3CC"/>
                 </a:solidFill>
               </a:rPr>
-              <a:t>cur</a:t>
+              <a:t>newn</a:t>
             </a:r>
             <a:r>
               <a:rPr lang="en-US" sz="1200" dirty="0">
@@ -25228,7 +26160,7 @@
                   <a:srgbClr val="66C3CC"/>
                 </a:solidFill>
               </a:rPr>
-              <a:t>ptr </a:t>
+              <a:t>rptr </a:t>
             </a:r>
             <a:r>
               <a:rPr lang="en-US" sz="1200" dirty="0">
@@ -25241,10 +26173,10 @@
             <a:r>
               <a:rPr lang="en-US" sz="1200" dirty="0">
                 <a:solidFill>
-                  <a:srgbClr val="66C3CC"/>
-                </a:solidFill>
-              </a:rPr>
-              <a:t>newn</a:t>
+                  <a:srgbClr val="6C95EB"/>
+                </a:solidFill>
+              </a:rPr>
+              <a:t>null</a:t>
             </a:r>
             <a:r>
               <a:rPr lang="en-US" sz="1200" dirty="0">
@@ -25275,7 +26207,133 @@
                   <a:srgbClr val="66C3CC"/>
                 </a:solidFill>
               </a:rPr>
-              <a:t>cur </a:t>
+              <a:t>newn</a:t>
+            </a:r>
+            <a:r>
+              <a:rPr lang="en-US" sz="1200" dirty="0">
+                <a:solidFill>
+                  <a:srgbClr val="BDBDBD"/>
+                </a:solidFill>
+              </a:rPr>
+              <a:t>.</a:t>
+            </a:r>
+            <a:r>
+              <a:rPr lang="en-US" sz="1200" dirty="0">
+                <a:solidFill>
+                  <a:srgbClr val="66C3CC"/>
+                </a:solidFill>
+              </a:rPr>
+              <a:t>lptr </a:t>
+            </a:r>
+            <a:r>
+              <a:rPr lang="en-US" sz="1200" dirty="0">
+                <a:solidFill>
+                  <a:srgbClr val="BDBDBD"/>
+                </a:solidFill>
+              </a:rPr>
+              <a:t>= </a:t>
+            </a:r>
+            <a:r>
+              <a:rPr lang="en-US" sz="1200" dirty="0">
+                <a:solidFill>
+                  <a:srgbClr val="66C3CC"/>
+                </a:solidFill>
+              </a:rPr>
+              <a:t>tail</a:t>
+            </a:r>
+            <a:r>
+              <a:rPr lang="en-US" sz="1200" dirty="0">
+                <a:solidFill>
+                  <a:srgbClr val="BDBDBD"/>
+                </a:solidFill>
+              </a:rPr>
+              <a:t>;</a:t>
+            </a:r>
+            <a:br>
+              <a:rPr lang="en-US" sz="1200" dirty="0">
+                <a:solidFill>
+                  <a:srgbClr val="BDBDBD"/>
+                </a:solidFill>
+              </a:rPr>
+            </a:br>
+            <a:r>
+              <a:rPr lang="en-US" sz="1200" dirty="0">
+                <a:solidFill>
+                  <a:srgbClr val="BDBDBD"/>
+                </a:solidFill>
+              </a:rPr>
+              <a:t>        </a:t>
+            </a:r>
+            <a:r>
+              <a:rPr lang="en-US" sz="1200" dirty="0">
+                <a:solidFill>
+                  <a:srgbClr val="66C3CC"/>
+                </a:solidFill>
+              </a:rPr>
+              <a:t>tail</a:t>
+            </a:r>
+            <a:r>
+              <a:rPr lang="en-US" sz="1200" dirty="0">
+                <a:solidFill>
+                  <a:srgbClr val="BDBDBD"/>
+                </a:solidFill>
+              </a:rPr>
+              <a:t>.</a:t>
+            </a:r>
+            <a:r>
+              <a:rPr lang="en-US" sz="1200" dirty="0">
+                <a:solidFill>
+                  <a:srgbClr val="66C3CC"/>
+                </a:solidFill>
+              </a:rPr>
+              <a:t>rptr </a:t>
+            </a:r>
+            <a:r>
+              <a:rPr lang="en-US" sz="1200" dirty="0">
+                <a:solidFill>
+                  <a:srgbClr val="BDBDBD"/>
+                </a:solidFill>
+              </a:rPr>
+              <a:t>= </a:t>
+            </a:r>
+            <a:r>
+              <a:rPr lang="en-US" sz="1200" dirty="0">
+                <a:solidFill>
+                  <a:srgbClr val="66C3CC"/>
+                </a:solidFill>
+              </a:rPr>
+              <a:t>newn</a:t>
+            </a:r>
+            <a:r>
+              <a:rPr lang="en-US" sz="1200" dirty="0">
+                <a:solidFill>
+                  <a:srgbClr val="BDBDBD"/>
+                </a:solidFill>
+              </a:rPr>
+              <a:t>;</a:t>
+            </a:r>
+            <a:br>
+              <a:rPr lang="en-US" sz="1200" dirty="0">
+                <a:solidFill>
+                  <a:srgbClr val="BDBDBD"/>
+                </a:solidFill>
+              </a:rPr>
+            </a:br>
+            <a:r>
+              <a:rPr lang="en-US" sz="1200" dirty="0">
+                <a:solidFill>
+                  <a:srgbClr val="BDBDBD"/>
+                </a:solidFill>
+              </a:rPr>
+              <a:t>        </a:t>
+            </a:r>
+            <a:r>
+              <a:rPr lang="en-US" sz="1200" dirty="0">
+                <a:solidFill>
+                  <a:srgbClr val="66C3CC"/>
+                </a:solidFill>
+              </a:rPr>
+              <a:t>tail </a:t>
             </a:r>
             <a:r>
               <a:rPr lang="en-US" sz="1200" dirty="0">
@@ -25380,7 +26438,7 @@
         </p:nvSpPr>
         <p:spPr>
           <a:xfrm>
-            <a:off x="5433278" y="257865"/>
+            <a:off x="5431384" y="500451"/>
             <a:ext cx="5400033" cy="400110"/>
           </a:xfrm>
           <a:prstGeom prst="rect">
@@ -25502,7 +26560,7 @@
         <p:spPr>
           <a:xfrm>
             <a:off x="5533802" y="3575168"/>
-            <a:ext cx="5400033" cy="400110"/>
+            <a:ext cx="5400033" cy="707886"/>
           </a:xfrm>
           <a:prstGeom prst="rect">
             <a:avLst/>
@@ -25533,6 +26591,17 @@
               </a:defRPr>
             </a:lvl1pPr>
           </a:lstStyle>
+          <a:p>
+            <a:pPr marL="285750" indent="-285750" fontAlgn="base">
+              <a:buFont typeface="Arial" panose="020B0604020202020204" pitchFamily="34" charset="0"/>
+              <a:buChar char="•"/>
+            </a:pPr>
+            <a:endParaRPr lang="en-US" dirty="0">
+              <a:solidFill>
+                <a:schemeClr val="tx1"/>
+              </a:solidFill>
+            </a:endParaRPr>
+          </a:p>
           <a:p>
             <a:pPr marL="285750" indent="-285750" fontAlgn="base">
               <a:buFont typeface="Arial" panose="020B0604020202020204" pitchFamily="34" charset="0"/>
@@ -26701,7 +27770,7 @@
         </p:nvSpPr>
         <p:spPr>
           <a:xfrm rot="10800000" flipV="1">
-            <a:off x="5925427" y="4332194"/>
+            <a:off x="5946597" y="4532250"/>
             <a:ext cx="795792" cy="400110"/>
           </a:xfrm>
           <a:prstGeom prst="rect">
@@ -27541,13 +28610,13 @@
           <p:nvPr>
             <p:extLst>
               <p:ext uri="{D42A27DB-BD31-4B8C-83A1-F6EECF244321}">
-                <p14:modId xmlns:p14="http://schemas.microsoft.com/office/powerpoint/2010/main" val="3481041920"/>
+                <p14:modId xmlns:p14="http://schemas.microsoft.com/office/powerpoint/2010/main" val="3879244986"/>
               </p:ext>
             </p:extLst>
           </p:nvPr>
         </p:nvGraphicFramePr>
         <p:xfrm>
-          <a:off x="6786370" y="4268031"/>
+          <a:off x="6763559" y="4427505"/>
           <a:ext cx="2027289" cy="609600"/>
         </p:xfrm>
         <a:graphic>
@@ -29776,7 +30845,7 @@
         <p:spPr>
           <a:xfrm>
             <a:off x="398484" y="605247"/>
-            <a:ext cx="5138124" cy="2246769"/>
+            <a:ext cx="5138124" cy="2031325"/>
           </a:xfrm>
           <a:prstGeom prst="rect">
             <a:avLst/>
@@ -29813,7 +30882,7 @@
               <a:buChar char="•"/>
             </a:pPr>
             <a:r>
-              <a:rPr lang="en-US" dirty="0">
+              <a:rPr lang="en-US" sz="1800" dirty="0">
                 <a:solidFill>
                   <a:schemeClr val="tx1"/>
                 </a:solidFill>
@@ -29827,7 +30896,7 @@
               <a:buChar char="•"/>
             </a:pPr>
             <a:r>
-              <a:rPr lang="en-US" dirty="0">
+              <a:rPr lang="en-US" sz="1800" dirty="0">
                 <a:solidFill>
                   <a:schemeClr val="tx1"/>
                 </a:solidFill>
@@ -29841,7 +30910,7 @@
               <a:buChar char="•"/>
             </a:pPr>
             <a:r>
-              <a:rPr lang="en-US" dirty="0">
+              <a:rPr lang="en-US" sz="1800" dirty="0">
                 <a:solidFill>
                   <a:schemeClr val="tx1"/>
                 </a:solidFill>
@@ -29865,8 +30934,8 @@
         </p:nvSpPr>
         <p:spPr>
           <a:xfrm>
-            <a:off x="481070" y="2937596"/>
-            <a:ext cx="3400990" cy="3827303"/>
+            <a:off x="481071" y="2567041"/>
+            <a:ext cx="2995954" cy="4197858"/>
           </a:xfrm>
           <a:prstGeom prst="rect">
             <a:avLst/>
@@ -29908,7 +30977,7 @@
           <a:lstStyle/>
           <a:p>
             <a:r>
-              <a:rPr lang="en-US" sz="1100" dirty="0">
+              <a:rPr lang="en-US" sz="1000" dirty="0">
                 <a:solidFill>
                   <a:srgbClr val="6C95EB"/>
                 </a:solidFill>
@@ -29916,7 +30985,7 @@
               <a:t>public void </a:t>
             </a:r>
             <a:r>
-              <a:rPr lang="en-US" sz="1100" dirty="0">
+              <a:rPr lang="en-US" sz="1000" dirty="0">
                 <a:solidFill>
                   <a:srgbClr val="39CC8F"/>
                 </a:solidFill>
@@ -29924,7 +30993,7 @@
               <a:t>Insertion</a:t>
             </a:r>
             <a:r>
-              <a:rPr lang="en-US" sz="1100" dirty="0">
+              <a:rPr lang="en-US" sz="1000" dirty="0">
                 <a:solidFill>
                   <a:srgbClr val="BDBDBD"/>
                 </a:solidFill>
@@ -29932,7 +31001,7 @@
               <a:t>(</a:t>
             </a:r>
             <a:r>
-              <a:rPr lang="en-US" sz="1100" dirty="0">
+              <a:rPr lang="en-US" sz="1000" dirty="0">
                 <a:solidFill>
                   <a:srgbClr val="6C95EB"/>
                 </a:solidFill>
@@ -29940,7 +31009,7 @@
               <a:t>int </a:t>
             </a:r>
             <a:r>
-              <a:rPr lang="en-US" sz="1100" dirty="0">
+              <a:rPr lang="en-US" sz="1000" dirty="0">
                 <a:solidFill>
                   <a:srgbClr val="BDBDBD"/>
                 </a:solidFill>
@@ -29948,7 +31017,7 @@
               <a:t>ele, </a:t>
             </a:r>
             <a:r>
-              <a:rPr lang="en-US" sz="1100" dirty="0">
+              <a:rPr lang="en-US" sz="1000" dirty="0">
                 <a:solidFill>
                   <a:srgbClr val="6C95EB"/>
                 </a:solidFill>
@@ -29956,7 +31025,7 @@
               <a:t>int </a:t>
             </a:r>
             <a:r>
-              <a:rPr lang="en-US" sz="1100" dirty="0">
+              <a:rPr lang="en-US" sz="1000" dirty="0">
                 <a:solidFill>
                   <a:srgbClr val="BDBDBD"/>
                 </a:solidFill>
@@ -29964,14 +31033,14 @@
               <a:t>index)</a:t>
             </a:r>
             <a:br>
-              <a:rPr lang="en-US" sz="1100" dirty="0">
+              <a:rPr lang="en-US" sz="1000" dirty="0">
                 <a:solidFill>
                   <a:srgbClr val="BDBDBD"/>
                 </a:solidFill>
               </a:rPr>
             </a:br>
             <a:r>
-              <a:rPr lang="en-US" sz="1100" dirty="0">
+              <a:rPr lang="en-US" sz="1000" dirty="0">
                 <a:solidFill>
                   <a:srgbClr val="BDBDBD"/>
                 </a:solidFill>
@@ -29979,14 +31048,14 @@
               <a:t>{</a:t>
             </a:r>
             <a:br>
-              <a:rPr lang="en-US" sz="1100" dirty="0">
+              <a:rPr lang="en-US" sz="1000" dirty="0">
                 <a:solidFill>
                   <a:srgbClr val="BDBDBD"/>
                 </a:solidFill>
               </a:rPr>
             </a:br>
             <a:r>
-              <a:rPr lang="en-US" sz="1100" dirty="0">
+              <a:rPr lang="en-US" sz="1000" dirty="0">
                 <a:solidFill>
                   <a:srgbClr val="BDBDBD"/>
                 </a:solidFill>
@@ -29994,7 +31063,7 @@
               <a:t>    </a:t>
             </a:r>
             <a:r>
-              <a:rPr lang="en-US" sz="1100" dirty="0">
+              <a:rPr lang="en-US" sz="1000" dirty="0">
                 <a:solidFill>
                   <a:srgbClr val="6C95EB"/>
                 </a:solidFill>
@@ -30002,22 +31071,30 @@
               <a:t>int </a:t>
             </a:r>
             <a:r>
-              <a:rPr lang="en-US" sz="1100" dirty="0">
-                <a:solidFill>
-                  <a:srgbClr val="BDBDBD"/>
-                </a:solidFill>
-              </a:rPr>
-              <a:t>i;</a:t>
+              <a:rPr lang="en-US" sz="1000" dirty="0" err="1">
+                <a:solidFill>
+                  <a:srgbClr val="BDBDBD"/>
+                </a:solidFill>
+              </a:rPr>
+              <a:t>i</a:t>
+            </a:r>
+            <a:r>
+              <a:rPr lang="en-US" sz="1000" dirty="0">
+                <a:solidFill>
+                  <a:srgbClr val="BDBDBD"/>
+                </a:solidFill>
+              </a:rPr>
+              <a:t>;</a:t>
             </a:r>
             <a:br>
-              <a:rPr lang="en-US" sz="1100" dirty="0">
+              <a:rPr lang="en-US" sz="1000" dirty="0">
                 <a:solidFill>
                   <a:srgbClr val="BDBDBD"/>
                 </a:solidFill>
               </a:rPr>
             </a:br>
             <a:r>
-              <a:rPr lang="en-US" sz="1100" dirty="0">
+              <a:rPr lang="en-US" sz="1000" dirty="0">
                 <a:solidFill>
                   <a:srgbClr val="BDBDBD"/>
                 </a:solidFill>
@@ -30025,7 +31102,7 @@
               <a:t>    </a:t>
             </a:r>
             <a:r>
-              <a:rPr lang="en-US" sz="1100" dirty="0">
+              <a:rPr lang="en-US" sz="1000" dirty="0">
                 <a:solidFill>
                   <a:srgbClr val="6C95EB"/>
                 </a:solidFill>
@@ -30033,7 +31110,7 @@
               <a:t>if </a:t>
             </a:r>
             <a:r>
-              <a:rPr lang="en-US" sz="1100" dirty="0">
+              <a:rPr lang="en-US" sz="1000" dirty="0">
                 <a:solidFill>
                   <a:srgbClr val="BDBDBD"/>
                 </a:solidFill>
@@ -30041,7 +31118,7 @@
               <a:t>(index &lt; </a:t>
             </a:r>
             <a:r>
-              <a:rPr lang="en-US" sz="1100" dirty="0">
+              <a:rPr lang="en-US" sz="1000" dirty="0">
                 <a:solidFill>
                   <a:srgbClr val="ED94C0"/>
                 </a:solidFill>
@@ -30049,7 +31126,7 @@
               <a:t>0 </a:t>
             </a:r>
             <a:r>
-              <a:rPr lang="en-US" sz="1100" dirty="0">
+              <a:rPr lang="en-US" sz="1000" dirty="0">
                 <a:solidFill>
                   <a:srgbClr val="BDBDBD"/>
                 </a:solidFill>
@@ -30057,7 +31134,7 @@
               <a:t>|| index &gt; </a:t>
             </a:r>
             <a:r>
-              <a:rPr lang="en-US" sz="1100" dirty="0">
+              <a:rPr lang="en-US" sz="1000" dirty="0">
                 <a:solidFill>
                   <a:srgbClr val="66C3CC"/>
                 </a:solidFill>
@@ -30065,7 +31142,7 @@
               <a:t>length</a:t>
             </a:r>
             <a:r>
-              <a:rPr lang="en-US" sz="1100" dirty="0">
+              <a:rPr lang="en-US" sz="1000" dirty="0">
                 <a:solidFill>
                   <a:srgbClr val="BDBDBD"/>
                 </a:solidFill>
@@ -30073,14 +31150,14 @@
               <a:t>)</a:t>
             </a:r>
             <a:br>
-              <a:rPr lang="en-US" sz="1100" dirty="0">
+              <a:rPr lang="en-US" sz="1000" dirty="0">
                 <a:solidFill>
                   <a:srgbClr val="BDBDBD"/>
                 </a:solidFill>
               </a:rPr>
             </a:br>
             <a:r>
-              <a:rPr lang="en-US" sz="1100" dirty="0">
+              <a:rPr lang="en-US" sz="1000" dirty="0">
                 <a:solidFill>
                   <a:srgbClr val="BDBDBD"/>
                 </a:solidFill>
@@ -30088,7 +31165,7 @@
               <a:t>        </a:t>
             </a:r>
             <a:r>
-              <a:rPr lang="en-US" sz="1100" dirty="0">
+              <a:rPr lang="en-US" sz="1000" dirty="0">
                 <a:solidFill>
                   <a:srgbClr val="6C95EB"/>
                 </a:solidFill>
@@ -30096,7 +31173,7 @@
               <a:t>throw new </a:t>
             </a:r>
             <a:r>
-              <a:rPr lang="en-US" sz="1100" dirty="0">
+              <a:rPr lang="en-US" sz="1000" dirty="0">
                 <a:solidFill>
                   <a:srgbClr val="C191FF"/>
                 </a:solidFill>
@@ -30104,7 +31181,7 @@
               <a:t>Exception</a:t>
             </a:r>
             <a:r>
-              <a:rPr lang="en-US" sz="1100" dirty="0">
+              <a:rPr lang="en-US" sz="1000" dirty="0">
                 <a:solidFill>
                   <a:srgbClr val="BDBDBD"/>
                 </a:solidFill>
@@ -30112,7 +31189,7 @@
               <a:t>(</a:t>
             </a:r>
             <a:r>
-              <a:rPr lang="en-US" sz="1100" dirty="0">
+              <a:rPr lang="en-US" sz="1000" dirty="0">
                 <a:solidFill>
                   <a:srgbClr val="C9A26D"/>
                 </a:solidFill>
@@ -30120,7 +31197,7 @@
               <a:t>"insertion is not possible"</a:t>
             </a:r>
             <a:r>
-              <a:rPr lang="en-US" sz="1100" dirty="0">
+              <a:rPr lang="en-US" sz="1000" dirty="0">
                 <a:solidFill>
                   <a:srgbClr val="BDBDBD"/>
                 </a:solidFill>
@@ -30128,21 +31205,21 @@
               <a:t>);</a:t>
             </a:r>
             <a:br>
-              <a:rPr lang="en-US" sz="1100" dirty="0">
+              <a:rPr lang="en-US" sz="1000" dirty="0">
                 <a:solidFill>
                   <a:srgbClr val="BDBDBD"/>
                 </a:solidFill>
               </a:rPr>
             </a:br>
             <a:br>
-              <a:rPr lang="en-US" sz="1100" dirty="0">
+              <a:rPr lang="en-US" sz="1000" dirty="0">
                 <a:solidFill>
                   <a:srgbClr val="BDBDBD"/>
                 </a:solidFill>
               </a:rPr>
             </a:br>
             <a:r>
-              <a:rPr lang="en-US" sz="1100" dirty="0">
+              <a:rPr lang="en-US" sz="1000" dirty="0">
                 <a:solidFill>
                   <a:srgbClr val="BDBDBD"/>
                 </a:solidFill>
@@ -30150,7 +31227,7 @@
               <a:t>    </a:t>
             </a:r>
             <a:r>
-              <a:rPr lang="en-US" sz="1100" dirty="0">
+              <a:rPr lang="en-US" sz="1000" dirty="0">
                 <a:solidFill>
                   <a:srgbClr val="66C3CC"/>
                 </a:solidFill>
@@ -30158,7 +31235,7 @@
               <a:t>newn </a:t>
             </a:r>
             <a:r>
-              <a:rPr lang="en-US" sz="1100" dirty="0">
+              <a:rPr lang="en-US" sz="1000" dirty="0">
                 <a:solidFill>
                   <a:srgbClr val="BDBDBD"/>
                 </a:solidFill>
@@ -30166,7 +31243,7 @@
               <a:t>= </a:t>
             </a:r>
             <a:r>
-              <a:rPr lang="en-US" sz="1100" dirty="0">
+              <a:rPr lang="en-US" sz="1000" dirty="0">
                 <a:solidFill>
                   <a:srgbClr val="6C95EB"/>
                 </a:solidFill>
@@ -30174,7 +31251,7 @@
               <a:t>new </a:t>
             </a:r>
             <a:r>
-              <a:rPr lang="en-US" sz="1100" dirty="0">
+              <a:rPr lang="en-US" sz="1000" dirty="0">
                 <a:solidFill>
                   <a:srgbClr val="C191FF"/>
                 </a:solidFill>
@@ -30182,7 +31259,7 @@
               <a:t>Node</a:t>
             </a:r>
             <a:r>
-              <a:rPr lang="en-US" sz="1100" dirty="0">
+              <a:rPr lang="en-US" sz="1000" dirty="0">
                 <a:solidFill>
                   <a:srgbClr val="BDBDBD"/>
                 </a:solidFill>
@@ -30190,14 +31267,14 @@
               <a:t>();</a:t>
             </a:r>
             <a:br>
-              <a:rPr lang="en-US" sz="1100" dirty="0">
+              <a:rPr lang="en-US" sz="1000" dirty="0">
                 <a:solidFill>
                   <a:srgbClr val="BDBDBD"/>
                 </a:solidFill>
               </a:rPr>
             </a:br>
             <a:r>
-              <a:rPr lang="en-US" sz="1100" dirty="0">
+              <a:rPr lang="en-US" sz="1000" dirty="0">
                 <a:solidFill>
                   <a:srgbClr val="BDBDBD"/>
                 </a:solidFill>
@@ -30205,7 +31282,7 @@
               <a:t>    </a:t>
             </a:r>
             <a:r>
-              <a:rPr lang="en-US" sz="1100" dirty="0">
+              <a:rPr lang="en-US" sz="1000" dirty="0">
                 <a:solidFill>
                   <a:srgbClr val="66C3CC"/>
                 </a:solidFill>
@@ -30213,7 +31290,7 @@
               <a:t>newn</a:t>
             </a:r>
             <a:r>
-              <a:rPr lang="en-US" sz="1100" dirty="0">
+              <a:rPr lang="en-US" sz="1000" dirty="0">
                 <a:solidFill>
                   <a:srgbClr val="BDBDBD"/>
                 </a:solidFill>
@@ -30221,7 +31298,7 @@
               <a:t>.</a:t>
             </a:r>
             <a:r>
-              <a:rPr lang="en-US" sz="1100" dirty="0">
+              <a:rPr lang="en-US" sz="1000" dirty="0">
                 <a:solidFill>
                   <a:srgbClr val="66C3CC"/>
                 </a:solidFill>
@@ -30229,7 +31306,7 @@
               <a:t>info </a:t>
             </a:r>
             <a:r>
-              <a:rPr lang="en-US" sz="1100" dirty="0">
+              <a:rPr lang="en-US" sz="1000" dirty="0">
                 <a:solidFill>
                   <a:srgbClr val="BDBDBD"/>
                 </a:solidFill>
@@ -30237,14 +31314,14 @@
               <a:t>= ele;</a:t>
             </a:r>
             <a:br>
-              <a:rPr lang="en-US" sz="1100" dirty="0">
+              <a:rPr lang="en-US" sz="1000" dirty="0">
                 <a:solidFill>
                   <a:srgbClr val="BDBDBD"/>
                 </a:solidFill>
               </a:rPr>
             </a:br>
             <a:r>
-              <a:rPr lang="en-US" sz="1100" dirty="0">
+              <a:rPr lang="en-US" sz="1000" dirty="0">
                 <a:solidFill>
                   <a:srgbClr val="BDBDBD"/>
                 </a:solidFill>
@@ -30252,7 +31329,7 @@
               <a:t>    </a:t>
             </a:r>
             <a:r>
-              <a:rPr lang="en-US" sz="1100" dirty="0">
+              <a:rPr lang="en-US" sz="1000" dirty="0">
                 <a:solidFill>
                   <a:srgbClr val="6C95EB"/>
                 </a:solidFill>
@@ -30260,7 +31337,258 @@
               <a:t>if </a:t>
             </a:r>
             <a:r>
-              <a:rPr lang="en-US" sz="1100" dirty="0">
+              <a:rPr lang="en-US" sz="1000" dirty="0">
+                <a:solidFill>
+                  <a:srgbClr val="BDBDBD"/>
+                </a:solidFill>
+              </a:rPr>
+              <a:t>(</a:t>
+            </a:r>
+            <a:r>
+              <a:rPr lang="en-US" sz="1000" dirty="0">
+                <a:solidFill>
+                  <a:srgbClr val="66C3CC"/>
+                </a:solidFill>
+              </a:rPr>
+              <a:t>head </a:t>
+            </a:r>
+            <a:r>
+              <a:rPr lang="en-US" sz="1000" dirty="0">
+                <a:solidFill>
+                  <a:srgbClr val="BDBDBD"/>
+                </a:solidFill>
+              </a:rPr>
+              <a:t>== </a:t>
+            </a:r>
+            <a:r>
+              <a:rPr lang="en-US" sz="1000" dirty="0">
+                <a:solidFill>
+                  <a:srgbClr val="6C95EB"/>
+                </a:solidFill>
+              </a:rPr>
+              <a:t>null</a:t>
+            </a:r>
+            <a:r>
+              <a:rPr lang="en-US" sz="1000" dirty="0">
+                <a:solidFill>
+                  <a:srgbClr val="BDBDBD"/>
+                </a:solidFill>
+              </a:rPr>
+              <a:t>)</a:t>
+            </a:r>
+            <a:br>
+              <a:rPr lang="en-US" sz="1000" dirty="0">
+                <a:solidFill>
+                  <a:srgbClr val="BDBDBD"/>
+                </a:solidFill>
+              </a:rPr>
+            </a:br>
+            <a:r>
+              <a:rPr lang="en-US" sz="1000" dirty="0">
+                <a:solidFill>
+                  <a:srgbClr val="BDBDBD"/>
+                </a:solidFill>
+              </a:rPr>
+              <a:t>    {</a:t>
+            </a:r>
+            <a:br>
+              <a:rPr lang="en-US" sz="1000" dirty="0">
+                <a:solidFill>
+                  <a:srgbClr val="BDBDBD"/>
+                </a:solidFill>
+              </a:rPr>
+            </a:br>
+            <a:r>
+              <a:rPr lang="en-US" sz="1000" dirty="0">
+                <a:solidFill>
+                  <a:srgbClr val="BDBDBD"/>
+                </a:solidFill>
+              </a:rPr>
+              <a:t>        </a:t>
+            </a:r>
+            <a:r>
+              <a:rPr lang="en-US" sz="1000" dirty="0">
+                <a:solidFill>
+                  <a:srgbClr val="66C3CC"/>
+                </a:solidFill>
+              </a:rPr>
+              <a:t>newn</a:t>
+            </a:r>
+            <a:r>
+              <a:rPr lang="en-US" sz="1000" dirty="0">
+                <a:solidFill>
+                  <a:srgbClr val="BDBDBD"/>
+                </a:solidFill>
+              </a:rPr>
+              <a:t>.</a:t>
+            </a:r>
+            <a:r>
+              <a:rPr lang="en-US" sz="1000" dirty="0">
+                <a:solidFill>
+                  <a:srgbClr val="66C3CC"/>
+                </a:solidFill>
+              </a:rPr>
+              <a:t>lptr </a:t>
+            </a:r>
+            <a:r>
+              <a:rPr lang="en-US" sz="1000" dirty="0">
+                <a:solidFill>
+                  <a:srgbClr val="BDBDBD"/>
+                </a:solidFill>
+              </a:rPr>
+              <a:t>= </a:t>
+            </a:r>
+            <a:r>
+              <a:rPr lang="en-US" sz="1000" dirty="0">
+                <a:solidFill>
+                  <a:srgbClr val="66C3CC"/>
+                </a:solidFill>
+              </a:rPr>
+              <a:t>newn</a:t>
+            </a:r>
+            <a:r>
+              <a:rPr lang="en-US" sz="1000" dirty="0">
+                <a:solidFill>
+                  <a:srgbClr val="BDBDBD"/>
+                </a:solidFill>
+              </a:rPr>
+              <a:t>.</a:t>
+            </a:r>
+            <a:r>
+              <a:rPr lang="en-US" sz="1000" dirty="0">
+                <a:solidFill>
+                  <a:srgbClr val="66C3CC"/>
+                </a:solidFill>
+              </a:rPr>
+              <a:t>rptr </a:t>
+            </a:r>
+            <a:r>
+              <a:rPr lang="en-US" sz="1000" dirty="0">
+                <a:solidFill>
+                  <a:srgbClr val="BDBDBD"/>
+                </a:solidFill>
+              </a:rPr>
+              <a:t>= </a:t>
+            </a:r>
+            <a:r>
+              <a:rPr lang="en-US" sz="1000" dirty="0">
+                <a:solidFill>
+                  <a:srgbClr val="6C95EB"/>
+                </a:solidFill>
+              </a:rPr>
+              <a:t>null</a:t>
+            </a:r>
+            <a:r>
+              <a:rPr lang="en-US" sz="1000" dirty="0">
+                <a:solidFill>
+                  <a:srgbClr val="BDBDBD"/>
+                </a:solidFill>
+              </a:rPr>
+              <a:t>;</a:t>
+            </a:r>
+            <a:br>
+              <a:rPr lang="en-US" sz="1000" dirty="0">
+                <a:solidFill>
+                  <a:srgbClr val="BDBDBD"/>
+                </a:solidFill>
+              </a:rPr>
+            </a:br>
+            <a:r>
+              <a:rPr lang="en-US" sz="1000" dirty="0">
+                <a:solidFill>
+                  <a:srgbClr val="BDBDBD"/>
+                </a:solidFill>
+              </a:rPr>
+              <a:t>        </a:t>
+            </a:r>
+            <a:r>
+              <a:rPr lang="en-US" sz="1000" dirty="0">
+                <a:solidFill>
+                  <a:srgbClr val="66C3CC"/>
+                </a:solidFill>
+              </a:rPr>
+              <a:t>head </a:t>
+            </a:r>
+            <a:r>
+              <a:rPr lang="en-US" sz="1000" dirty="0">
+                <a:solidFill>
+                  <a:srgbClr val="BDBDBD"/>
+                </a:solidFill>
+              </a:rPr>
+              <a:t>= </a:t>
+            </a:r>
+            <a:r>
+              <a:rPr lang="en-US" sz="1000" dirty="0">
+                <a:solidFill>
+                  <a:srgbClr val="66C3CC"/>
+                </a:solidFill>
+              </a:rPr>
+              <a:t>tail </a:t>
+            </a:r>
+            <a:r>
+              <a:rPr lang="en-US" sz="1000" dirty="0">
+                <a:solidFill>
+                  <a:srgbClr val="BDBDBD"/>
+                </a:solidFill>
+              </a:rPr>
+              <a:t>= </a:t>
+            </a:r>
+            <a:r>
+              <a:rPr lang="en-US" sz="1000" dirty="0">
+                <a:solidFill>
+                  <a:srgbClr val="66C3CC"/>
+                </a:solidFill>
+              </a:rPr>
+              <a:t>newn</a:t>
+            </a:r>
+            <a:r>
+              <a:rPr lang="en-US" sz="1000" dirty="0">
+                <a:solidFill>
+                  <a:srgbClr val="BDBDBD"/>
+                </a:solidFill>
+              </a:rPr>
+              <a:t>;</a:t>
+            </a:r>
+            <a:br>
+              <a:rPr lang="en-US" sz="1000" dirty="0">
+                <a:solidFill>
+                  <a:srgbClr val="BDBDBD"/>
+                </a:solidFill>
+              </a:rPr>
+            </a:br>
+            <a:r>
+              <a:rPr lang="en-US" sz="1000" dirty="0">
+                <a:solidFill>
+                  <a:srgbClr val="BDBDBD"/>
+                </a:solidFill>
+              </a:rPr>
+              <a:t>    }</a:t>
+            </a:r>
+            <a:br>
+              <a:rPr lang="en-US" sz="1000" dirty="0">
+                <a:solidFill>
+                  <a:srgbClr val="BDBDBD"/>
+                </a:solidFill>
+              </a:rPr>
+            </a:br>
+            <a:r>
+              <a:rPr lang="en-US" sz="1000" dirty="0">
+                <a:solidFill>
+                  <a:srgbClr val="BDBDBD"/>
+                </a:solidFill>
+              </a:rPr>
+              <a:t>    </a:t>
+            </a:r>
+            <a:r>
+              <a:rPr lang="en-US" sz="1000" dirty="0">
+                <a:solidFill>
+                  <a:srgbClr val="6C95EB"/>
+                </a:solidFill>
+              </a:rPr>
+              <a:t>else if </a:t>
+            </a:r>
+            <a:r>
+              <a:rPr lang="en-US" sz="1000" dirty="0">
                 <a:solidFill>
                   <a:srgbClr val="BDBDBD"/>
                 </a:solidFill>
@@ -30268,7 +31596,7 @@
               <a:t>(index == </a:t>
             </a:r>
             <a:r>
-              <a:rPr lang="en-US" sz="1100" dirty="0">
+              <a:rPr lang="en-US" sz="1000" dirty="0">
                 <a:solidFill>
                   <a:srgbClr val="ED94C0"/>
                 </a:solidFill>
@@ -30276,7 +31604,7 @@
               <a:t>0</a:t>
             </a:r>
             <a:r>
-              <a:rPr lang="en-US" sz="1100" dirty="0">
+              <a:rPr lang="en-US" sz="1000" dirty="0">
                 <a:solidFill>
                   <a:srgbClr val="BDBDBD"/>
                 </a:solidFill>
@@ -30284,14 +31612,14 @@
               <a:t>)</a:t>
             </a:r>
             <a:br>
-              <a:rPr lang="en-US" sz="1100" dirty="0">
+              <a:rPr lang="en-US" sz="1000" dirty="0">
                 <a:solidFill>
                   <a:srgbClr val="BDBDBD"/>
                 </a:solidFill>
               </a:rPr>
             </a:br>
             <a:r>
-              <a:rPr lang="en-US" sz="1100" dirty="0">
+              <a:rPr lang="en-US" sz="1000" dirty="0">
                 <a:solidFill>
                   <a:srgbClr val="BDBDBD"/>
                 </a:solidFill>
@@ -30299,14 +31627,14 @@
               <a:t>    {</a:t>
             </a:r>
             <a:br>
-              <a:rPr lang="en-US" sz="1100" dirty="0">
+              <a:rPr lang="en-US" sz="1000" dirty="0">
                 <a:solidFill>
                   <a:srgbClr val="BDBDBD"/>
                 </a:solidFill>
               </a:rPr>
             </a:br>
             <a:r>
-              <a:rPr lang="en-US" sz="1100" dirty="0">
+              <a:rPr lang="en-US" sz="1000" dirty="0">
                 <a:solidFill>
                   <a:srgbClr val="BDBDBD"/>
                 </a:solidFill>
@@ -30314,7 +31642,7 @@
               <a:t>        </a:t>
             </a:r>
             <a:r>
-              <a:rPr lang="en-US" sz="1100" dirty="0">
+              <a:rPr lang="en-US" sz="1000" dirty="0">
                 <a:solidFill>
                   <a:srgbClr val="66C3CC"/>
                 </a:solidFill>
@@ -30322,7 +31650,7 @@
               <a:t>newn</a:t>
             </a:r>
             <a:r>
-              <a:rPr lang="en-US" sz="1100" dirty="0">
+              <a:rPr lang="en-US" sz="1000" dirty="0">
                 <a:solidFill>
                   <a:srgbClr val="BDBDBD"/>
                 </a:solidFill>
@@ -30330,15 +31658,15 @@
               <a:t>.</a:t>
             </a:r>
             <a:r>
-              <a:rPr lang="en-US" sz="1100" dirty="0">
+              <a:rPr lang="en-US" sz="1000" dirty="0">
                 <a:solidFill>
                   <a:srgbClr val="66C3CC"/>
                 </a:solidFill>
               </a:rPr>
-              <a:t>ptr </a:t>
-            </a:r>
-            <a:r>
-              <a:rPr lang="en-US" sz="1100" dirty="0">
+              <a:t>lptr </a:t>
+            </a:r>
+            <a:r>
+              <a:rPr lang="en-US" sz="1000" dirty="0">
                 <a:solidFill>
                   <a:srgbClr val="BDBDBD"/>
                 </a:solidFill>
@@ -30346,15 +31674,78 @@
               <a:t>= </a:t>
             </a:r>
             <a:r>
-              <a:rPr lang="en-US" sz="1100" dirty="0">
+              <a:rPr lang="en-US" sz="1000" dirty="0">
+                <a:solidFill>
+                  <a:srgbClr val="6C95EB"/>
+                </a:solidFill>
+              </a:rPr>
+              <a:t>null</a:t>
+            </a:r>
+            <a:r>
+              <a:rPr lang="en-US" sz="1000" dirty="0">
+                <a:solidFill>
+                  <a:srgbClr val="BDBDBD"/>
+                </a:solidFill>
+              </a:rPr>
+              <a:t>;</a:t>
+            </a:r>
+            <a:br>
+              <a:rPr lang="en-US" sz="1000" dirty="0">
+                <a:solidFill>
+                  <a:srgbClr val="BDBDBD"/>
+                </a:solidFill>
+              </a:rPr>
+            </a:br>
+            <a:r>
+              <a:rPr lang="en-US" sz="1000" dirty="0">
+                <a:solidFill>
+                  <a:srgbClr val="BDBDBD"/>
+                </a:solidFill>
+              </a:rPr>
+              <a:t>        </a:t>
+            </a:r>
+            <a:r>
+              <a:rPr lang="en-US" sz="1000" dirty="0">
                 <a:solidFill>
                   <a:srgbClr val="66C3CC"/>
                 </a:solidFill>
               </a:rPr>
+              <a:t>newn</a:t>
+            </a:r>
+            <a:r>
+              <a:rPr lang="en-US" sz="1000" dirty="0">
+                <a:solidFill>
+                  <a:srgbClr val="BDBDBD"/>
+                </a:solidFill>
+              </a:rPr>
+              <a:t>.</a:t>
+            </a:r>
+            <a:r>
+              <a:rPr lang="en-US" sz="1000" dirty="0">
+                <a:solidFill>
+                  <a:srgbClr val="66C3CC"/>
+                </a:solidFill>
+              </a:rPr>
+              <a:t>rptr </a:t>
+            </a:r>
+            <a:r>
+              <a:rPr lang="en-US" sz="1000" dirty="0">
+                <a:solidFill>
+                  <a:srgbClr val="BDBDBD"/>
+                </a:solidFill>
+              </a:rPr>
+              <a:t>= </a:t>
+            </a:r>
+            <a:r>
+              <a:rPr lang="en-US" sz="1000" dirty="0">
+                <a:solidFill>
+                  <a:srgbClr val="66C3CC"/>
+                </a:solidFill>
+              </a:rPr>
               <a:t>head</a:t>
             </a:r>
             <a:r>
-              <a:rPr lang="en-US" sz="1100" dirty="0">
+              <a:rPr lang="en-US" sz="1000" dirty="0">
                 <a:solidFill>
                   <a:srgbClr val="BDBDBD"/>
                 </a:solidFill>
@@ -30362,14 +31753,14 @@
               <a:t>;</a:t>
             </a:r>
             <a:br>
-              <a:rPr lang="en-US" sz="1100" dirty="0">
+              <a:rPr lang="en-US" sz="1000" dirty="0">
                 <a:solidFill>
                   <a:srgbClr val="BDBDBD"/>
                 </a:solidFill>
               </a:rPr>
             </a:br>
             <a:r>
-              <a:rPr lang="en-US" sz="1100" dirty="0">
+              <a:rPr lang="en-US" sz="1000" dirty="0">
                 <a:solidFill>
                   <a:srgbClr val="BDBDBD"/>
                 </a:solidFill>
@@ -30377,15 +31768,78 @@
               <a:t>        </a:t>
             </a:r>
             <a:r>
-              <a:rPr lang="en-US" sz="1100" dirty="0">
+              <a:rPr lang="en-US" sz="1000" dirty="0">
                 <a:solidFill>
                   <a:srgbClr val="66C3CC"/>
                 </a:solidFill>
               </a:rPr>
+              <a:t>head</a:t>
+            </a:r>
+            <a:r>
+              <a:rPr lang="en-US" sz="1000" dirty="0">
+                <a:solidFill>
+                  <a:srgbClr val="BDBDBD"/>
+                </a:solidFill>
+              </a:rPr>
+              <a:t>.</a:t>
+            </a:r>
+            <a:r>
+              <a:rPr lang="en-US" sz="1000" dirty="0">
+                <a:solidFill>
+                  <a:srgbClr val="66C3CC"/>
+                </a:solidFill>
+              </a:rPr>
+              <a:t>lptr </a:t>
+            </a:r>
+            <a:r>
+              <a:rPr lang="en-US" sz="1000" dirty="0">
+                <a:solidFill>
+                  <a:srgbClr val="BDBDBD"/>
+                </a:solidFill>
+              </a:rPr>
+              <a:t>= </a:t>
+            </a:r>
+            <a:r>
+              <a:rPr lang="en-US" sz="1000" dirty="0">
+                <a:solidFill>
+                  <a:srgbClr val="66C3CC"/>
+                </a:solidFill>
+              </a:rPr>
+              <a:t>newn</a:t>
+            </a:r>
+            <a:r>
+              <a:rPr lang="en-US" sz="1000" dirty="0">
+                <a:solidFill>
+                  <a:srgbClr val="BDBDBD"/>
+                </a:solidFill>
+              </a:rPr>
+              <a:t>;</a:t>
+            </a:r>
+            <a:br>
+              <a:rPr lang="en-US" sz="1000" dirty="0">
+                <a:solidFill>
+                  <a:srgbClr val="BDBDBD"/>
+                </a:solidFill>
+              </a:rPr>
+            </a:br>
+            <a:r>
+              <a:rPr lang="en-US" sz="1000" dirty="0">
+                <a:solidFill>
+                  <a:srgbClr val="BDBDBD"/>
+                </a:solidFill>
+              </a:rPr>
+              <a:t>        </a:t>
+            </a:r>
+            <a:r>
+              <a:rPr lang="en-US" sz="1000" dirty="0">
+                <a:solidFill>
+                  <a:srgbClr val="66C3CC"/>
+                </a:solidFill>
+              </a:rPr>
               <a:t>head </a:t>
             </a:r>
             <a:r>
-              <a:rPr lang="en-US" sz="1100" dirty="0">
+              <a:rPr lang="en-US" sz="1000" dirty="0">
                 <a:solidFill>
                   <a:srgbClr val="BDBDBD"/>
                 </a:solidFill>
@@ -30393,7 +31847,7 @@
               <a:t>= </a:t>
             </a:r>
             <a:r>
-              <a:rPr lang="en-US" sz="1100" dirty="0">
+              <a:rPr lang="en-US" sz="1000" dirty="0">
                 <a:solidFill>
                   <a:srgbClr val="66C3CC"/>
                 </a:solidFill>
@@ -30401,7 +31855,7 @@
               <a:t>newn</a:t>
             </a:r>
             <a:r>
-              <a:rPr lang="en-US" sz="1100" dirty="0">
+              <a:rPr lang="en-US" sz="1000" dirty="0">
                 <a:solidFill>
                   <a:srgbClr val="BDBDBD"/>
                 </a:solidFill>
@@ -30409,14 +31863,14 @@
               <a:t>;</a:t>
             </a:r>
             <a:br>
-              <a:rPr lang="en-US" sz="1100" dirty="0">
+              <a:rPr lang="en-US" sz="1000" dirty="0">
                 <a:solidFill>
                   <a:srgbClr val="BDBDBD"/>
                 </a:solidFill>
               </a:rPr>
             </a:br>
             <a:r>
-              <a:rPr lang="en-US" sz="1100" dirty="0">
+              <a:rPr lang="en-US" sz="1000" dirty="0">
                 <a:solidFill>
                   <a:srgbClr val="BDBDBD"/>
                 </a:solidFill>
@@ -30424,14 +31878,14 @@
               <a:t>    }</a:t>
             </a:r>
             <a:br>
-              <a:rPr lang="en-US" sz="1100" dirty="0">
+              <a:rPr lang="en-US" sz="1000" dirty="0">
                 <a:solidFill>
                   <a:srgbClr val="BDBDBD"/>
                 </a:solidFill>
               </a:rPr>
             </a:br>
             <a:r>
-              <a:rPr lang="en-US" sz="1100" dirty="0">
+              <a:rPr lang="en-US" sz="1000" dirty="0">
                 <a:solidFill>
                   <a:srgbClr val="BDBDBD"/>
                 </a:solidFill>
@@ -30439,45 +31893,187 @@
               <a:t>    </a:t>
             </a:r>
             <a:r>
-              <a:rPr lang="en-US" sz="1100" dirty="0">
+              <a:rPr lang="en-US" sz="1000" dirty="0">
                 <a:solidFill>
                   <a:srgbClr val="6C95EB"/>
                 </a:solidFill>
               </a:rPr>
-              <a:t>else</a:t>
+              <a:t>else if </a:t>
+            </a:r>
+            <a:r>
+              <a:rPr lang="en-US" sz="1000" dirty="0">
+                <a:solidFill>
+                  <a:srgbClr val="BDBDBD"/>
+                </a:solidFill>
+              </a:rPr>
+              <a:t>(index == </a:t>
+            </a:r>
+            <a:r>
+              <a:rPr lang="en-US" sz="1000" dirty="0">
+                <a:solidFill>
+                  <a:srgbClr val="66C3CC"/>
+                </a:solidFill>
+              </a:rPr>
+              <a:t>length</a:t>
+            </a:r>
+            <a:r>
+              <a:rPr lang="en-US" sz="1000" dirty="0">
+                <a:solidFill>
+                  <a:srgbClr val="BDBDBD"/>
+                </a:solidFill>
+              </a:rPr>
+              <a:t>)</a:t>
             </a:r>
             <a:br>
-              <a:rPr lang="en-US" sz="1100" dirty="0">
+              <a:rPr lang="en-US" sz="1000" dirty="0">
+                <a:solidFill>
+                  <a:srgbClr val="BDBDBD"/>
+                </a:solidFill>
+              </a:rPr>
+            </a:br>
+            <a:r>
+              <a:rPr lang="en-US" sz="1000" dirty="0">
+                <a:solidFill>
+                  <a:srgbClr val="BDBDBD"/>
+                </a:solidFill>
+              </a:rPr>
+              <a:t>    {</a:t>
+            </a:r>
+            <a:br>
+              <a:rPr lang="en-US" sz="1000" dirty="0">
+                <a:solidFill>
+                  <a:srgbClr val="BDBDBD"/>
+                </a:solidFill>
+              </a:rPr>
+            </a:br>
+            <a:r>
+              <a:rPr lang="en-US" sz="1000" dirty="0">
+                <a:solidFill>
+                  <a:srgbClr val="BDBDBD"/>
+                </a:solidFill>
+              </a:rPr>
+              <a:t>        </a:t>
+            </a:r>
+            <a:r>
+              <a:rPr lang="en-US" sz="1000" dirty="0">
+                <a:solidFill>
+                  <a:srgbClr val="66C3CC"/>
+                </a:solidFill>
+              </a:rPr>
+              <a:t>newn</a:t>
+            </a:r>
+            <a:r>
+              <a:rPr lang="en-US" sz="1000" dirty="0">
+                <a:solidFill>
+                  <a:srgbClr val="BDBDBD"/>
+                </a:solidFill>
+              </a:rPr>
+              <a:t>.</a:t>
+            </a:r>
+            <a:r>
+              <a:rPr lang="en-US" sz="1000" dirty="0">
+                <a:solidFill>
+                  <a:srgbClr val="66C3CC"/>
+                </a:solidFill>
+              </a:rPr>
+              <a:t>rptr </a:t>
+            </a:r>
+            <a:r>
+              <a:rPr lang="en-US" sz="1000" dirty="0">
+                <a:solidFill>
+                  <a:srgbClr val="BDBDBD"/>
+                </a:solidFill>
+              </a:rPr>
+              <a:t>= </a:t>
+            </a:r>
+            <a:r>
+              <a:rPr lang="en-US" sz="1000" dirty="0">
                 <a:solidFill>
                   <a:srgbClr val="6C95EB"/>
                 </a:solidFill>
               </a:rPr>
+              <a:t>null</a:t>
+            </a:r>
+            <a:r>
+              <a:rPr lang="en-US" sz="1000" dirty="0">
+                <a:solidFill>
+                  <a:srgbClr val="BDBDBD"/>
+                </a:solidFill>
+              </a:rPr>
+              <a:t>;</a:t>
+            </a:r>
+            <a:br>
+              <a:rPr lang="en-US" sz="1000" dirty="0">
+                <a:solidFill>
+                  <a:srgbClr val="BDBDBD"/>
+                </a:solidFill>
+              </a:rPr>
             </a:br>
             <a:r>
-              <a:rPr lang="en-US" sz="1100" dirty="0">
-                <a:solidFill>
-                  <a:srgbClr val="6C95EB"/>
-                </a:solidFill>
-              </a:rPr>
-              <a:t>    </a:t>
-            </a:r>
-            <a:r>
-              <a:rPr lang="en-US" sz="1100" dirty="0">
-                <a:solidFill>
-                  <a:srgbClr val="BDBDBD"/>
-                </a:solidFill>
-              </a:rPr>
-              <a:t>{</a:t>
+              <a:rPr lang="en-US" sz="1000" dirty="0">
+                <a:solidFill>
+                  <a:srgbClr val="BDBDBD"/>
+                </a:solidFill>
+              </a:rPr>
+              <a:t>        </a:t>
+            </a:r>
+            <a:r>
+              <a:rPr lang="en-US" sz="1000" dirty="0">
+                <a:solidFill>
+                  <a:srgbClr val="66C3CC"/>
+                </a:solidFill>
+              </a:rPr>
+              <a:t>newn</a:t>
+            </a:r>
+            <a:r>
+              <a:rPr lang="en-US" sz="1000" dirty="0">
+                <a:solidFill>
+                  <a:srgbClr val="BDBDBD"/>
+                </a:solidFill>
+              </a:rPr>
+              <a:t>.</a:t>
+            </a:r>
+            <a:r>
+              <a:rPr lang="en-US" sz="1000" dirty="0">
+                <a:solidFill>
+                  <a:srgbClr val="66C3CC"/>
+                </a:solidFill>
+              </a:rPr>
+              <a:t>lptr </a:t>
+            </a:r>
+            <a:r>
+              <a:rPr lang="en-US" sz="1000" dirty="0">
+                <a:solidFill>
+                  <a:srgbClr val="BDBDBD"/>
+                </a:solidFill>
+              </a:rPr>
+              <a:t>= </a:t>
+            </a:r>
+            <a:r>
+              <a:rPr lang="en-US" sz="1000" dirty="0">
+                <a:solidFill>
+                  <a:srgbClr val="66C3CC"/>
+                </a:solidFill>
+              </a:rPr>
+              <a:t>tail</a:t>
+            </a:r>
+            <a:r>
+              <a:rPr lang="en-US" sz="1000" dirty="0">
+                <a:solidFill>
+                  <a:srgbClr val="BDBDBD"/>
+                </a:solidFill>
+              </a:rPr>
+              <a:t>;</a:t>
             </a:r>
             <a:br>
-              <a:rPr lang="en-US" sz="1100" dirty="0">
+              <a:rPr lang="en-US" sz="1000" dirty="0">
                 <a:solidFill>
                   <a:srgbClr val="BDBDBD"/>
                 </a:solidFill>
               </a:rPr>
             </a:br>
             <a:r>
-              <a:rPr lang="en-US" sz="1100" dirty="0">
+              <a:rPr lang="en-US" sz="1000" dirty="0">
                 <a:solidFill>
                   <a:srgbClr val="BDBDBD"/>
                 </a:solidFill>
@@ -30485,15 +32081,31 @@
               <a:t>        </a:t>
             </a:r>
             <a:r>
-              <a:rPr lang="en-US" sz="1100" dirty="0">
+              <a:rPr lang="en-US" sz="1000" dirty="0">
                 <a:solidFill>
                   <a:srgbClr val="66C3CC"/>
                 </a:solidFill>
               </a:rPr>
-              <a:t>temp </a:t>
-            </a:r>
-            <a:r>
-              <a:rPr lang="en-US" sz="1100" dirty="0">
+              <a:t>tail</a:t>
+            </a:r>
+            <a:r>
+              <a:rPr lang="en-US" sz="1000" dirty="0">
+                <a:solidFill>
+                  <a:srgbClr val="BDBDBD"/>
+                </a:solidFill>
+              </a:rPr>
+              <a:t>.</a:t>
+            </a:r>
+            <a:r>
+              <a:rPr lang="en-US" sz="1000" dirty="0">
+                <a:solidFill>
+                  <a:srgbClr val="66C3CC"/>
+                </a:solidFill>
+              </a:rPr>
+              <a:t>rptr </a:t>
+            </a:r>
+            <a:r>
+              <a:rPr lang="en-US" sz="1000" dirty="0">
                 <a:solidFill>
                   <a:srgbClr val="BDBDBD"/>
                 </a:solidFill>
@@ -30501,15 +32113,15 @@
               <a:t>= </a:t>
             </a:r>
             <a:r>
-              <a:rPr lang="en-US" sz="1100" dirty="0">
+              <a:rPr lang="en-US" sz="1000" dirty="0">
                 <a:solidFill>
                   <a:srgbClr val="66C3CC"/>
                 </a:solidFill>
               </a:rPr>
-              <a:t>head</a:t>
-            </a:r>
-            <a:r>
-              <a:rPr lang="en-US" sz="1100" dirty="0">
+              <a:t>newn</a:t>
+            </a:r>
+            <a:r>
+              <a:rPr lang="en-US" sz="1000" dirty="0">
                 <a:solidFill>
                   <a:srgbClr val="BDBDBD"/>
                 </a:solidFill>
@@ -30517,14 +32129,14 @@
               <a:t>;</a:t>
             </a:r>
             <a:br>
-              <a:rPr lang="en-US" sz="1100" dirty="0">
+              <a:rPr lang="en-US" sz="1000" dirty="0">
                 <a:solidFill>
                   <a:srgbClr val="BDBDBD"/>
                 </a:solidFill>
               </a:rPr>
             </a:br>
             <a:r>
-              <a:rPr lang="en-US" sz="1100" dirty="0">
+              <a:rPr lang="en-US" sz="1000" dirty="0">
                 <a:solidFill>
                   <a:srgbClr val="BDBDBD"/>
                 </a:solidFill>
@@ -30532,320 +32144,68 @@
               <a:t>        </a:t>
             </a:r>
             <a:r>
-              <a:rPr lang="en-US" sz="1100" dirty="0">
-                <a:solidFill>
-                  <a:srgbClr val="6C95EB"/>
-                </a:solidFill>
-              </a:rPr>
-              <a:t>for </a:t>
-            </a:r>
-            <a:r>
-              <a:rPr lang="en-US" sz="1100" dirty="0">
-                <a:solidFill>
-                  <a:srgbClr val="BDBDBD"/>
-                </a:solidFill>
-              </a:rPr>
-              <a:t>(i = </a:t>
-            </a:r>
-            <a:r>
-              <a:rPr lang="en-US" sz="1100" dirty="0">
-                <a:solidFill>
-                  <a:srgbClr val="ED94C0"/>
-                </a:solidFill>
-              </a:rPr>
-              <a:t>0</a:t>
-            </a:r>
-            <a:r>
-              <a:rPr lang="en-US" sz="1100" dirty="0">
-                <a:solidFill>
-                  <a:srgbClr val="BDBDBD"/>
-                </a:solidFill>
-              </a:rPr>
-              <a:t>; i &lt; index - </a:t>
-            </a:r>
-            <a:r>
-              <a:rPr lang="en-US" sz="1100" dirty="0">
-                <a:solidFill>
-                  <a:srgbClr val="ED94C0"/>
-                </a:solidFill>
-              </a:rPr>
-              <a:t>1</a:t>
-            </a:r>
-            <a:r>
-              <a:rPr lang="en-US" sz="1100" dirty="0">
-                <a:solidFill>
-                  <a:srgbClr val="BDBDBD"/>
-                </a:solidFill>
-              </a:rPr>
-              <a:t>; i++)</a:t>
+              <a:rPr lang="en-US" sz="1000" dirty="0">
+                <a:solidFill>
+                  <a:srgbClr val="66C3CC"/>
+                </a:solidFill>
+              </a:rPr>
+              <a:t>tail </a:t>
+            </a:r>
+            <a:r>
+              <a:rPr lang="en-US" sz="1000" dirty="0">
+                <a:solidFill>
+                  <a:srgbClr val="BDBDBD"/>
+                </a:solidFill>
+              </a:rPr>
+              <a:t>= </a:t>
+            </a:r>
+            <a:r>
+              <a:rPr lang="en-US" sz="1000" dirty="0">
+                <a:solidFill>
+                  <a:srgbClr val="66C3CC"/>
+                </a:solidFill>
+              </a:rPr>
+              <a:t>newn</a:t>
+            </a:r>
+            <a:r>
+              <a:rPr lang="en-US" sz="1000" dirty="0">
+                <a:solidFill>
+                  <a:srgbClr val="BDBDBD"/>
+                </a:solidFill>
+              </a:rPr>
+              <a:t>;</a:t>
             </a:r>
             <a:br>
-              <a:rPr lang="en-US" sz="1100" dirty="0">
+              <a:rPr lang="en-US" sz="1000" dirty="0">
                 <a:solidFill>
                   <a:srgbClr val="BDBDBD"/>
                 </a:solidFill>
               </a:rPr>
             </a:br>
             <a:r>
-              <a:rPr lang="en-US" sz="1100" dirty="0">
-                <a:solidFill>
-                  <a:srgbClr val="BDBDBD"/>
-                </a:solidFill>
-              </a:rPr>
-              <a:t>            </a:t>
-            </a:r>
-            <a:r>
-              <a:rPr lang="en-US" sz="1100" dirty="0">
-                <a:solidFill>
-                  <a:srgbClr val="66C3CC"/>
-                </a:solidFill>
-              </a:rPr>
-              <a:t>temp </a:t>
-            </a:r>
-            <a:r>
-              <a:rPr lang="en-US" sz="1100" dirty="0">
-                <a:solidFill>
-                  <a:srgbClr val="BDBDBD"/>
-                </a:solidFill>
-              </a:rPr>
-              <a:t>= </a:t>
-            </a:r>
-            <a:r>
-              <a:rPr lang="en-US" sz="1100" dirty="0">
-                <a:solidFill>
-                  <a:srgbClr val="66C3CC"/>
-                </a:solidFill>
-              </a:rPr>
-              <a:t>temp</a:t>
-            </a:r>
-            <a:r>
-              <a:rPr lang="en-US" sz="1100" dirty="0">
-                <a:solidFill>
-                  <a:srgbClr val="BDBDBD"/>
-                </a:solidFill>
-              </a:rPr>
-              <a:t>.</a:t>
-            </a:r>
-            <a:r>
-              <a:rPr lang="en-US" sz="1100" dirty="0">
-                <a:solidFill>
-                  <a:srgbClr val="66C3CC"/>
-                </a:solidFill>
-              </a:rPr>
-              <a:t>ptr</a:t>
-            </a:r>
-            <a:r>
-              <a:rPr lang="en-US" sz="1100" dirty="0">
-                <a:solidFill>
-                  <a:srgbClr val="BDBDBD"/>
-                </a:solidFill>
-              </a:rPr>
-              <a:t>;</a:t>
+              <a:rPr lang="en-US" sz="1000" dirty="0">
+                <a:solidFill>
+                  <a:srgbClr val="BDBDBD"/>
+                </a:solidFill>
+              </a:rPr>
+              <a:t>    }</a:t>
             </a:r>
             <a:br>
-              <a:rPr lang="en-US" sz="1100" dirty="0">
+              <a:rPr lang="en-US" sz="1000" dirty="0">
                 <a:solidFill>
                   <a:srgbClr val="BDBDBD"/>
                 </a:solidFill>
               </a:rPr>
             </a:br>
             <a:r>
-              <a:rPr lang="en-US" sz="1100" dirty="0">
-                <a:solidFill>
-                  <a:srgbClr val="BDBDBD"/>
-                </a:solidFill>
-              </a:rPr>
-              <a:t>        </a:t>
-            </a:r>
-            <a:r>
-              <a:rPr lang="en-US" sz="1100" dirty="0">
-                <a:solidFill>
-                  <a:srgbClr val="66C3CC"/>
-                </a:solidFill>
-              </a:rPr>
-              <a:t>newn</a:t>
-            </a:r>
-            <a:r>
-              <a:rPr lang="en-US" sz="1100" dirty="0">
-                <a:solidFill>
-                  <a:srgbClr val="BDBDBD"/>
-                </a:solidFill>
-              </a:rPr>
-              <a:t>.</a:t>
-            </a:r>
-            <a:r>
-              <a:rPr lang="en-US" sz="1100" dirty="0">
-                <a:solidFill>
-                  <a:srgbClr val="66C3CC"/>
-                </a:solidFill>
-              </a:rPr>
-              <a:t>ptr </a:t>
-            </a:r>
-            <a:r>
-              <a:rPr lang="en-US" sz="1100" dirty="0">
-                <a:solidFill>
-                  <a:srgbClr val="BDBDBD"/>
-                </a:solidFill>
-              </a:rPr>
-              <a:t>= </a:t>
-            </a:r>
-            <a:r>
-              <a:rPr lang="en-US" sz="1100" dirty="0">
-                <a:solidFill>
-                  <a:srgbClr val="66C3CC"/>
-                </a:solidFill>
-              </a:rPr>
-              <a:t>temp</a:t>
-            </a:r>
-            <a:r>
-              <a:rPr lang="en-US" sz="1100" dirty="0">
-                <a:solidFill>
-                  <a:srgbClr val="BDBDBD"/>
-                </a:solidFill>
-              </a:rPr>
-              <a:t>.</a:t>
-            </a:r>
-            <a:r>
-              <a:rPr lang="en-US" sz="1100" dirty="0">
-                <a:solidFill>
-                  <a:srgbClr val="66C3CC"/>
-                </a:solidFill>
-              </a:rPr>
-              <a:t>ptr</a:t>
-            </a:r>
-            <a:r>
-              <a:rPr lang="en-US" sz="1100" dirty="0">
-                <a:solidFill>
-                  <a:srgbClr val="BDBDBD"/>
-                </a:solidFill>
-              </a:rPr>
-              <a:t>;</a:t>
-            </a:r>
-            <a:br>
-              <a:rPr lang="en-US" sz="1100" dirty="0">
-                <a:solidFill>
-                  <a:srgbClr val="BDBDBD"/>
-                </a:solidFill>
-              </a:rPr>
-            </a:br>
-            <a:r>
-              <a:rPr lang="en-US" sz="1100" dirty="0">
-                <a:solidFill>
-                  <a:srgbClr val="BDBDBD"/>
-                </a:solidFill>
-              </a:rPr>
-              <a:t>        </a:t>
-            </a:r>
-            <a:r>
-              <a:rPr lang="en-US" sz="1100" dirty="0">
-                <a:solidFill>
-                  <a:srgbClr val="66C3CC"/>
-                </a:solidFill>
-              </a:rPr>
-              <a:t>temp</a:t>
-            </a:r>
-            <a:r>
-              <a:rPr lang="en-US" sz="1100" dirty="0">
-                <a:solidFill>
-                  <a:srgbClr val="BDBDBD"/>
-                </a:solidFill>
-              </a:rPr>
-              <a:t>.</a:t>
-            </a:r>
-            <a:r>
-              <a:rPr lang="en-US" sz="1100" dirty="0">
-                <a:solidFill>
-                  <a:srgbClr val="66C3CC"/>
-                </a:solidFill>
-              </a:rPr>
-              <a:t>ptr </a:t>
-            </a:r>
-            <a:r>
-              <a:rPr lang="en-US" sz="1100" dirty="0">
-                <a:solidFill>
-                  <a:srgbClr val="BDBDBD"/>
-                </a:solidFill>
-              </a:rPr>
-              <a:t>= </a:t>
-            </a:r>
-            <a:r>
-              <a:rPr lang="en-US" sz="1100" dirty="0">
-                <a:solidFill>
-                  <a:srgbClr val="66C3CC"/>
-                </a:solidFill>
-              </a:rPr>
-              <a:t>newn</a:t>
-            </a:r>
-            <a:r>
-              <a:rPr lang="en-US" sz="1100" dirty="0">
-                <a:solidFill>
-                  <a:srgbClr val="BDBDBD"/>
-                </a:solidFill>
-              </a:rPr>
-              <a:t>;</a:t>
-            </a:r>
-            <a:br>
-              <a:rPr lang="en-US" sz="1100" dirty="0">
-                <a:solidFill>
-                  <a:srgbClr val="BDBDBD"/>
-                </a:solidFill>
-              </a:rPr>
-            </a:br>
-            <a:r>
-              <a:rPr lang="en-US" sz="1100" dirty="0">
-                <a:solidFill>
-                  <a:srgbClr val="BDBDBD"/>
-                </a:solidFill>
-              </a:rPr>
-              <a:t>    }</a:t>
-            </a:r>
-            <a:br>
-              <a:rPr lang="en-US" sz="1100" dirty="0">
-                <a:solidFill>
-                  <a:srgbClr val="BDBDBD"/>
-                </a:solidFill>
-              </a:rPr>
-            </a:br>
-            <a:r>
-              <a:rPr lang="en-US" sz="1100" dirty="0">
-                <a:solidFill>
-                  <a:srgbClr val="BDBDBD"/>
-                </a:solidFill>
-              </a:rPr>
-              <a:t>    </a:t>
-            </a:r>
-            <a:r>
-              <a:rPr lang="en-US" sz="1100" dirty="0">
-                <a:solidFill>
-                  <a:srgbClr val="66C3CC"/>
-                </a:solidFill>
-              </a:rPr>
-              <a:t>length</a:t>
-            </a:r>
-            <a:r>
-              <a:rPr lang="en-US" sz="1100" dirty="0">
-                <a:solidFill>
-                  <a:srgbClr val="BDBDBD"/>
-                </a:solidFill>
-              </a:rPr>
-              <a:t>++;</a:t>
-            </a:r>
-            <a:br>
-              <a:rPr lang="en-US" sz="1100" dirty="0">
-                <a:solidFill>
-                  <a:srgbClr val="BDBDBD"/>
-                </a:solidFill>
-              </a:rPr>
-            </a:br>
-            <a:r>
-              <a:rPr lang="en-US" sz="1100" dirty="0">
-                <a:solidFill>
-                  <a:srgbClr val="BDBDBD"/>
-                </a:solidFill>
-              </a:rPr>
-              <a:t>}</a:t>
-            </a:r>
-            <a:endParaRPr lang="en-US" sz="1100" dirty="0"/>
+              <a:rPr lang="en-US" sz="1000" dirty="0">
+                <a:solidFill>
+                  <a:srgbClr val="BDBDBD"/>
+                </a:solidFill>
+              </a:rPr>
+              <a:t>  </a:t>
+            </a:r>
+            <a:endParaRPr lang="en-US" sz="1000" dirty="0"/>
           </a:p>
         </p:txBody>
       </p:sp>
@@ -31245,7 +32605,7 @@
                   <a:schemeClr val="tx1"/>
                 </a:solidFill>
               </a:rPr>
-              <a:t>When creating second element</a:t>
+              <a:t>When Inserting second element</a:t>
             </a:r>
           </a:p>
         </p:txBody>
@@ -33841,8 +35201,8 @@
         </p:nvSpPr>
         <p:spPr>
           <a:xfrm>
-            <a:off x="134371" y="73190"/>
-            <a:ext cx="2158993" cy="4429035"/>
+            <a:off x="134372" y="73190"/>
+            <a:ext cx="2113922" cy="2039389"/>
           </a:xfrm>
           <a:prstGeom prst="rect">
             <a:avLst/>
@@ -33889,60 +35249,12 @@
                   <a:srgbClr val="6C95EB"/>
                 </a:solidFill>
               </a:rPr>
-              <a:t>public void </a:t>
-            </a:r>
-            <a:r>
-              <a:rPr lang="en-US" sz="1000" dirty="0">
-                <a:solidFill>
-                  <a:srgbClr val="39CC8F"/>
-                </a:solidFill>
-              </a:rPr>
-              <a:t>Insertion</a:t>
-            </a:r>
-            <a:r>
-              <a:rPr lang="en-US" sz="1000" dirty="0">
-                <a:solidFill>
-                  <a:srgbClr val="BDBDBD"/>
-                </a:solidFill>
-              </a:rPr>
-              <a:t>(</a:t>
-            </a:r>
-            <a:r>
-              <a:rPr lang="en-US" sz="1000" dirty="0">
-                <a:solidFill>
-                  <a:srgbClr val="6C95EB"/>
-                </a:solidFill>
-              </a:rPr>
-              <a:t>int </a:t>
-            </a:r>
-            <a:r>
-              <a:rPr lang="en-US" sz="1000" dirty="0">
-                <a:solidFill>
-                  <a:srgbClr val="BDBDBD"/>
-                </a:solidFill>
-              </a:rPr>
-              <a:t>ele, </a:t>
-            </a:r>
-            <a:r>
-              <a:rPr lang="en-US" sz="1000" dirty="0">
-                <a:solidFill>
-                  <a:srgbClr val="6C95EB"/>
-                </a:solidFill>
-              </a:rPr>
-              <a:t>int </a:t>
-            </a:r>
-            <a:r>
-              <a:rPr lang="en-US" sz="1000" dirty="0">
-                <a:solidFill>
-                  <a:srgbClr val="BDBDBD"/>
-                </a:solidFill>
-              </a:rPr>
-              <a:t>index)</a:t>
+              <a:t>else</a:t>
             </a:r>
             <a:br>
               <a:rPr lang="en-US" sz="1000" dirty="0">
                 <a:solidFill>
-                  <a:srgbClr val="BDBDBD"/>
+                  <a:srgbClr val="6C95EB"/>
                 </a:solidFill>
               </a:rPr>
             </a:br>
@@ -33972,10 +35284,10 @@
             <a:r>
               <a:rPr lang="en-US" sz="1000" dirty="0">
                 <a:solidFill>
-                  <a:srgbClr val="6C95EB"/>
-                </a:solidFill>
-              </a:rPr>
-              <a:t>int </a:t>
+                  <a:srgbClr val="66C3CC"/>
+                </a:solidFill>
+              </a:rPr>
+              <a:t>temp </a:t>
             </a:r>
             <a:r>
               <a:rPr lang="en-US" sz="1000" dirty="0">
@@ -33983,7 +35295,23 @@
                   <a:srgbClr val="BDBDBD"/>
                 </a:solidFill>
               </a:rPr>
-              <a:t>i;</a:t>
+              <a:t>= </a:t>
+            </a:r>
+            <a:r>
+              <a:rPr lang="en-US" sz="1000" dirty="0">
+                <a:solidFill>
+                  <a:srgbClr val="66C3CC"/>
+                </a:solidFill>
+              </a:rPr>
+              <a:t>head</a:t>
+            </a:r>
+            <a:r>
+              <a:rPr lang="en-US" sz="1000" dirty="0">
+                <a:solidFill>
+                  <a:srgbClr val="BDBDBD"/>
+                </a:solidFill>
+              </a:rPr>
+              <a:t>;</a:t>
             </a:r>
             <a:br>
               <a:rPr lang="en-US" sz="1000" dirty="0">
@@ -34006,7 +35334,7 @@
                   <a:srgbClr val="6C95EB"/>
                 </a:solidFill>
               </a:rPr>
-              <a:t>if </a:t>
+              <a:t>for </a:t>
             </a:r>
             <a:r>
               <a:rPr lang="en-US" sz="1000" dirty="0">
@@ -34014,15 +35342,31 @@
                   <a:srgbClr val="BDBDBD"/>
                 </a:solidFill>
               </a:rPr>
-              <a:t>(index &lt; </a:t>
+              <a:t>(</a:t>
+            </a:r>
+            <a:r>
+              <a:rPr lang="en-US" sz="1000" dirty="0" err="1">
+                <a:solidFill>
+                  <a:srgbClr val="BDBDBD"/>
+                </a:solidFill>
+              </a:rPr>
+              <a:t>i</a:t>
             </a:r>
             <a:r>
               <a:rPr lang="en-US" sz="1000" dirty="0">
                 <a:solidFill>
+                  <a:srgbClr val="BDBDBD"/>
+                </a:solidFill>
+              </a:rPr>
+              <a:t> = </a:t>
+            </a:r>
+            <a:r>
+              <a:rPr lang="en-US" sz="1000" dirty="0">
+                <a:solidFill>
                   <a:srgbClr val="ED94C0"/>
                 </a:solidFill>
               </a:rPr>
-              <a:t>0 </a:t>
+              <a:t>0</a:t>
             </a:r>
             <a:r>
               <a:rPr lang="en-US" sz="1000" dirty="0">
@@ -34030,15 +35374,31 @@
                   <a:srgbClr val="BDBDBD"/>
                 </a:solidFill>
               </a:rPr>
-              <a:t>|| index &gt; </a:t>
+              <a:t>; </a:t>
+            </a:r>
+            <a:r>
+              <a:rPr lang="en-US" sz="1000" dirty="0" err="1">
+                <a:solidFill>
+                  <a:srgbClr val="BDBDBD"/>
+                </a:solidFill>
+              </a:rPr>
+              <a:t>i</a:t>
             </a:r>
             <a:r>
               <a:rPr lang="en-US" sz="1000" dirty="0">
                 <a:solidFill>
-                  <a:srgbClr val="66C3CC"/>
-                </a:solidFill>
-              </a:rPr>
-              <a:t>length</a:t>
+                  <a:srgbClr val="BDBDBD"/>
+                </a:solidFill>
+              </a:rPr>
+              <a:t> &lt; index; </a:t>
+            </a:r>
+            <a:r>
+              <a:rPr lang="en-US" sz="1000" dirty="0" err="1">
+                <a:solidFill>
+                  <a:srgbClr val="BDBDBD"/>
+                </a:solidFill>
+              </a:rPr>
+              <a:t>i</a:t>
             </a:r>
             <a:r>
               <a:rPr lang="en-US" sz="1000" dirty="0">
@@ -34046,7 +35406,7 @@
                   <a:srgbClr val="BDBDBD"/>
                 </a:solidFill>
               </a:rPr>
-              <a:t>)</a:t>
+              <a:t>++)</a:t>
             </a:r>
             <a:br>
               <a:rPr lang="en-US" sz="1000" dirty="0">
@@ -34061,47 +35421,7 @@
                   <a:srgbClr val="BDBDBD"/>
                 </a:solidFill>
               </a:rPr>
-              <a:t>        </a:t>
-            </a:r>
-            <a:r>
-              <a:rPr lang="en-US" sz="1000" dirty="0">
-                <a:solidFill>
-                  <a:srgbClr val="6C95EB"/>
-                </a:solidFill>
-              </a:rPr>
-              <a:t>throw new </a:t>
-            </a:r>
-            <a:r>
-              <a:rPr lang="en-US" sz="1000" dirty="0">
-                <a:solidFill>
-                  <a:srgbClr val="C191FF"/>
-                </a:solidFill>
-              </a:rPr>
-              <a:t>Exception</a:t>
-            </a:r>
-            <a:r>
-              <a:rPr lang="en-US" sz="1000" dirty="0">
-                <a:solidFill>
-                  <a:srgbClr val="BDBDBD"/>
-                </a:solidFill>
-              </a:rPr>
-              <a:t>(</a:t>
-            </a:r>
-            <a:r>
-              <a:rPr lang="en-US" sz="1000" dirty="0">
-                <a:solidFill>
-                  <a:srgbClr val="C9A26D"/>
-                </a:solidFill>
-              </a:rPr>
-              <a:t>"insertion is not possible"</a:t>
-            </a:r>
-            <a:r>
-              <a:rPr lang="en-US" sz="1000" dirty="0">
-                <a:solidFill>
-                  <a:srgbClr val="BDBDBD"/>
-                </a:solidFill>
-              </a:rPr>
-              <a:t>);</a:t>
+              <a:t>    {</a:t>
             </a:r>
             <a:br>
               <a:rPr lang="en-US" sz="1000" dirty="0">
@@ -34116,7 +35436,7 @@
                   <a:srgbClr val="BDBDBD"/>
                 </a:solidFill>
               </a:rPr>
-              <a:t>    </a:t>
+              <a:t>        </a:t>
             </a:r>
             <a:r>
               <a:rPr lang="en-US" sz="1000" dirty="0">
@@ -34124,7 +35444,7 @@
                   <a:srgbClr val="66C3CC"/>
                 </a:solidFill>
               </a:rPr>
-              <a:t>newn </a:t>
+              <a:t>temp </a:t>
             </a:r>
             <a:r>
               <a:rPr lang="en-US" sz="1000" dirty="0">
@@ -34135,28 +35455,36 @@
               <a:t>= </a:t>
             </a:r>
             <a:r>
+              <a:rPr lang="en-US" sz="1000" dirty="0" err="1">
+                <a:solidFill>
+                  <a:srgbClr val="66C3CC"/>
+                </a:solidFill>
+              </a:rPr>
+              <a:t>temp</a:t>
+            </a:r>
+            <a:r>
+              <a:rPr lang="en-US" sz="1000" dirty="0" err="1">
+                <a:solidFill>
+                  <a:srgbClr val="BDBDBD"/>
+                </a:solidFill>
+              </a:rPr>
+              <a:t>.</a:t>
+            </a:r>
+            <a:r>
+              <a:rPr lang="en-US" sz="1000" dirty="0" err="1">
+                <a:solidFill>
+                  <a:srgbClr val="66C3CC"/>
+                </a:solidFill>
+              </a:rPr>
+              <a:t>rptr</a:t>
+            </a:r>
+            <a:r>
               <a:rPr lang="en-US" sz="1000" dirty="0">
                 <a:solidFill>
-                  <a:srgbClr val="6C95EB"/>
-                </a:solidFill>
-              </a:rPr>
-              <a:t>new </a:t>
-            </a:r>
-            <a:r>
-              <a:rPr lang="en-US" sz="1000" dirty="0">
-                <a:solidFill>
-                  <a:srgbClr val="C191FF"/>
-                </a:solidFill>
-              </a:rPr>
-              <a:t>Node</a:t>
-            </a:r>
-            <a:r>
-              <a:rPr lang="en-US" sz="1000" dirty="0">
-                <a:solidFill>
-                  <a:srgbClr val="BDBDBD"/>
-                </a:solidFill>
-              </a:rPr>
-              <a:t>();</a:t>
+                  <a:srgbClr val="BDBDBD"/>
+                </a:solidFill>
+              </a:rPr>
+              <a:t>;</a:t>
             </a:r>
             <a:br>
               <a:rPr lang="en-US" sz="1000" dirty="0">
@@ -34171,39 +35499,7 @@
                   <a:srgbClr val="BDBDBD"/>
                 </a:solidFill>
               </a:rPr>
-              <a:t>    </a:t>
-            </a:r>
-            <a:r>
-              <a:rPr lang="en-US" sz="1000" dirty="0">
-                <a:solidFill>
-                  <a:srgbClr val="66C3CC"/>
-                </a:solidFill>
-              </a:rPr>
-              <a:t>newn</a:t>
-            </a:r>
-            <a:r>
-              <a:rPr lang="en-US" sz="1000" dirty="0">
-                <a:solidFill>
-                  <a:srgbClr val="BDBDBD"/>
-                </a:solidFill>
-              </a:rPr>
-              <a:t>.</a:t>
-            </a:r>
-            <a:r>
-              <a:rPr lang="en-US" sz="1000" dirty="0">
-                <a:solidFill>
-                  <a:srgbClr val="66C3CC"/>
-                </a:solidFill>
-              </a:rPr>
-              <a:t>info </a:t>
-            </a:r>
-            <a:r>
-              <a:rPr lang="en-US" sz="1000" dirty="0">
-                <a:solidFill>
-                  <a:srgbClr val="BDBDBD"/>
-                </a:solidFill>
-              </a:rPr>
-              <a:t>= ele;</a:t>
+              <a:t>    }</a:t>
             </a:r>
             <a:br>
               <a:rPr lang="en-US" sz="1000" dirty="0">
@@ -34223,10 +35519,10 @@
             <a:r>
               <a:rPr lang="en-US" sz="1000" dirty="0">
                 <a:solidFill>
-                  <a:srgbClr val="6C95EB"/>
-                </a:solidFill>
-              </a:rPr>
-              <a:t>if </a:t>
+                  <a:srgbClr val="66C3CC"/>
+                </a:solidFill>
+              </a:rPr>
+              <a:t>newn</a:t>
             </a:r>
             <a:r>
               <a:rPr lang="en-US" sz="1000" dirty="0">
@@ -34234,15 +35530,15 @@
                   <a:srgbClr val="BDBDBD"/>
                 </a:solidFill>
               </a:rPr>
-              <a:t>(index == </a:t>
+              <a:t>.</a:t>
             </a:r>
             <a:r>
               <a:rPr lang="en-US" sz="1000" dirty="0">
                 <a:solidFill>
-                  <a:srgbClr val="ED94C0"/>
-                </a:solidFill>
-              </a:rPr>
-              <a:t>0</a:t>
+                  <a:srgbClr val="66C3CC"/>
+                </a:solidFill>
+              </a:rPr>
+              <a:t>lptr </a:t>
             </a:r>
             <a:r>
               <a:rPr lang="en-US" sz="1000" dirty="0">
@@ -34250,7 +35546,39 @@
                   <a:srgbClr val="BDBDBD"/>
                 </a:solidFill>
               </a:rPr>
-              <a:t>)</a:t>
+              <a:t>= </a:t>
+            </a:r>
+            <a:r>
+              <a:rPr lang="en-US" sz="1000" dirty="0" err="1">
+                <a:solidFill>
+                  <a:srgbClr val="66C3CC"/>
+                </a:solidFill>
+              </a:rPr>
+              <a:t>temp</a:t>
+            </a:r>
+            <a:r>
+              <a:rPr lang="en-US" sz="1000" dirty="0" err="1">
+                <a:solidFill>
+                  <a:srgbClr val="BDBDBD"/>
+                </a:solidFill>
+              </a:rPr>
+              <a:t>.</a:t>
+            </a:r>
+            <a:r>
+              <a:rPr lang="en-US" sz="1000" dirty="0" err="1">
+                <a:solidFill>
+                  <a:srgbClr val="66C3CC"/>
+                </a:solidFill>
+              </a:rPr>
+              <a:t>lptr</a:t>
+            </a:r>
+            <a:r>
+              <a:rPr lang="en-US" sz="1000" dirty="0">
+                <a:solidFill>
+                  <a:srgbClr val="BDBDBD"/>
+                </a:solidFill>
+              </a:rPr>
+              <a:t>;</a:t>
             </a:r>
             <a:br>
               <a:rPr lang="en-US" sz="1000" dirty="0">
@@ -34265,7 +35593,55 @@
                   <a:srgbClr val="BDBDBD"/>
                 </a:solidFill>
               </a:rPr>
-              <a:t>    {</a:t>
+              <a:t>    </a:t>
+            </a:r>
+            <a:r>
+              <a:rPr lang="en-US" sz="1000" dirty="0">
+                <a:solidFill>
+                  <a:srgbClr val="66C3CC"/>
+                </a:solidFill>
+              </a:rPr>
+              <a:t>newn</a:t>
+            </a:r>
+            <a:r>
+              <a:rPr lang="en-US" sz="1000" dirty="0">
+                <a:solidFill>
+                  <a:srgbClr val="BDBDBD"/>
+                </a:solidFill>
+              </a:rPr>
+              <a:t>.</a:t>
+            </a:r>
+            <a:r>
+              <a:rPr lang="en-US" sz="1000" dirty="0">
+                <a:solidFill>
+                  <a:srgbClr val="66C3CC"/>
+                </a:solidFill>
+              </a:rPr>
+              <a:t>rptr </a:t>
+            </a:r>
+            <a:r>
+              <a:rPr lang="en-US" sz="1000" dirty="0">
+                <a:solidFill>
+                  <a:srgbClr val="BDBDBD"/>
+                </a:solidFill>
+              </a:rPr>
+              <a:t>= </a:t>
+            </a:r>
+            <a:r>
+              <a:rPr lang="en-US" sz="1000" dirty="0">
+                <a:solidFill>
+                  <a:srgbClr val="66C3CC"/>
+                </a:solidFill>
+              </a:rPr>
+              <a:t>temp</a:t>
+            </a:r>
+            <a:r>
+              <a:rPr lang="en-US" sz="1000" dirty="0">
+                <a:solidFill>
+                  <a:srgbClr val="BDBDBD"/>
+                </a:solidFill>
+              </a:rPr>
+              <a:t>;</a:t>
             </a:r>
             <a:br>
               <a:rPr lang="en-US" sz="1000" dirty="0">
@@ -34280,7 +35656,47 @@
                   <a:srgbClr val="BDBDBD"/>
                 </a:solidFill>
               </a:rPr>
-              <a:t>        </a:t>
+              <a:t>    </a:t>
+            </a:r>
+            <a:r>
+              <a:rPr lang="en-US" sz="1000" dirty="0" err="1">
+                <a:solidFill>
+                  <a:srgbClr val="66C3CC"/>
+                </a:solidFill>
+              </a:rPr>
+              <a:t>newn</a:t>
+            </a:r>
+            <a:r>
+              <a:rPr lang="en-US" sz="1000" dirty="0" err="1">
+                <a:solidFill>
+                  <a:srgbClr val="BDBDBD"/>
+                </a:solidFill>
+              </a:rPr>
+              <a:t>.</a:t>
+            </a:r>
+            <a:r>
+              <a:rPr lang="en-US" sz="1000" dirty="0" err="1">
+                <a:solidFill>
+                  <a:srgbClr val="66C3CC"/>
+                </a:solidFill>
+              </a:rPr>
+              <a:t>lptr</a:t>
+            </a:r>
+            <a:r>
+              <a:rPr lang="en-US" sz="1000" dirty="0" err="1">
+                <a:solidFill>
+                  <a:srgbClr val="BDBDBD"/>
+                </a:solidFill>
+              </a:rPr>
+              <a:t>.</a:t>
+            </a:r>
+            <a:r>
+              <a:rPr lang="en-US" sz="1000" dirty="0" err="1">
+                <a:solidFill>
+                  <a:srgbClr val="66C3CC"/>
+                </a:solidFill>
+              </a:rPr>
+              <a:t>rptr</a:t>
             </a:r>
             <a:r>
               <a:rPr lang="en-US" sz="1000" dirty="0">
@@ -34288,39 +35704,23 @@
                   <a:srgbClr val="66C3CC"/>
                 </a:solidFill>
               </a:rPr>
+              <a:t> </a:t>
+            </a:r>
+            <a:r>
+              <a:rPr lang="en-US" sz="1000" dirty="0">
+                <a:solidFill>
+                  <a:srgbClr val="BDBDBD"/>
+                </a:solidFill>
+              </a:rPr>
+              <a:t>= </a:t>
+            </a:r>
+            <a:r>
+              <a:rPr lang="en-US" sz="1000" dirty="0">
+                <a:solidFill>
+                  <a:srgbClr val="66C3CC"/>
+                </a:solidFill>
+              </a:rPr>
               <a:t>newn</a:t>
-            </a:r>
-            <a:r>
-              <a:rPr lang="en-US" sz="1000" dirty="0">
-                <a:solidFill>
-                  <a:srgbClr val="BDBDBD"/>
-                </a:solidFill>
-              </a:rPr>
-              <a:t>.</a:t>
-            </a:r>
-            <a:r>
-              <a:rPr lang="en-US" sz="1000" dirty="0">
-                <a:solidFill>
-                  <a:srgbClr val="66C3CC"/>
-                </a:solidFill>
-              </a:rPr>
-              <a:t>ptr </a:t>
-            </a:r>
-            <a:r>
-              <a:rPr lang="en-US" sz="1000" dirty="0">
-                <a:solidFill>
-                  <a:srgbClr val="BDBDBD"/>
-                </a:solidFill>
-              </a:rPr>
-              <a:t>= </a:t>
-            </a:r>
-            <a:r>
-              <a:rPr lang="en-US" sz="1000" dirty="0">
-                <a:solidFill>
-                  <a:srgbClr val="66C3CC"/>
-                </a:solidFill>
-              </a:rPr>
-              <a:t>head</a:t>
             </a:r>
             <a:r>
               <a:rPr lang="en-US" sz="1000" dirty="0">
@@ -34343,7 +35743,47 @@
                   <a:srgbClr val="BDBDBD"/>
                 </a:solidFill>
               </a:rPr>
-              <a:t>        </a:t>
+              <a:t>    </a:t>
+            </a:r>
+            <a:r>
+              <a:rPr lang="en-US" sz="1000" dirty="0" err="1">
+                <a:solidFill>
+                  <a:srgbClr val="66C3CC"/>
+                </a:solidFill>
+              </a:rPr>
+              <a:t>newn</a:t>
+            </a:r>
+            <a:r>
+              <a:rPr lang="en-US" sz="1000" dirty="0" err="1">
+                <a:solidFill>
+                  <a:srgbClr val="BDBDBD"/>
+                </a:solidFill>
+              </a:rPr>
+              <a:t>.</a:t>
+            </a:r>
+            <a:r>
+              <a:rPr lang="en-US" sz="1000" dirty="0" err="1">
+                <a:solidFill>
+                  <a:srgbClr val="66C3CC"/>
+                </a:solidFill>
+              </a:rPr>
+              <a:t>rptr</a:t>
+            </a:r>
+            <a:r>
+              <a:rPr lang="en-US" sz="1000" dirty="0" err="1">
+                <a:solidFill>
+                  <a:srgbClr val="BDBDBD"/>
+                </a:solidFill>
+              </a:rPr>
+              <a:t>.</a:t>
+            </a:r>
+            <a:r>
+              <a:rPr lang="en-US" sz="1000" dirty="0" err="1">
+                <a:solidFill>
+                  <a:srgbClr val="66C3CC"/>
+                </a:solidFill>
+              </a:rPr>
+              <a:t>lptr</a:t>
             </a:r>
             <a:r>
               <a:rPr lang="en-US" sz="1000" dirty="0">
@@ -34351,7 +35791,7 @@
                   <a:srgbClr val="66C3CC"/>
                 </a:solidFill>
               </a:rPr>
-              <a:t>head </a:t>
+              <a:t> </a:t>
             </a:r>
             <a:r>
               <a:rPr lang="en-US" sz="1000" dirty="0">
@@ -34376,428 +35816,6 @@
                 </a:solidFill>
               </a:rPr>
               <a:t>;</a:t>
-            </a:r>
-            <a:br>
-              <a:rPr lang="en-US" sz="1000" dirty="0">
-                <a:solidFill>
-                  <a:srgbClr val="BDBDBD"/>
-                </a:solidFill>
-              </a:rPr>
-            </a:br>
-            <a:r>
-              <a:rPr lang="en-US" sz="1000" dirty="0">
-                <a:solidFill>
-                  <a:srgbClr val="BDBDBD"/>
-                </a:solidFill>
-              </a:rPr>
-              <a:t>    }</a:t>
-            </a:r>
-            <a:br>
-              <a:rPr lang="en-US" sz="1000" dirty="0">
-                <a:solidFill>
-                  <a:srgbClr val="BDBDBD"/>
-                </a:solidFill>
-              </a:rPr>
-            </a:br>
-            <a:r>
-              <a:rPr lang="en-US" sz="1000" dirty="0">
-                <a:solidFill>
-                  <a:srgbClr val="BDBDBD"/>
-                </a:solidFill>
-              </a:rPr>
-              <a:t>    </a:t>
-            </a:r>
-            <a:r>
-              <a:rPr lang="en-US" sz="1000" dirty="0">
-                <a:solidFill>
-                  <a:srgbClr val="6C95EB"/>
-                </a:solidFill>
-              </a:rPr>
-              <a:t>else</a:t>
-            </a:r>
-            <a:br>
-              <a:rPr lang="en-US" sz="1000" dirty="0">
-                <a:solidFill>
-                  <a:srgbClr val="6C95EB"/>
-                </a:solidFill>
-              </a:rPr>
-            </a:br>
-            <a:r>
-              <a:rPr lang="en-US" sz="1000" dirty="0">
-                <a:solidFill>
-                  <a:srgbClr val="6C95EB"/>
-                </a:solidFill>
-              </a:rPr>
-              <a:t>    </a:t>
-            </a:r>
-            <a:r>
-              <a:rPr lang="en-US" sz="1000" dirty="0">
-                <a:solidFill>
-                  <a:srgbClr val="BDBDBD"/>
-                </a:solidFill>
-              </a:rPr>
-              <a:t>{</a:t>
-            </a:r>
-            <a:br>
-              <a:rPr lang="en-US" sz="1000" dirty="0">
-                <a:solidFill>
-                  <a:srgbClr val="BDBDBD"/>
-                </a:solidFill>
-              </a:rPr>
-            </a:br>
-            <a:r>
-              <a:rPr lang="en-US" sz="1000" dirty="0">
-                <a:solidFill>
-                  <a:srgbClr val="BDBDBD"/>
-                </a:solidFill>
-              </a:rPr>
-              <a:t>        </a:t>
-            </a:r>
-            <a:r>
-              <a:rPr lang="en-US" sz="1000" dirty="0">
-                <a:solidFill>
-                  <a:srgbClr val="66C3CC"/>
-                </a:solidFill>
-              </a:rPr>
-              <a:t>temp </a:t>
-            </a:r>
-            <a:r>
-              <a:rPr lang="en-US" sz="1000" dirty="0">
-                <a:solidFill>
-                  <a:srgbClr val="BDBDBD"/>
-                </a:solidFill>
-              </a:rPr>
-              <a:t>= </a:t>
-            </a:r>
-            <a:r>
-              <a:rPr lang="en-US" sz="1000" dirty="0">
-                <a:solidFill>
-                  <a:srgbClr val="66C3CC"/>
-                </a:solidFill>
-              </a:rPr>
-              <a:t>head</a:t>
-            </a:r>
-            <a:r>
-              <a:rPr lang="en-US" sz="1000" dirty="0">
-                <a:solidFill>
-                  <a:srgbClr val="BDBDBD"/>
-                </a:solidFill>
-              </a:rPr>
-              <a:t>;</a:t>
-            </a:r>
-            <a:br>
-              <a:rPr lang="en-US" sz="1000" dirty="0">
-                <a:solidFill>
-                  <a:srgbClr val="BDBDBD"/>
-                </a:solidFill>
-              </a:rPr>
-            </a:br>
-            <a:r>
-              <a:rPr lang="en-US" sz="1000" dirty="0">
-                <a:solidFill>
-                  <a:srgbClr val="BDBDBD"/>
-                </a:solidFill>
-              </a:rPr>
-              <a:t>        </a:t>
-            </a:r>
-            <a:r>
-              <a:rPr lang="en-US" sz="1000" dirty="0">
-                <a:solidFill>
-                  <a:srgbClr val="6C95EB"/>
-                </a:solidFill>
-              </a:rPr>
-              <a:t>for </a:t>
-            </a:r>
-            <a:r>
-              <a:rPr lang="en-US" sz="1000" dirty="0">
-                <a:solidFill>
-                  <a:srgbClr val="BDBDBD"/>
-                </a:solidFill>
-              </a:rPr>
-              <a:t>(i = </a:t>
-            </a:r>
-            <a:r>
-              <a:rPr lang="en-US" sz="1000" dirty="0">
-                <a:solidFill>
-                  <a:srgbClr val="ED94C0"/>
-                </a:solidFill>
-              </a:rPr>
-              <a:t>0</a:t>
-            </a:r>
-            <a:r>
-              <a:rPr lang="en-US" sz="1000" dirty="0">
-                <a:solidFill>
-                  <a:srgbClr val="BDBDBD"/>
-                </a:solidFill>
-              </a:rPr>
-              <a:t>; i &lt; index - </a:t>
-            </a:r>
-            <a:r>
-              <a:rPr lang="en-US" sz="1000" dirty="0">
-                <a:solidFill>
-                  <a:srgbClr val="ED94C0"/>
-                </a:solidFill>
-              </a:rPr>
-              <a:t>1</a:t>
-            </a:r>
-            <a:r>
-              <a:rPr lang="en-US" sz="1000" dirty="0">
-                <a:solidFill>
-                  <a:srgbClr val="BDBDBD"/>
-                </a:solidFill>
-              </a:rPr>
-              <a:t>; i++)</a:t>
-            </a:r>
-            <a:br>
-              <a:rPr lang="en-US" sz="1000" dirty="0">
-                <a:solidFill>
-                  <a:srgbClr val="BDBDBD"/>
-                </a:solidFill>
-              </a:rPr>
-            </a:br>
-            <a:r>
-              <a:rPr lang="en-US" sz="1000" dirty="0">
-                <a:solidFill>
-                  <a:srgbClr val="BDBDBD"/>
-                </a:solidFill>
-              </a:rPr>
-              <a:t>            </a:t>
-            </a:r>
-            <a:r>
-              <a:rPr lang="en-US" sz="1000" dirty="0">
-                <a:solidFill>
-                  <a:srgbClr val="66C3CC"/>
-                </a:solidFill>
-              </a:rPr>
-              <a:t>temp </a:t>
-            </a:r>
-            <a:r>
-              <a:rPr lang="en-US" sz="1000" dirty="0">
-                <a:solidFill>
-                  <a:srgbClr val="BDBDBD"/>
-                </a:solidFill>
-              </a:rPr>
-              <a:t>= </a:t>
-            </a:r>
-            <a:r>
-              <a:rPr lang="en-US" sz="1000" dirty="0">
-                <a:solidFill>
-                  <a:srgbClr val="66C3CC"/>
-                </a:solidFill>
-              </a:rPr>
-              <a:t>temp</a:t>
-            </a:r>
-            <a:r>
-              <a:rPr lang="en-US" sz="1000" dirty="0">
-                <a:solidFill>
-                  <a:srgbClr val="BDBDBD"/>
-                </a:solidFill>
-              </a:rPr>
-              <a:t>.</a:t>
-            </a:r>
-            <a:r>
-              <a:rPr lang="en-US" sz="1000" dirty="0">
-                <a:solidFill>
-                  <a:srgbClr val="66C3CC"/>
-                </a:solidFill>
-              </a:rPr>
-              <a:t>ptr</a:t>
-            </a:r>
-            <a:r>
-              <a:rPr lang="en-US" sz="1000" dirty="0">
-                <a:solidFill>
-                  <a:srgbClr val="BDBDBD"/>
-                </a:solidFill>
-              </a:rPr>
-              <a:t>;</a:t>
-            </a:r>
-            <a:br>
-              <a:rPr lang="en-US" sz="1000" dirty="0">
-                <a:solidFill>
-                  <a:srgbClr val="BDBDBD"/>
-                </a:solidFill>
-              </a:rPr>
-            </a:br>
-            <a:r>
-              <a:rPr lang="en-US" sz="1000" dirty="0">
-                <a:solidFill>
-                  <a:srgbClr val="BDBDBD"/>
-                </a:solidFill>
-              </a:rPr>
-              <a:t>        </a:t>
-            </a:r>
-            <a:r>
-              <a:rPr lang="en-US" sz="1000" dirty="0">
-                <a:solidFill>
-                  <a:srgbClr val="66C3CC"/>
-                </a:solidFill>
-              </a:rPr>
-              <a:t>newn</a:t>
-            </a:r>
-            <a:r>
-              <a:rPr lang="en-US" sz="1000" dirty="0">
-                <a:solidFill>
-                  <a:srgbClr val="BDBDBD"/>
-                </a:solidFill>
-              </a:rPr>
-              <a:t>.</a:t>
-            </a:r>
-            <a:r>
-              <a:rPr lang="en-US" sz="1000" dirty="0">
-                <a:solidFill>
-                  <a:srgbClr val="66C3CC"/>
-                </a:solidFill>
-              </a:rPr>
-              <a:t>ptr </a:t>
-            </a:r>
-            <a:r>
-              <a:rPr lang="en-US" sz="1000" dirty="0">
-                <a:solidFill>
-                  <a:srgbClr val="BDBDBD"/>
-                </a:solidFill>
-              </a:rPr>
-              <a:t>= </a:t>
-            </a:r>
-            <a:r>
-              <a:rPr lang="en-US" sz="1000" dirty="0">
-                <a:solidFill>
-                  <a:srgbClr val="66C3CC"/>
-                </a:solidFill>
-              </a:rPr>
-              <a:t>temp</a:t>
-            </a:r>
-            <a:r>
-              <a:rPr lang="en-US" sz="1000" dirty="0">
-                <a:solidFill>
-                  <a:srgbClr val="BDBDBD"/>
-                </a:solidFill>
-              </a:rPr>
-              <a:t>.</a:t>
-            </a:r>
-            <a:r>
-              <a:rPr lang="en-US" sz="1000" dirty="0">
-                <a:solidFill>
-                  <a:srgbClr val="66C3CC"/>
-                </a:solidFill>
-              </a:rPr>
-              <a:t>ptr</a:t>
-            </a:r>
-            <a:r>
-              <a:rPr lang="en-US" sz="1000" dirty="0">
-                <a:solidFill>
-                  <a:srgbClr val="BDBDBD"/>
-                </a:solidFill>
-              </a:rPr>
-              <a:t>;</a:t>
-            </a:r>
-            <a:br>
-              <a:rPr lang="en-US" sz="1000" dirty="0">
-                <a:solidFill>
-                  <a:srgbClr val="BDBDBD"/>
-                </a:solidFill>
-              </a:rPr>
-            </a:br>
-            <a:r>
-              <a:rPr lang="en-US" sz="1000" dirty="0">
-                <a:solidFill>
-                  <a:srgbClr val="BDBDBD"/>
-                </a:solidFill>
-              </a:rPr>
-              <a:t>        </a:t>
-            </a:r>
-            <a:r>
-              <a:rPr lang="en-US" sz="1000" dirty="0">
-                <a:solidFill>
-                  <a:srgbClr val="66C3CC"/>
-                </a:solidFill>
-              </a:rPr>
-              <a:t>temp</a:t>
-            </a:r>
-            <a:r>
-              <a:rPr lang="en-US" sz="1000" dirty="0">
-                <a:solidFill>
-                  <a:srgbClr val="BDBDBD"/>
-                </a:solidFill>
-              </a:rPr>
-              <a:t>.</a:t>
-            </a:r>
-            <a:r>
-              <a:rPr lang="en-US" sz="1000" dirty="0">
-                <a:solidFill>
-                  <a:srgbClr val="66C3CC"/>
-                </a:solidFill>
-              </a:rPr>
-              <a:t>ptr </a:t>
-            </a:r>
-            <a:r>
-              <a:rPr lang="en-US" sz="1000" dirty="0">
-                <a:solidFill>
-                  <a:srgbClr val="BDBDBD"/>
-                </a:solidFill>
-              </a:rPr>
-              <a:t>= </a:t>
-            </a:r>
-            <a:r>
-              <a:rPr lang="en-US" sz="1000" dirty="0">
-                <a:solidFill>
-                  <a:srgbClr val="66C3CC"/>
-                </a:solidFill>
-              </a:rPr>
-              <a:t>newn</a:t>
-            </a:r>
-            <a:r>
-              <a:rPr lang="en-US" sz="1000" dirty="0">
-                <a:solidFill>
-                  <a:srgbClr val="BDBDBD"/>
-                </a:solidFill>
-              </a:rPr>
-              <a:t>;</a:t>
-            </a:r>
-            <a:br>
-              <a:rPr lang="en-US" sz="1000" dirty="0">
-                <a:solidFill>
-                  <a:srgbClr val="BDBDBD"/>
-                </a:solidFill>
-              </a:rPr>
-            </a:br>
-            <a:r>
-              <a:rPr lang="en-US" sz="1000" dirty="0">
-                <a:solidFill>
-                  <a:srgbClr val="BDBDBD"/>
-                </a:solidFill>
-              </a:rPr>
-              <a:t>    }</a:t>
-            </a:r>
-            <a:br>
-              <a:rPr lang="en-US" sz="1000" dirty="0">
-                <a:solidFill>
-                  <a:srgbClr val="BDBDBD"/>
-                </a:solidFill>
-              </a:rPr>
-            </a:br>
-            <a:r>
-              <a:rPr lang="en-US" sz="1000" dirty="0">
-                <a:solidFill>
-                  <a:srgbClr val="BDBDBD"/>
-                </a:solidFill>
-              </a:rPr>
-              <a:t>    </a:t>
-            </a:r>
-            <a:r>
-              <a:rPr lang="en-US" sz="1000" dirty="0">
-                <a:solidFill>
-                  <a:srgbClr val="66C3CC"/>
-                </a:solidFill>
-              </a:rPr>
-              <a:t>length</a:t>
-            </a:r>
-            <a:r>
-              <a:rPr lang="en-US" sz="1000" dirty="0">
-                <a:solidFill>
-                  <a:srgbClr val="BDBDBD"/>
-                </a:solidFill>
-              </a:rPr>
-              <a:t>++;</a:t>
             </a:r>
             <a:br>
               <a:rPr lang="en-US" sz="1000" dirty="0">
@@ -39174,7 +40192,7 @@
         </p:nvSpPr>
         <p:spPr>
           <a:xfrm>
-            <a:off x="3438273" y="151820"/>
+            <a:off x="2303156" y="7521"/>
             <a:ext cx="5315443" cy="1015663"/>
           </a:xfrm>
           <a:prstGeom prst="rect">
@@ -39370,8 +40388,8 @@
         </p:nvSpPr>
         <p:spPr>
           <a:xfrm>
-            <a:off x="7479793" y="285889"/>
-            <a:ext cx="4239587" cy="4852733"/>
+            <a:off x="3857790" y="1221867"/>
+            <a:ext cx="3419807" cy="4096015"/>
           </a:xfrm>
           <a:prstGeom prst="rect">
             <a:avLst/>
@@ -39413,7 +40431,7 @@
           <a:lstStyle/>
           <a:p>
             <a:r>
-              <a:rPr lang="en-US" sz="1400" dirty="0">
+              <a:rPr lang="en-US" sz="1200" dirty="0">
                 <a:solidFill>
                   <a:srgbClr val="6C95EB"/>
                 </a:solidFill>
@@ -39421,7 +40439,7 @@
               <a:t>public int </a:t>
             </a:r>
             <a:r>
-              <a:rPr lang="en-US" sz="1400" dirty="0">
+              <a:rPr lang="en-US" sz="1200" dirty="0">
                 <a:solidFill>
                   <a:srgbClr val="39CC8F"/>
                 </a:solidFill>
@@ -39429,7 +40447,7 @@
               <a:t>Deletion</a:t>
             </a:r>
             <a:r>
-              <a:rPr lang="en-US" sz="1400" dirty="0">
+              <a:rPr lang="en-US" sz="1200" dirty="0">
                 <a:solidFill>
                   <a:srgbClr val="BDBDBD"/>
                 </a:solidFill>
@@ -39437,7 +40455,7 @@
               <a:t>(</a:t>
             </a:r>
             <a:r>
-              <a:rPr lang="en-US" sz="1400" dirty="0">
+              <a:rPr lang="en-US" sz="1200" dirty="0">
                 <a:solidFill>
                   <a:srgbClr val="6C95EB"/>
                 </a:solidFill>
@@ -39445,7 +40463,7 @@
               <a:t>int </a:t>
             </a:r>
             <a:r>
-              <a:rPr lang="en-US" sz="1400" dirty="0">
+              <a:rPr lang="en-US" sz="1200" dirty="0">
                 <a:solidFill>
                   <a:srgbClr val="BDBDBD"/>
                 </a:solidFill>
@@ -39453,14 +40471,14 @@
               <a:t>index)</a:t>
             </a:r>
             <a:br>
-              <a:rPr lang="en-US" sz="1400" dirty="0">
+              <a:rPr lang="en-US" sz="1200" dirty="0">
                 <a:solidFill>
                   <a:srgbClr val="BDBDBD"/>
                 </a:solidFill>
               </a:rPr>
             </a:br>
             <a:r>
-              <a:rPr lang="en-US" sz="1400" dirty="0">
+              <a:rPr lang="en-US" sz="1200" dirty="0">
                 <a:solidFill>
                   <a:srgbClr val="BDBDBD"/>
                 </a:solidFill>
@@ -39468,14 +40486,14 @@
               <a:t>{</a:t>
             </a:r>
             <a:br>
-              <a:rPr lang="en-US" sz="1400" dirty="0">
+              <a:rPr lang="en-US" sz="1200" dirty="0">
                 <a:solidFill>
                   <a:srgbClr val="BDBDBD"/>
                 </a:solidFill>
               </a:rPr>
             </a:br>
             <a:r>
-              <a:rPr lang="en-US" sz="1400" dirty="0">
+              <a:rPr lang="en-US" sz="1200" dirty="0">
                 <a:solidFill>
                   <a:srgbClr val="BDBDBD"/>
                 </a:solidFill>
@@ -39483,7 +40501,7 @@
               <a:t>    </a:t>
             </a:r>
             <a:r>
-              <a:rPr lang="en-US" sz="1400" dirty="0">
+              <a:rPr lang="en-US" sz="1200" dirty="0">
                 <a:solidFill>
                   <a:srgbClr val="6C95EB"/>
                 </a:solidFill>
@@ -39491,22 +40509,37 @@
               <a:t>int </a:t>
             </a:r>
             <a:r>
-              <a:rPr lang="en-US" sz="1400" dirty="0">
-                <a:solidFill>
-                  <a:srgbClr val="BDBDBD"/>
-                </a:solidFill>
-              </a:rPr>
-              <a:t>i, ele;</a:t>
+              <a:rPr lang="en-US" sz="1200" dirty="0" err="1">
+                <a:solidFill>
+                  <a:srgbClr val="BDBDBD"/>
+                </a:solidFill>
+              </a:rPr>
+              <a:t>i</a:t>
+            </a:r>
+            <a:r>
+              <a:rPr lang="en-US" sz="1200" dirty="0">
+                <a:solidFill>
+                  <a:srgbClr val="BDBDBD"/>
+                </a:solidFill>
+              </a:rPr>
+              <a:t>, ele;</a:t>
             </a:r>
             <a:br>
-              <a:rPr lang="en-US" sz="1400" dirty="0">
+              <a:rPr lang="en-US" sz="1200" dirty="0">
                 <a:solidFill>
                   <a:srgbClr val="BDBDBD"/>
                 </a:solidFill>
               </a:rPr>
             </a:br>
-            <a:r>
-              <a:rPr lang="en-US" sz="1400" dirty="0">
+            <a:br>
+              <a:rPr lang="en-US" sz="1200" dirty="0">
+                <a:solidFill>
+                  <a:srgbClr val="BDBDBD"/>
+                </a:solidFill>
+              </a:rPr>
+            </a:br>
+            <a:r>
+              <a:rPr lang="en-US" sz="1200" dirty="0">
                 <a:solidFill>
                   <a:srgbClr val="BDBDBD"/>
                 </a:solidFill>
@@ -39514,7 +40547,7 @@
               <a:t>    </a:t>
             </a:r>
             <a:r>
-              <a:rPr lang="en-US" sz="1400" dirty="0">
+              <a:rPr lang="en-US" sz="1200" dirty="0">
                 <a:solidFill>
                   <a:srgbClr val="6C95EB"/>
                 </a:solidFill>
@@ -39522,7 +40555,7 @@
               <a:t>if </a:t>
             </a:r>
             <a:r>
-              <a:rPr lang="en-US" sz="1400" dirty="0">
+              <a:rPr lang="en-US" sz="1200" dirty="0">
                 <a:solidFill>
                   <a:srgbClr val="BDBDBD"/>
                 </a:solidFill>
@@ -39530,7 +40563,7 @@
               <a:t>(</a:t>
             </a:r>
             <a:r>
-              <a:rPr lang="en-US" sz="1400" dirty="0">
+              <a:rPr lang="en-US" sz="1200" dirty="0">
                 <a:solidFill>
                   <a:srgbClr val="66C3CC"/>
                 </a:solidFill>
@@ -39538,7 +40571,7 @@
               <a:t>head </a:t>
             </a:r>
             <a:r>
-              <a:rPr lang="en-US" sz="1400" dirty="0">
+              <a:rPr lang="en-US" sz="1200" dirty="0">
                 <a:solidFill>
                   <a:srgbClr val="BDBDBD"/>
                 </a:solidFill>
@@ -39546,7 +40579,7 @@
               <a:t>== </a:t>
             </a:r>
             <a:r>
-              <a:rPr lang="en-US" sz="1400" dirty="0">
+              <a:rPr lang="en-US" sz="1200" dirty="0">
                 <a:solidFill>
                   <a:srgbClr val="6C95EB"/>
                 </a:solidFill>
@@ -39554,7 +40587,7 @@
               <a:t>null</a:t>
             </a:r>
             <a:r>
-              <a:rPr lang="en-US" sz="1400" dirty="0">
+              <a:rPr lang="en-US" sz="1200" dirty="0">
                 <a:solidFill>
                   <a:srgbClr val="BDBDBD"/>
                 </a:solidFill>
@@ -39562,14 +40595,14 @@
               <a:t>)</a:t>
             </a:r>
             <a:br>
-              <a:rPr lang="en-US" sz="1400" dirty="0">
+              <a:rPr lang="en-US" sz="1200" dirty="0">
                 <a:solidFill>
                   <a:srgbClr val="BDBDBD"/>
                 </a:solidFill>
               </a:rPr>
             </a:br>
             <a:r>
-              <a:rPr lang="en-US" sz="1400" dirty="0">
+              <a:rPr lang="en-US" sz="1200" dirty="0">
                 <a:solidFill>
                   <a:srgbClr val="BDBDBD"/>
                 </a:solidFill>
@@ -39577,7 +40610,7 @@
               <a:t>        </a:t>
             </a:r>
             <a:r>
-              <a:rPr lang="en-US" sz="1400" dirty="0">
+              <a:rPr lang="en-US" sz="1200" dirty="0">
                 <a:solidFill>
                   <a:srgbClr val="6C95EB"/>
                 </a:solidFill>
@@ -39585,7 +40618,7 @@
               <a:t>throw new </a:t>
             </a:r>
             <a:r>
-              <a:rPr lang="en-US" sz="1400" dirty="0">
+              <a:rPr lang="en-US" sz="1200" dirty="0">
                 <a:solidFill>
                   <a:srgbClr val="C191FF"/>
                 </a:solidFill>
@@ -39593,7 +40626,7 @@
               <a:t>Exception</a:t>
             </a:r>
             <a:r>
-              <a:rPr lang="en-US" sz="1400" dirty="0">
+              <a:rPr lang="en-US" sz="1200" dirty="0">
                 <a:solidFill>
                   <a:srgbClr val="BDBDBD"/>
                 </a:solidFill>
@@ -39601,7 +40634,7 @@
               <a:t>(</a:t>
             </a:r>
             <a:r>
-              <a:rPr lang="en-US" sz="1400" dirty="0">
+              <a:rPr lang="en-US" sz="1200" dirty="0">
                 <a:solidFill>
                   <a:srgbClr val="C9A26D"/>
                 </a:solidFill>
@@ -39609,7 +40642,7 @@
               <a:t>"list is empty"</a:t>
             </a:r>
             <a:r>
-              <a:rPr lang="en-US" sz="1400" dirty="0">
+              <a:rPr lang="en-US" sz="1200" dirty="0">
                 <a:solidFill>
                   <a:srgbClr val="BDBDBD"/>
                 </a:solidFill>
@@ -39617,14 +40650,21 @@
               <a:t>);</a:t>
             </a:r>
             <a:br>
-              <a:rPr lang="en-US" sz="1400" dirty="0">
+              <a:rPr lang="en-US" sz="1200" dirty="0">
                 <a:solidFill>
                   <a:srgbClr val="BDBDBD"/>
                 </a:solidFill>
               </a:rPr>
             </a:br>
-            <a:r>
-              <a:rPr lang="en-US" sz="1400" dirty="0">
+            <a:br>
+              <a:rPr lang="en-US" sz="1200" dirty="0">
+                <a:solidFill>
+                  <a:srgbClr val="BDBDBD"/>
+                </a:solidFill>
+              </a:rPr>
+            </a:br>
+            <a:r>
+              <a:rPr lang="en-US" sz="1200" dirty="0">
                 <a:solidFill>
                   <a:srgbClr val="BDBDBD"/>
                 </a:solidFill>
@@ -39632,7 +40672,7 @@
               <a:t>    </a:t>
             </a:r>
             <a:r>
-              <a:rPr lang="en-US" sz="1400" dirty="0">
+              <a:rPr lang="en-US" sz="1200" dirty="0">
                 <a:solidFill>
                   <a:srgbClr val="6C95EB"/>
                 </a:solidFill>
@@ -39640,7 +40680,7 @@
               <a:t>if </a:t>
             </a:r>
             <a:r>
-              <a:rPr lang="en-US" sz="1400" dirty="0">
+              <a:rPr lang="en-US" sz="1200" dirty="0">
                 <a:solidFill>
                   <a:srgbClr val="BDBDBD"/>
                 </a:solidFill>
@@ -39648,7 +40688,7 @@
               <a:t>(index &lt; </a:t>
             </a:r>
             <a:r>
-              <a:rPr lang="en-US" sz="1400" dirty="0">
+              <a:rPr lang="en-US" sz="1200" dirty="0">
                 <a:solidFill>
                   <a:srgbClr val="ED94C0"/>
                 </a:solidFill>
@@ -39656,7 +40696,7 @@
               <a:t>0 </a:t>
             </a:r>
             <a:r>
-              <a:rPr lang="en-US" sz="1400" dirty="0">
+              <a:rPr lang="en-US" sz="1200" dirty="0">
                 <a:solidFill>
                   <a:srgbClr val="BDBDBD"/>
                 </a:solidFill>
@@ -39664,7 +40704,7 @@
               <a:t>|| index &gt;= </a:t>
             </a:r>
             <a:r>
-              <a:rPr lang="en-US" sz="1400" dirty="0">
+              <a:rPr lang="en-US" sz="1200" dirty="0">
                 <a:solidFill>
                   <a:srgbClr val="66C3CC"/>
                 </a:solidFill>
@@ -39672,7 +40712,7 @@
               <a:t>length</a:t>
             </a:r>
             <a:r>
-              <a:rPr lang="en-US" sz="1400" dirty="0">
+              <a:rPr lang="en-US" sz="1200" dirty="0">
                 <a:solidFill>
                   <a:srgbClr val="BDBDBD"/>
                 </a:solidFill>
@@ -39680,14 +40720,14 @@
               <a:t>)</a:t>
             </a:r>
             <a:br>
-              <a:rPr lang="en-US" sz="1400" dirty="0">
+              <a:rPr lang="en-US" sz="1200" dirty="0">
                 <a:solidFill>
                   <a:srgbClr val="BDBDBD"/>
                 </a:solidFill>
               </a:rPr>
             </a:br>
             <a:r>
-              <a:rPr lang="en-US" sz="1400" dirty="0">
+              <a:rPr lang="en-US" sz="1200" dirty="0">
                 <a:solidFill>
                   <a:srgbClr val="BDBDBD"/>
                 </a:solidFill>
@@ -39695,7 +40735,7 @@
               <a:t>        </a:t>
             </a:r>
             <a:r>
-              <a:rPr lang="en-US" sz="1400" dirty="0">
+              <a:rPr lang="en-US" sz="1200" dirty="0">
                 <a:solidFill>
                   <a:srgbClr val="6C95EB"/>
                 </a:solidFill>
@@ -39703,7 +40743,7 @@
               <a:t>throw new </a:t>
             </a:r>
             <a:r>
-              <a:rPr lang="en-US" sz="1400" dirty="0">
+              <a:rPr lang="en-US" sz="1200" dirty="0">
                 <a:solidFill>
                   <a:srgbClr val="C191FF"/>
                 </a:solidFill>
@@ -39711,7 +40751,7 @@
               <a:t>Exception</a:t>
             </a:r>
             <a:r>
-              <a:rPr lang="en-US" sz="1400" dirty="0">
+              <a:rPr lang="en-US" sz="1200" dirty="0">
                 <a:solidFill>
                   <a:srgbClr val="BDBDBD"/>
                 </a:solidFill>
@@ -39719,7 +40759,7 @@
               <a:t>(</a:t>
             </a:r>
             <a:r>
-              <a:rPr lang="en-US" sz="1400" dirty="0">
+              <a:rPr lang="en-US" sz="1200" dirty="0">
                 <a:solidFill>
                   <a:srgbClr val="C9A26D"/>
                 </a:solidFill>
@@ -39727,7 +40767,7 @@
               <a:t>"deletion is not possible"</a:t>
             </a:r>
             <a:r>
-              <a:rPr lang="en-US" sz="1400" dirty="0">
+              <a:rPr lang="en-US" sz="1200" dirty="0">
                 <a:solidFill>
                   <a:srgbClr val="BDBDBD"/>
                 </a:solidFill>
@@ -39735,14 +40775,21 @@
               <a:t>);</a:t>
             </a:r>
             <a:br>
-              <a:rPr lang="en-US" sz="1400" dirty="0">
+              <a:rPr lang="en-US" sz="1200" dirty="0">
                 <a:solidFill>
                   <a:srgbClr val="BDBDBD"/>
                 </a:solidFill>
               </a:rPr>
             </a:br>
-            <a:r>
-              <a:rPr lang="en-US" sz="1400" dirty="0">
+            <a:br>
+              <a:rPr lang="en-US" sz="1200" dirty="0">
+                <a:solidFill>
+                  <a:srgbClr val="BDBDBD"/>
+                </a:solidFill>
+              </a:rPr>
+            </a:br>
+            <a:r>
+              <a:rPr lang="en-US" sz="1200" dirty="0">
                 <a:solidFill>
                   <a:srgbClr val="BDBDBD"/>
                 </a:solidFill>
@@ -39750,7 +40797,7 @@
               <a:t>    </a:t>
             </a:r>
             <a:r>
-              <a:rPr lang="en-US" sz="1400" dirty="0">
+              <a:rPr lang="en-US" sz="1200" dirty="0">
                 <a:solidFill>
                   <a:srgbClr val="6C95EB"/>
                 </a:solidFill>
@@ -39758,7 +40805,210 @@
               <a:t>if </a:t>
             </a:r>
             <a:r>
-              <a:rPr lang="en-US" sz="1400" dirty="0">
+              <a:rPr lang="en-US" sz="1200" dirty="0">
+                <a:solidFill>
+                  <a:srgbClr val="BDBDBD"/>
+                </a:solidFill>
+              </a:rPr>
+              <a:t>(</a:t>
+            </a:r>
+            <a:r>
+              <a:rPr lang="en-US" sz="1200" dirty="0">
+                <a:solidFill>
+                  <a:srgbClr val="66C3CC"/>
+                </a:solidFill>
+              </a:rPr>
+              <a:t>head </a:t>
+            </a:r>
+            <a:r>
+              <a:rPr lang="en-US" sz="1200" dirty="0">
+                <a:solidFill>
+                  <a:srgbClr val="BDBDBD"/>
+                </a:solidFill>
+              </a:rPr>
+              <a:t>== </a:t>
+            </a:r>
+            <a:r>
+              <a:rPr lang="en-US" sz="1200" dirty="0">
+                <a:solidFill>
+                  <a:srgbClr val="66C3CC"/>
+                </a:solidFill>
+              </a:rPr>
+              <a:t>tail</a:t>
+            </a:r>
+            <a:r>
+              <a:rPr lang="en-US" sz="1200" dirty="0">
+                <a:solidFill>
+                  <a:srgbClr val="BDBDBD"/>
+                </a:solidFill>
+              </a:rPr>
+              <a:t>)</a:t>
+            </a:r>
+            <a:br>
+              <a:rPr lang="en-US" sz="1200" dirty="0">
+                <a:solidFill>
+                  <a:srgbClr val="BDBDBD"/>
+                </a:solidFill>
+              </a:rPr>
+            </a:br>
+            <a:r>
+              <a:rPr lang="en-US" sz="1200" dirty="0">
+                <a:solidFill>
+                  <a:srgbClr val="BDBDBD"/>
+                </a:solidFill>
+              </a:rPr>
+              <a:t>    {</a:t>
+            </a:r>
+            <a:br>
+              <a:rPr lang="en-US" sz="1200" dirty="0">
+                <a:solidFill>
+                  <a:srgbClr val="BDBDBD"/>
+                </a:solidFill>
+              </a:rPr>
+            </a:br>
+            <a:r>
+              <a:rPr lang="en-US" sz="1200" dirty="0">
+                <a:solidFill>
+                  <a:srgbClr val="BDBDBD"/>
+                </a:solidFill>
+              </a:rPr>
+              <a:t>        ele = </a:t>
+            </a:r>
+            <a:r>
+              <a:rPr lang="en-US" sz="1200" dirty="0" err="1">
+                <a:solidFill>
+                  <a:srgbClr val="66C3CC"/>
+                </a:solidFill>
+              </a:rPr>
+              <a:t>head</a:t>
+            </a:r>
+            <a:r>
+              <a:rPr lang="en-US" sz="1200" dirty="0" err="1">
+                <a:solidFill>
+                  <a:srgbClr val="BDBDBD"/>
+                </a:solidFill>
+              </a:rPr>
+              <a:t>.</a:t>
+            </a:r>
+            <a:r>
+              <a:rPr lang="en-US" sz="1200" dirty="0" err="1">
+                <a:solidFill>
+                  <a:srgbClr val="66C3CC"/>
+                </a:solidFill>
+              </a:rPr>
+              <a:t>info</a:t>
+            </a:r>
+            <a:r>
+              <a:rPr lang="en-US" sz="1200" dirty="0">
+                <a:solidFill>
+                  <a:srgbClr val="BDBDBD"/>
+                </a:solidFill>
+              </a:rPr>
+              <a:t>;</a:t>
+            </a:r>
+            <a:br>
+              <a:rPr lang="en-US" sz="1200" dirty="0">
+                <a:solidFill>
+                  <a:srgbClr val="BDBDBD"/>
+                </a:solidFill>
+              </a:rPr>
+            </a:br>
+            <a:r>
+              <a:rPr lang="en-US" sz="1200" dirty="0">
+                <a:solidFill>
+                  <a:srgbClr val="BDBDBD"/>
+                </a:solidFill>
+              </a:rPr>
+              <a:t>        </a:t>
+            </a:r>
+            <a:r>
+              <a:rPr lang="en-US" sz="1200" dirty="0">
+                <a:solidFill>
+                  <a:srgbClr val="66C3CC"/>
+                </a:solidFill>
+              </a:rPr>
+              <a:t>head </a:t>
+            </a:r>
+            <a:r>
+              <a:rPr lang="en-US" sz="1200" dirty="0">
+                <a:solidFill>
+                  <a:srgbClr val="BDBDBD"/>
+                </a:solidFill>
+              </a:rPr>
+              <a:t>= </a:t>
+            </a:r>
+            <a:r>
+              <a:rPr lang="en-US" sz="1200" dirty="0">
+                <a:solidFill>
+                  <a:srgbClr val="66C3CC"/>
+                </a:solidFill>
+              </a:rPr>
+              <a:t>tail </a:t>
+            </a:r>
+            <a:r>
+              <a:rPr lang="en-US" sz="1200" dirty="0">
+                <a:solidFill>
+                  <a:srgbClr val="BDBDBD"/>
+                </a:solidFill>
+              </a:rPr>
+              <a:t>= </a:t>
+            </a:r>
+            <a:r>
+              <a:rPr lang="en-US" sz="1200" dirty="0">
+                <a:solidFill>
+                  <a:srgbClr val="6C95EB"/>
+                </a:solidFill>
+              </a:rPr>
+              <a:t>null</a:t>
+            </a:r>
+            <a:r>
+              <a:rPr lang="en-US" sz="1200" dirty="0">
+                <a:solidFill>
+                  <a:srgbClr val="BDBDBD"/>
+                </a:solidFill>
+              </a:rPr>
+              <a:t>;</a:t>
+            </a:r>
+            <a:br>
+              <a:rPr lang="en-US" sz="1200" dirty="0">
+                <a:solidFill>
+                  <a:srgbClr val="BDBDBD"/>
+                </a:solidFill>
+              </a:rPr>
+            </a:br>
+            <a:r>
+              <a:rPr lang="en-US" sz="1200" dirty="0">
+                <a:solidFill>
+                  <a:srgbClr val="BDBDBD"/>
+                </a:solidFill>
+              </a:rPr>
+              <a:t>    }</a:t>
+            </a:r>
+            <a:br>
+              <a:rPr lang="en-US" sz="1200" dirty="0">
+                <a:solidFill>
+                  <a:srgbClr val="BDBDBD"/>
+                </a:solidFill>
+              </a:rPr>
+            </a:br>
+            <a:r>
+              <a:rPr lang="en-US" sz="1200" dirty="0">
+                <a:solidFill>
+                  <a:srgbClr val="BDBDBD"/>
+                </a:solidFill>
+              </a:rPr>
+              <a:t>    </a:t>
+            </a:r>
+            <a:r>
+              <a:rPr lang="en-US" sz="1200" dirty="0">
+                <a:solidFill>
+                  <a:srgbClr val="6C95EB"/>
+                </a:solidFill>
+              </a:rPr>
+              <a:t>else if </a:t>
+            </a:r>
+            <a:r>
+              <a:rPr lang="en-US" sz="1200" dirty="0">
                 <a:solidFill>
                   <a:srgbClr val="BDBDBD"/>
                 </a:solidFill>
@@ -39766,7 +41016,7 @@
               <a:t>(index == </a:t>
             </a:r>
             <a:r>
-              <a:rPr lang="en-US" sz="1400" dirty="0">
+              <a:rPr lang="en-US" sz="1200" dirty="0">
                 <a:solidFill>
                   <a:srgbClr val="ED94C0"/>
                 </a:solidFill>
@@ -39774,7 +41024,7 @@
               <a:t>0</a:t>
             </a:r>
             <a:r>
-              <a:rPr lang="en-US" sz="1400" dirty="0">
+              <a:rPr lang="en-US" sz="1200" dirty="0">
                 <a:solidFill>
                   <a:srgbClr val="BDBDBD"/>
                 </a:solidFill>
@@ -39782,14 +41032,14 @@
               <a:t>)</a:t>
             </a:r>
             <a:br>
-              <a:rPr lang="en-US" sz="1400" dirty="0">
+              <a:rPr lang="en-US" sz="1200" dirty="0">
                 <a:solidFill>
                   <a:srgbClr val="BDBDBD"/>
                 </a:solidFill>
               </a:rPr>
             </a:br>
             <a:r>
-              <a:rPr lang="en-US" sz="1400" dirty="0">
+              <a:rPr lang="en-US" sz="1200" dirty="0">
                 <a:solidFill>
                   <a:srgbClr val="BDBDBD"/>
                 </a:solidFill>
@@ -39797,14 +41047,14 @@
               <a:t>    {</a:t>
             </a:r>
             <a:br>
-              <a:rPr lang="en-US" sz="1400" dirty="0">
+              <a:rPr lang="en-US" sz="1200" dirty="0">
                 <a:solidFill>
                   <a:srgbClr val="BDBDBD"/>
                 </a:solidFill>
               </a:rPr>
             </a:br>
             <a:r>
-              <a:rPr lang="en-US" sz="1400" dirty="0">
+              <a:rPr lang="en-US" sz="1200" dirty="0">
                 <a:solidFill>
                   <a:srgbClr val="BDBDBD"/>
                 </a:solidFill>
@@ -39812,7 +41062,7 @@
               <a:t>        ele = </a:t>
             </a:r>
             <a:r>
-              <a:rPr lang="en-US" sz="1400" dirty="0">
+              <a:rPr lang="en-US" sz="1200" dirty="0" err="1">
                 <a:solidFill>
                   <a:srgbClr val="66C3CC"/>
                 </a:solidFill>
@@ -39820,7 +41070,7 @@
               <a:t>head</a:t>
             </a:r>
             <a:r>
-              <a:rPr lang="en-US" sz="1400" dirty="0">
+              <a:rPr lang="en-US" sz="1200" dirty="0" err="1">
                 <a:solidFill>
                   <a:srgbClr val="BDBDBD"/>
                 </a:solidFill>
@@ -39828,7 +41078,7 @@
               <a:t>.</a:t>
             </a:r>
             <a:r>
-              <a:rPr lang="en-US" sz="1400" dirty="0">
+              <a:rPr lang="en-US" sz="1200" dirty="0" err="1">
                 <a:solidFill>
                   <a:srgbClr val="66C3CC"/>
                 </a:solidFill>
@@ -39836,7 +41086,7 @@
               <a:t>info</a:t>
             </a:r>
             <a:r>
-              <a:rPr lang="en-US" sz="1400" dirty="0">
+              <a:rPr lang="en-US" sz="1200" dirty="0">
                 <a:solidFill>
                   <a:srgbClr val="BDBDBD"/>
                 </a:solidFill>
@@ -39844,14 +41094,14 @@
               <a:t>;</a:t>
             </a:r>
             <a:br>
-              <a:rPr lang="en-US" sz="1400" dirty="0">
+              <a:rPr lang="en-US" sz="1200" dirty="0">
                 <a:solidFill>
                   <a:srgbClr val="BDBDBD"/>
                 </a:solidFill>
               </a:rPr>
             </a:br>
             <a:r>
-              <a:rPr lang="en-US" sz="1400" dirty="0">
+              <a:rPr lang="en-US" sz="1200" dirty="0">
                 <a:solidFill>
                   <a:srgbClr val="BDBDBD"/>
                 </a:solidFill>
@@ -39859,7 +41109,7 @@
               <a:t>        </a:t>
             </a:r>
             <a:r>
-              <a:rPr lang="en-US" sz="1400" dirty="0">
+              <a:rPr lang="en-US" sz="1200" dirty="0">
                 <a:solidFill>
                   <a:srgbClr val="66C3CC"/>
                 </a:solidFill>
@@ -39867,7 +41117,7 @@
               <a:t>head </a:t>
             </a:r>
             <a:r>
-              <a:rPr lang="en-US" sz="1400" dirty="0">
+              <a:rPr lang="en-US" sz="1200" dirty="0">
                 <a:solidFill>
                   <a:srgbClr val="BDBDBD"/>
                 </a:solidFill>
@@ -39875,7 +41125,7 @@
               <a:t>= </a:t>
             </a:r>
             <a:r>
-              <a:rPr lang="en-US" sz="1400" dirty="0">
+              <a:rPr lang="en-US" sz="1200" dirty="0" err="1">
                 <a:solidFill>
                   <a:srgbClr val="66C3CC"/>
                 </a:solidFill>
@@ -39883,7 +41133,7 @@
               <a:t>head</a:t>
             </a:r>
             <a:r>
-              <a:rPr lang="en-US" sz="1400" dirty="0">
+              <a:rPr lang="en-US" sz="1200" dirty="0" err="1">
                 <a:solidFill>
                   <a:srgbClr val="BDBDBD"/>
                 </a:solidFill>
@@ -39891,15 +41141,15 @@
               <a:t>.</a:t>
             </a:r>
             <a:r>
-              <a:rPr lang="en-US" sz="1400" dirty="0">
+              <a:rPr lang="en-US" sz="1200" dirty="0" err="1">
                 <a:solidFill>
                   <a:srgbClr val="66C3CC"/>
                 </a:solidFill>
               </a:rPr>
-              <a:t>ptr</a:t>
-            </a:r>
-            <a:r>
-              <a:rPr lang="en-US" sz="1400" dirty="0">
+              <a:t>rptr</a:t>
+            </a:r>
+            <a:r>
+              <a:rPr lang="en-US" sz="1200" dirty="0">
                 <a:solidFill>
                   <a:srgbClr val="BDBDBD"/>
                 </a:solidFill>
@@ -39907,490 +41157,84 @@
               <a:t>;</a:t>
             </a:r>
             <a:br>
-              <a:rPr lang="en-US" sz="1400" dirty="0">
+              <a:rPr lang="en-US" sz="1200" dirty="0">
                 <a:solidFill>
                   <a:srgbClr val="BDBDBD"/>
                 </a:solidFill>
               </a:rPr>
             </a:br>
             <a:r>
-              <a:rPr lang="en-US" sz="1400" dirty="0">
+              <a:rPr lang="en-US" sz="1200" dirty="0">
+                <a:solidFill>
+                  <a:srgbClr val="BDBDBD"/>
+                </a:solidFill>
+              </a:rPr>
+              <a:t>        </a:t>
+            </a:r>
+            <a:r>
+              <a:rPr lang="en-US" sz="1200" dirty="0">
+                <a:solidFill>
+                  <a:srgbClr val="66C3CC"/>
+                </a:solidFill>
+              </a:rPr>
+              <a:t>head</a:t>
+            </a:r>
+            <a:r>
+              <a:rPr lang="en-US" sz="1200" dirty="0">
+                <a:solidFill>
+                  <a:srgbClr val="BDBDBD"/>
+                </a:solidFill>
+              </a:rPr>
+              <a:t>.</a:t>
+            </a:r>
+            <a:r>
+              <a:rPr lang="en-US" sz="1200" dirty="0">
+                <a:solidFill>
+                  <a:srgbClr val="66C3CC"/>
+                </a:solidFill>
+              </a:rPr>
+              <a:t>lptr </a:t>
+            </a:r>
+            <a:r>
+              <a:rPr lang="en-US" sz="1200" dirty="0">
+                <a:solidFill>
+                  <a:srgbClr val="BDBDBD"/>
+                </a:solidFill>
+              </a:rPr>
+              <a:t>= </a:t>
+            </a:r>
+            <a:r>
+              <a:rPr lang="en-US" sz="1200" dirty="0">
+                <a:solidFill>
+                  <a:srgbClr val="6C95EB"/>
+                </a:solidFill>
+              </a:rPr>
+              <a:t>null</a:t>
+            </a:r>
+            <a:r>
+              <a:rPr lang="en-US" sz="1200" dirty="0">
+                <a:solidFill>
+                  <a:srgbClr val="BDBDBD"/>
+                </a:solidFill>
+              </a:rPr>
+              <a:t>;</a:t>
+            </a:r>
+            <a:br>
+              <a:rPr lang="en-US" sz="1200" dirty="0">
+                <a:solidFill>
+                  <a:srgbClr val="BDBDBD"/>
+                </a:solidFill>
+              </a:rPr>
+            </a:br>
+            <a:r>
+              <a:rPr lang="en-US" sz="1200" dirty="0">
                 <a:solidFill>
                   <a:srgbClr val="BDBDBD"/>
                 </a:solidFill>
               </a:rPr>
               <a:t>    }</a:t>
             </a:r>
-            <a:br>
-              <a:rPr lang="en-US" sz="1400" dirty="0">
-                <a:solidFill>
-                  <a:srgbClr val="BDBDBD"/>
-                </a:solidFill>
-              </a:rPr>
-            </a:br>
-            <a:r>
-              <a:rPr lang="en-US" sz="1400" dirty="0">
-                <a:solidFill>
-                  <a:srgbClr val="BDBDBD"/>
-                </a:solidFill>
-              </a:rPr>
-              <a:t>    </a:t>
-            </a:r>
-            <a:r>
-              <a:rPr lang="en-US" sz="1400" dirty="0">
-                <a:solidFill>
-                  <a:srgbClr val="6C95EB"/>
-                </a:solidFill>
-              </a:rPr>
-              <a:t>else</a:t>
-            </a:r>
-            <a:br>
-              <a:rPr lang="en-US" sz="1400" dirty="0">
-                <a:solidFill>
-                  <a:srgbClr val="6C95EB"/>
-                </a:solidFill>
-              </a:rPr>
-            </a:br>
-            <a:r>
-              <a:rPr lang="en-US" sz="1400" dirty="0">
-                <a:solidFill>
-                  <a:srgbClr val="6C95EB"/>
-                </a:solidFill>
-              </a:rPr>
-              <a:t>    </a:t>
-            </a:r>
-            <a:r>
-              <a:rPr lang="en-US" sz="1400" dirty="0">
-                <a:solidFill>
-                  <a:srgbClr val="BDBDBD"/>
-                </a:solidFill>
-              </a:rPr>
-              <a:t>{</a:t>
-            </a:r>
-            <a:br>
-              <a:rPr lang="en-US" sz="1400" dirty="0">
-                <a:solidFill>
-                  <a:srgbClr val="BDBDBD"/>
-                </a:solidFill>
-              </a:rPr>
-            </a:br>
-            <a:r>
-              <a:rPr lang="en-US" sz="1400" dirty="0">
-                <a:solidFill>
-                  <a:srgbClr val="BDBDBD"/>
-                </a:solidFill>
-              </a:rPr>
-              <a:t>        </a:t>
-            </a:r>
-            <a:r>
-              <a:rPr lang="en-US" sz="1400" dirty="0">
-                <a:solidFill>
-                  <a:srgbClr val="66C3CC"/>
-                </a:solidFill>
-              </a:rPr>
-              <a:t>temp </a:t>
-            </a:r>
-            <a:r>
-              <a:rPr lang="en-US" sz="1400" dirty="0">
-                <a:solidFill>
-                  <a:srgbClr val="BDBDBD"/>
-                </a:solidFill>
-              </a:rPr>
-              <a:t>= </a:t>
-            </a:r>
-            <a:r>
-              <a:rPr lang="en-US" sz="1400" dirty="0">
-                <a:solidFill>
-                  <a:srgbClr val="66C3CC"/>
-                </a:solidFill>
-              </a:rPr>
-              <a:t>head</a:t>
-            </a:r>
-            <a:r>
-              <a:rPr lang="en-US" sz="1400" dirty="0">
-                <a:solidFill>
-                  <a:srgbClr val="BDBDBD"/>
-                </a:solidFill>
-              </a:rPr>
-              <a:t>;</a:t>
-            </a:r>
-            <a:br>
-              <a:rPr lang="en-US" sz="1400" dirty="0">
-                <a:solidFill>
-                  <a:srgbClr val="BDBDBD"/>
-                </a:solidFill>
-              </a:rPr>
-            </a:br>
-            <a:r>
-              <a:rPr lang="en-US" sz="1400" dirty="0">
-                <a:solidFill>
-                  <a:srgbClr val="BDBDBD"/>
-                </a:solidFill>
-              </a:rPr>
-              <a:t>        </a:t>
-            </a:r>
-            <a:r>
-              <a:rPr lang="en-US" sz="1400" dirty="0">
-                <a:solidFill>
-                  <a:srgbClr val="6C95EB"/>
-                </a:solidFill>
-              </a:rPr>
-              <a:t>for </a:t>
-            </a:r>
-            <a:r>
-              <a:rPr lang="en-US" sz="1400" dirty="0">
-                <a:solidFill>
-                  <a:srgbClr val="BDBDBD"/>
-                </a:solidFill>
-              </a:rPr>
-              <a:t>(i = </a:t>
-            </a:r>
-            <a:r>
-              <a:rPr lang="en-US" sz="1400" dirty="0">
-                <a:solidFill>
-                  <a:srgbClr val="ED94C0"/>
-                </a:solidFill>
-              </a:rPr>
-              <a:t>0</a:t>
-            </a:r>
-            <a:r>
-              <a:rPr lang="en-US" sz="1400" dirty="0">
-                <a:solidFill>
-                  <a:srgbClr val="BDBDBD"/>
-                </a:solidFill>
-              </a:rPr>
-              <a:t>; i &lt; index - </a:t>
-            </a:r>
-            <a:r>
-              <a:rPr lang="en-US" sz="1400" dirty="0">
-                <a:solidFill>
-                  <a:srgbClr val="ED94C0"/>
-                </a:solidFill>
-              </a:rPr>
-              <a:t>1</a:t>
-            </a:r>
-            <a:r>
-              <a:rPr lang="en-US" sz="1400" dirty="0">
-                <a:solidFill>
-                  <a:srgbClr val="BDBDBD"/>
-                </a:solidFill>
-              </a:rPr>
-              <a:t>; i++)</a:t>
-            </a:r>
-            <a:br>
-              <a:rPr lang="en-US" sz="1400" dirty="0">
-                <a:solidFill>
-                  <a:srgbClr val="BDBDBD"/>
-                </a:solidFill>
-              </a:rPr>
-            </a:br>
-            <a:r>
-              <a:rPr lang="en-US" sz="1400" dirty="0">
-                <a:solidFill>
-                  <a:srgbClr val="BDBDBD"/>
-                </a:solidFill>
-              </a:rPr>
-              <a:t>            </a:t>
-            </a:r>
-            <a:r>
-              <a:rPr lang="en-US" sz="1400" dirty="0">
-                <a:solidFill>
-                  <a:srgbClr val="66C3CC"/>
-                </a:solidFill>
-              </a:rPr>
-              <a:t>temp </a:t>
-            </a:r>
-            <a:r>
-              <a:rPr lang="en-US" sz="1400" dirty="0">
-                <a:solidFill>
-                  <a:srgbClr val="BDBDBD"/>
-                </a:solidFill>
-              </a:rPr>
-              <a:t>= </a:t>
-            </a:r>
-            <a:r>
-              <a:rPr lang="en-US" sz="1400" dirty="0">
-                <a:solidFill>
-                  <a:srgbClr val="66C3CC"/>
-                </a:solidFill>
-              </a:rPr>
-              <a:t>temp</a:t>
-            </a:r>
-            <a:r>
-              <a:rPr lang="en-US" sz="1400" dirty="0">
-                <a:solidFill>
-                  <a:srgbClr val="BDBDBD"/>
-                </a:solidFill>
-              </a:rPr>
-              <a:t>.</a:t>
-            </a:r>
-            <a:r>
-              <a:rPr lang="en-US" sz="1400" dirty="0">
-                <a:solidFill>
-                  <a:srgbClr val="66C3CC"/>
-                </a:solidFill>
-              </a:rPr>
-              <a:t>ptr</a:t>
-            </a:r>
-            <a:r>
-              <a:rPr lang="en-US" sz="1400" dirty="0">
-                <a:solidFill>
-                  <a:srgbClr val="BDBDBD"/>
-                </a:solidFill>
-              </a:rPr>
-              <a:t>;</a:t>
-            </a:r>
-            <a:br>
-              <a:rPr lang="en-US" sz="1400" dirty="0">
-                <a:solidFill>
-                  <a:srgbClr val="BDBDBD"/>
-                </a:solidFill>
-              </a:rPr>
-            </a:br>
-            <a:r>
-              <a:rPr lang="en-US" sz="1400" dirty="0">
-                <a:solidFill>
-                  <a:srgbClr val="BDBDBD"/>
-                </a:solidFill>
-              </a:rPr>
-              <a:t>        ele = </a:t>
-            </a:r>
-            <a:r>
-              <a:rPr lang="en-US" sz="1400" dirty="0">
-                <a:solidFill>
-                  <a:srgbClr val="66C3CC"/>
-                </a:solidFill>
-              </a:rPr>
-              <a:t>temp</a:t>
-            </a:r>
-            <a:r>
-              <a:rPr lang="en-US" sz="1400" dirty="0">
-                <a:solidFill>
-                  <a:srgbClr val="BDBDBD"/>
-                </a:solidFill>
-              </a:rPr>
-              <a:t>.</a:t>
-            </a:r>
-            <a:r>
-              <a:rPr lang="en-US" sz="1400" dirty="0">
-                <a:solidFill>
-                  <a:srgbClr val="66C3CC"/>
-                </a:solidFill>
-              </a:rPr>
-              <a:t>ptr</a:t>
-            </a:r>
-            <a:r>
-              <a:rPr lang="en-US" sz="1400" dirty="0">
-                <a:solidFill>
-                  <a:srgbClr val="BDBDBD"/>
-                </a:solidFill>
-              </a:rPr>
-              <a:t>.</a:t>
-            </a:r>
-            <a:r>
-              <a:rPr lang="en-US" sz="1400" dirty="0">
-                <a:solidFill>
-                  <a:srgbClr val="66C3CC"/>
-                </a:solidFill>
-              </a:rPr>
-              <a:t>info</a:t>
-            </a:r>
-            <a:r>
-              <a:rPr lang="en-US" sz="1400" dirty="0">
-                <a:solidFill>
-                  <a:srgbClr val="BDBDBD"/>
-                </a:solidFill>
-              </a:rPr>
-              <a:t>;</a:t>
-            </a:r>
-            <a:br>
-              <a:rPr lang="en-US" sz="1400" dirty="0">
-                <a:solidFill>
-                  <a:srgbClr val="BDBDBD"/>
-                </a:solidFill>
-              </a:rPr>
-            </a:br>
-            <a:r>
-              <a:rPr lang="en-US" sz="1400" dirty="0">
-                <a:solidFill>
-                  <a:srgbClr val="BDBDBD"/>
-                </a:solidFill>
-              </a:rPr>
-              <a:t>        </a:t>
-            </a:r>
-            <a:r>
-              <a:rPr lang="en-US" sz="1400" dirty="0">
-                <a:solidFill>
-                  <a:srgbClr val="66C3CC"/>
-                </a:solidFill>
-              </a:rPr>
-              <a:t>temp</a:t>
-            </a:r>
-            <a:r>
-              <a:rPr lang="en-US" sz="1400" dirty="0">
-                <a:solidFill>
-                  <a:srgbClr val="BDBDBD"/>
-                </a:solidFill>
-              </a:rPr>
-              <a:t>.</a:t>
-            </a:r>
-            <a:r>
-              <a:rPr lang="en-US" sz="1400" dirty="0">
-                <a:solidFill>
-                  <a:srgbClr val="66C3CC"/>
-                </a:solidFill>
-              </a:rPr>
-              <a:t>ptr </a:t>
-            </a:r>
-            <a:r>
-              <a:rPr lang="en-US" sz="1400" dirty="0">
-                <a:solidFill>
-                  <a:srgbClr val="BDBDBD"/>
-                </a:solidFill>
-              </a:rPr>
-              <a:t>= </a:t>
-            </a:r>
-            <a:r>
-              <a:rPr lang="en-US" sz="1400" dirty="0">
-                <a:solidFill>
-                  <a:srgbClr val="66C3CC"/>
-                </a:solidFill>
-              </a:rPr>
-              <a:t>temp</a:t>
-            </a:r>
-            <a:r>
-              <a:rPr lang="en-US" sz="1400" dirty="0">
-                <a:solidFill>
-                  <a:srgbClr val="BDBDBD"/>
-                </a:solidFill>
-              </a:rPr>
-              <a:t>.</a:t>
-            </a:r>
-            <a:r>
-              <a:rPr lang="en-US" sz="1400" dirty="0">
-                <a:solidFill>
-                  <a:srgbClr val="66C3CC"/>
-                </a:solidFill>
-              </a:rPr>
-              <a:t>ptr</a:t>
-            </a:r>
-            <a:r>
-              <a:rPr lang="en-US" sz="1400" dirty="0">
-                <a:solidFill>
-                  <a:srgbClr val="BDBDBD"/>
-                </a:solidFill>
-              </a:rPr>
-              <a:t>.</a:t>
-            </a:r>
-            <a:r>
-              <a:rPr lang="en-US" sz="1400" dirty="0">
-                <a:solidFill>
-                  <a:srgbClr val="66C3CC"/>
-                </a:solidFill>
-              </a:rPr>
-              <a:t>ptr</a:t>
-            </a:r>
-            <a:r>
-              <a:rPr lang="en-US" sz="1400" dirty="0">
-                <a:solidFill>
-                  <a:srgbClr val="BDBDBD"/>
-                </a:solidFill>
-              </a:rPr>
-              <a:t>;</a:t>
-            </a:r>
-            <a:br>
-              <a:rPr lang="en-US" sz="1400" dirty="0">
-                <a:solidFill>
-                  <a:srgbClr val="BDBDBD"/>
-                </a:solidFill>
-              </a:rPr>
-            </a:br>
-            <a:r>
-              <a:rPr lang="en-US" sz="1400" dirty="0">
-                <a:solidFill>
-                  <a:srgbClr val="BDBDBD"/>
-                </a:solidFill>
-              </a:rPr>
-              <a:t>    }</a:t>
-            </a:r>
-            <a:br>
-              <a:rPr lang="en-US" sz="1400" dirty="0">
-                <a:solidFill>
-                  <a:srgbClr val="BDBDBD"/>
-                </a:solidFill>
-              </a:rPr>
-            </a:br>
-            <a:r>
-              <a:rPr lang="en-US" sz="1400" dirty="0">
-                <a:solidFill>
-                  <a:srgbClr val="BDBDBD"/>
-                </a:solidFill>
-              </a:rPr>
-              <a:t>    </a:t>
-            </a:r>
-            <a:r>
-              <a:rPr lang="en-US" sz="1400" dirty="0">
-                <a:solidFill>
-                  <a:srgbClr val="66C3CC"/>
-                </a:solidFill>
-              </a:rPr>
-              <a:t>length</a:t>
-            </a:r>
-            <a:r>
-              <a:rPr lang="en-US" sz="1400" dirty="0">
-                <a:solidFill>
-                  <a:srgbClr val="BDBDBD"/>
-                </a:solidFill>
-              </a:rPr>
-              <a:t>--;</a:t>
-            </a:r>
-            <a:br>
-              <a:rPr lang="en-US" sz="1400" dirty="0">
-                <a:solidFill>
-                  <a:srgbClr val="BDBDBD"/>
-                </a:solidFill>
-              </a:rPr>
-            </a:br>
-            <a:r>
-              <a:rPr lang="en-US" sz="1400" dirty="0">
-                <a:solidFill>
-                  <a:srgbClr val="BDBDBD"/>
-                </a:solidFill>
-              </a:rPr>
-              <a:t>    </a:t>
-            </a:r>
-            <a:r>
-              <a:rPr lang="en-US" sz="1400" dirty="0">
-                <a:solidFill>
-                  <a:srgbClr val="6C95EB"/>
-                </a:solidFill>
-              </a:rPr>
-              <a:t>return </a:t>
-            </a:r>
-            <a:r>
-              <a:rPr lang="en-US" sz="1400" dirty="0">
-                <a:solidFill>
-                  <a:srgbClr val="BDBDBD"/>
-                </a:solidFill>
-              </a:rPr>
-              <a:t>ele;</a:t>
-            </a:r>
-            <a:br>
-              <a:rPr lang="en-US" sz="1400" dirty="0">
-                <a:solidFill>
-                  <a:srgbClr val="BDBDBD"/>
-                </a:solidFill>
-              </a:rPr>
-            </a:br>
-            <a:r>
-              <a:rPr lang="en-US" sz="1400" dirty="0">
-                <a:solidFill>
-                  <a:srgbClr val="BDBDBD"/>
-                </a:solidFill>
-              </a:rPr>
-              <a:t>}</a:t>
-            </a:r>
-            <a:endParaRPr lang="en-US" sz="1400" dirty="0"/>
+            <a:endParaRPr lang="en-US" sz="1200" dirty="0"/>
           </a:p>
         </p:txBody>
       </p:sp>
@@ -41577,6 +42421,965 @@
           </a:fontRef>
         </p:style>
       </p:cxnSp>
+      <p:sp>
+        <p:nvSpPr>
+          <p:cNvPr id="22" name="Rectangle 21">
+            <a:extLst>
+              <a:ext uri="{FF2B5EF4-FFF2-40B4-BE49-F238E27FC236}">
+                <a16:creationId xmlns:a16="http://schemas.microsoft.com/office/drawing/2014/main" id="{A41E7C7B-25E1-8FBD-6931-26C76B66D5F0}"/>
+              </a:ext>
+            </a:extLst>
+          </p:cNvPr>
+          <p:cNvSpPr/>
+          <p:nvPr/>
+        </p:nvSpPr>
+        <p:spPr>
+          <a:xfrm>
+            <a:off x="7470427" y="1188243"/>
+            <a:ext cx="3719126" cy="4129640"/>
+          </a:xfrm>
+          <a:prstGeom prst="rect">
+            <a:avLst/>
+          </a:prstGeom>
+          <a:solidFill>
+            <a:schemeClr val="tx1"/>
+          </a:solidFill>
+          <a:ln>
+            <a:solidFill>
+              <a:schemeClr val="tx2"/>
+            </a:solidFill>
+          </a:ln>
+          <a:effectLst>
+            <a:innerShdw blurRad="63500" dist="50800" dir="18900000">
+              <a:prstClr val="black">
+                <a:alpha val="50000"/>
+              </a:prstClr>
+            </a:innerShdw>
+          </a:effectLst>
+        </p:spPr>
+        <p:style>
+          <a:lnRef idx="2">
+            <a:schemeClr val="accent1">
+              <a:shade val="50000"/>
+            </a:schemeClr>
+          </a:lnRef>
+          <a:fillRef idx="1">
+            <a:schemeClr val="accent1"/>
+          </a:fillRef>
+          <a:effectRef idx="0">
+            <a:schemeClr val="accent1"/>
+          </a:effectRef>
+          <a:fontRef idx="minor">
+            <a:schemeClr val="lt1"/>
+          </a:fontRef>
+        </p:style>
+        <p:txBody>
+          <a:bodyPr rtlCol="0" anchor="ctr"/>
+          <a:lstStyle/>
+          <a:p>
+            <a:br>
+              <a:rPr lang="en-US" sz="1200" dirty="0">
+                <a:solidFill>
+                  <a:srgbClr val="BDBDBD"/>
+                </a:solidFill>
+              </a:rPr>
+            </a:br>
+            <a:r>
+              <a:rPr lang="en-US" sz="1200" dirty="0">
+                <a:solidFill>
+                  <a:srgbClr val="BDBDBD"/>
+                </a:solidFill>
+              </a:rPr>
+              <a:t>    </a:t>
+            </a:r>
+            <a:r>
+              <a:rPr lang="en-US" sz="1200" dirty="0">
+                <a:solidFill>
+                  <a:srgbClr val="6C95EB"/>
+                </a:solidFill>
+              </a:rPr>
+              <a:t>else if </a:t>
+            </a:r>
+            <a:r>
+              <a:rPr lang="en-US" sz="1200" dirty="0">
+                <a:solidFill>
+                  <a:srgbClr val="BDBDBD"/>
+                </a:solidFill>
+              </a:rPr>
+              <a:t>(index == </a:t>
+            </a:r>
+            <a:r>
+              <a:rPr lang="en-US" sz="1200" dirty="0">
+                <a:solidFill>
+                  <a:srgbClr val="66C3CC"/>
+                </a:solidFill>
+              </a:rPr>
+              <a:t>length </a:t>
+            </a:r>
+            <a:r>
+              <a:rPr lang="en-US" sz="1200" dirty="0">
+                <a:solidFill>
+                  <a:srgbClr val="BDBDBD"/>
+                </a:solidFill>
+              </a:rPr>
+              <a:t>- </a:t>
+            </a:r>
+            <a:r>
+              <a:rPr lang="en-US" sz="1200" dirty="0">
+                <a:solidFill>
+                  <a:srgbClr val="ED94C0"/>
+                </a:solidFill>
+              </a:rPr>
+              <a:t>1</a:t>
+            </a:r>
+            <a:r>
+              <a:rPr lang="en-US" sz="1200" dirty="0">
+                <a:solidFill>
+                  <a:srgbClr val="BDBDBD"/>
+                </a:solidFill>
+              </a:rPr>
+              <a:t>)</a:t>
+            </a:r>
+            <a:br>
+              <a:rPr lang="en-US" sz="1200" dirty="0">
+                <a:solidFill>
+                  <a:srgbClr val="BDBDBD"/>
+                </a:solidFill>
+              </a:rPr>
+            </a:br>
+            <a:r>
+              <a:rPr lang="en-US" sz="1200" dirty="0">
+                <a:solidFill>
+                  <a:srgbClr val="BDBDBD"/>
+                </a:solidFill>
+              </a:rPr>
+              <a:t>    {</a:t>
+            </a:r>
+            <a:br>
+              <a:rPr lang="en-US" sz="1200" dirty="0">
+                <a:solidFill>
+                  <a:srgbClr val="BDBDBD"/>
+                </a:solidFill>
+              </a:rPr>
+            </a:br>
+            <a:r>
+              <a:rPr lang="en-US" sz="1200" dirty="0">
+                <a:solidFill>
+                  <a:srgbClr val="BDBDBD"/>
+                </a:solidFill>
+              </a:rPr>
+              <a:t>        ele = </a:t>
+            </a:r>
+            <a:r>
+              <a:rPr lang="en-US" sz="1200" dirty="0" err="1">
+                <a:solidFill>
+                  <a:srgbClr val="66C3CC"/>
+                </a:solidFill>
+              </a:rPr>
+              <a:t>tail</a:t>
+            </a:r>
+            <a:r>
+              <a:rPr lang="en-US" sz="1200" dirty="0" err="1">
+                <a:solidFill>
+                  <a:srgbClr val="BDBDBD"/>
+                </a:solidFill>
+              </a:rPr>
+              <a:t>.</a:t>
+            </a:r>
+            <a:r>
+              <a:rPr lang="en-US" sz="1200" dirty="0" err="1">
+                <a:solidFill>
+                  <a:srgbClr val="66C3CC"/>
+                </a:solidFill>
+              </a:rPr>
+              <a:t>info</a:t>
+            </a:r>
+            <a:r>
+              <a:rPr lang="en-US" sz="1200" dirty="0">
+                <a:solidFill>
+                  <a:srgbClr val="BDBDBD"/>
+                </a:solidFill>
+              </a:rPr>
+              <a:t>;</a:t>
+            </a:r>
+            <a:br>
+              <a:rPr lang="en-US" sz="1200" dirty="0">
+                <a:solidFill>
+                  <a:srgbClr val="BDBDBD"/>
+                </a:solidFill>
+              </a:rPr>
+            </a:br>
+            <a:r>
+              <a:rPr lang="en-US" sz="1200" dirty="0">
+                <a:solidFill>
+                  <a:srgbClr val="BDBDBD"/>
+                </a:solidFill>
+              </a:rPr>
+              <a:t>        </a:t>
+            </a:r>
+            <a:r>
+              <a:rPr lang="en-US" sz="1200" dirty="0">
+                <a:solidFill>
+                  <a:srgbClr val="66C3CC"/>
+                </a:solidFill>
+              </a:rPr>
+              <a:t>tail </a:t>
+            </a:r>
+            <a:r>
+              <a:rPr lang="en-US" sz="1200" dirty="0">
+                <a:solidFill>
+                  <a:srgbClr val="BDBDBD"/>
+                </a:solidFill>
+              </a:rPr>
+              <a:t>= </a:t>
+            </a:r>
+            <a:r>
+              <a:rPr lang="en-US" sz="1200" dirty="0" err="1">
+                <a:solidFill>
+                  <a:srgbClr val="66C3CC"/>
+                </a:solidFill>
+              </a:rPr>
+              <a:t>tail</a:t>
+            </a:r>
+            <a:r>
+              <a:rPr lang="en-US" sz="1200" dirty="0" err="1">
+                <a:solidFill>
+                  <a:srgbClr val="BDBDBD"/>
+                </a:solidFill>
+              </a:rPr>
+              <a:t>.</a:t>
+            </a:r>
+            <a:r>
+              <a:rPr lang="en-US" sz="1200" dirty="0" err="1">
+                <a:solidFill>
+                  <a:srgbClr val="66C3CC"/>
+                </a:solidFill>
+              </a:rPr>
+              <a:t>lptr</a:t>
+            </a:r>
+            <a:r>
+              <a:rPr lang="en-US" sz="1200" dirty="0">
+                <a:solidFill>
+                  <a:srgbClr val="BDBDBD"/>
+                </a:solidFill>
+              </a:rPr>
+              <a:t>;</a:t>
+            </a:r>
+            <a:br>
+              <a:rPr lang="en-US" sz="1200" dirty="0">
+                <a:solidFill>
+                  <a:srgbClr val="BDBDBD"/>
+                </a:solidFill>
+              </a:rPr>
+            </a:br>
+            <a:r>
+              <a:rPr lang="en-US" sz="1200" dirty="0">
+                <a:solidFill>
+                  <a:srgbClr val="BDBDBD"/>
+                </a:solidFill>
+              </a:rPr>
+              <a:t>        </a:t>
+            </a:r>
+            <a:r>
+              <a:rPr lang="en-US" sz="1200" dirty="0">
+                <a:solidFill>
+                  <a:srgbClr val="66C3CC"/>
+                </a:solidFill>
+              </a:rPr>
+              <a:t>tail</a:t>
+            </a:r>
+            <a:r>
+              <a:rPr lang="en-US" sz="1200" dirty="0">
+                <a:solidFill>
+                  <a:srgbClr val="BDBDBD"/>
+                </a:solidFill>
+              </a:rPr>
+              <a:t>.</a:t>
+            </a:r>
+            <a:r>
+              <a:rPr lang="en-US" sz="1200" dirty="0">
+                <a:solidFill>
+                  <a:srgbClr val="66C3CC"/>
+                </a:solidFill>
+              </a:rPr>
+              <a:t>rptr </a:t>
+            </a:r>
+            <a:r>
+              <a:rPr lang="en-US" sz="1200" dirty="0">
+                <a:solidFill>
+                  <a:srgbClr val="BDBDBD"/>
+                </a:solidFill>
+              </a:rPr>
+              <a:t>= </a:t>
+            </a:r>
+            <a:r>
+              <a:rPr lang="en-US" sz="1200" dirty="0">
+                <a:solidFill>
+                  <a:srgbClr val="6C95EB"/>
+                </a:solidFill>
+              </a:rPr>
+              <a:t>null</a:t>
+            </a:r>
+            <a:r>
+              <a:rPr lang="en-US" sz="1200" dirty="0">
+                <a:solidFill>
+                  <a:srgbClr val="BDBDBD"/>
+                </a:solidFill>
+              </a:rPr>
+              <a:t>;</a:t>
+            </a:r>
+            <a:br>
+              <a:rPr lang="en-US" sz="1200" dirty="0">
+                <a:solidFill>
+                  <a:srgbClr val="BDBDBD"/>
+                </a:solidFill>
+              </a:rPr>
+            </a:br>
+            <a:r>
+              <a:rPr lang="en-US" sz="1200" dirty="0">
+                <a:solidFill>
+                  <a:srgbClr val="BDBDBD"/>
+                </a:solidFill>
+              </a:rPr>
+              <a:t>    }</a:t>
+            </a:r>
+            <a:br>
+              <a:rPr lang="en-US" sz="1200" dirty="0">
+                <a:solidFill>
+                  <a:srgbClr val="BDBDBD"/>
+                </a:solidFill>
+              </a:rPr>
+            </a:br>
+            <a:r>
+              <a:rPr lang="en-US" sz="1200" dirty="0">
+                <a:solidFill>
+                  <a:srgbClr val="BDBDBD"/>
+                </a:solidFill>
+              </a:rPr>
+              <a:t>    </a:t>
+            </a:r>
+            <a:r>
+              <a:rPr lang="en-US" sz="1200" dirty="0">
+                <a:solidFill>
+                  <a:srgbClr val="6C95EB"/>
+                </a:solidFill>
+              </a:rPr>
+              <a:t>else</a:t>
+            </a:r>
+            <a:br>
+              <a:rPr lang="en-US" sz="1200" dirty="0">
+                <a:solidFill>
+                  <a:srgbClr val="6C95EB"/>
+                </a:solidFill>
+              </a:rPr>
+            </a:br>
+            <a:r>
+              <a:rPr lang="en-US" sz="1200" dirty="0">
+                <a:solidFill>
+                  <a:srgbClr val="6C95EB"/>
+                </a:solidFill>
+              </a:rPr>
+              <a:t>    </a:t>
+            </a:r>
+            <a:r>
+              <a:rPr lang="en-US" sz="1200" dirty="0">
+                <a:solidFill>
+                  <a:srgbClr val="BDBDBD"/>
+                </a:solidFill>
+              </a:rPr>
+              <a:t>{</a:t>
+            </a:r>
+            <a:br>
+              <a:rPr lang="en-US" sz="1200" dirty="0">
+                <a:solidFill>
+                  <a:srgbClr val="BDBDBD"/>
+                </a:solidFill>
+              </a:rPr>
+            </a:br>
+            <a:r>
+              <a:rPr lang="en-US" sz="1200" dirty="0">
+                <a:solidFill>
+                  <a:srgbClr val="BDBDBD"/>
+                </a:solidFill>
+              </a:rPr>
+              <a:t>        </a:t>
+            </a:r>
+            <a:r>
+              <a:rPr lang="en-US" sz="1200" dirty="0">
+                <a:solidFill>
+                  <a:srgbClr val="66C3CC"/>
+                </a:solidFill>
+              </a:rPr>
+              <a:t>temp </a:t>
+            </a:r>
+            <a:r>
+              <a:rPr lang="en-US" sz="1200" dirty="0">
+                <a:solidFill>
+                  <a:srgbClr val="BDBDBD"/>
+                </a:solidFill>
+              </a:rPr>
+              <a:t>= </a:t>
+            </a:r>
+            <a:r>
+              <a:rPr lang="en-US" sz="1200" dirty="0">
+                <a:solidFill>
+                  <a:srgbClr val="66C3CC"/>
+                </a:solidFill>
+              </a:rPr>
+              <a:t>head</a:t>
+            </a:r>
+            <a:r>
+              <a:rPr lang="en-US" sz="1200" dirty="0">
+                <a:solidFill>
+                  <a:srgbClr val="BDBDBD"/>
+                </a:solidFill>
+              </a:rPr>
+              <a:t>;</a:t>
+            </a:r>
+            <a:br>
+              <a:rPr lang="en-US" sz="1200" dirty="0">
+                <a:solidFill>
+                  <a:srgbClr val="BDBDBD"/>
+                </a:solidFill>
+              </a:rPr>
+            </a:br>
+            <a:r>
+              <a:rPr lang="en-US" sz="1200" dirty="0">
+                <a:solidFill>
+                  <a:srgbClr val="BDBDBD"/>
+                </a:solidFill>
+              </a:rPr>
+              <a:t>        </a:t>
+            </a:r>
+            <a:r>
+              <a:rPr lang="en-US" sz="1200" dirty="0">
+                <a:solidFill>
+                  <a:srgbClr val="6C95EB"/>
+                </a:solidFill>
+              </a:rPr>
+              <a:t>for </a:t>
+            </a:r>
+            <a:r>
+              <a:rPr lang="en-US" sz="1200" dirty="0">
+                <a:solidFill>
+                  <a:srgbClr val="BDBDBD"/>
+                </a:solidFill>
+              </a:rPr>
+              <a:t>(</a:t>
+            </a:r>
+            <a:r>
+              <a:rPr lang="en-US" sz="1200" dirty="0" err="1">
+                <a:solidFill>
+                  <a:srgbClr val="BDBDBD"/>
+                </a:solidFill>
+              </a:rPr>
+              <a:t>i</a:t>
+            </a:r>
+            <a:r>
+              <a:rPr lang="en-US" sz="1200" dirty="0">
+                <a:solidFill>
+                  <a:srgbClr val="BDBDBD"/>
+                </a:solidFill>
+              </a:rPr>
+              <a:t> = </a:t>
+            </a:r>
+            <a:r>
+              <a:rPr lang="en-US" sz="1200" dirty="0">
+                <a:solidFill>
+                  <a:srgbClr val="ED94C0"/>
+                </a:solidFill>
+              </a:rPr>
+              <a:t>0</a:t>
+            </a:r>
+            <a:r>
+              <a:rPr lang="en-US" sz="1200" dirty="0">
+                <a:solidFill>
+                  <a:srgbClr val="BDBDBD"/>
+                </a:solidFill>
+              </a:rPr>
+              <a:t>; </a:t>
+            </a:r>
+            <a:r>
+              <a:rPr lang="en-US" sz="1200" dirty="0" err="1">
+                <a:solidFill>
+                  <a:srgbClr val="BDBDBD"/>
+                </a:solidFill>
+              </a:rPr>
+              <a:t>i</a:t>
+            </a:r>
+            <a:r>
+              <a:rPr lang="en-US" sz="1200" dirty="0">
+                <a:solidFill>
+                  <a:srgbClr val="BDBDBD"/>
+                </a:solidFill>
+              </a:rPr>
+              <a:t> &lt; index; </a:t>
+            </a:r>
+            <a:r>
+              <a:rPr lang="en-US" sz="1200" dirty="0" err="1">
+                <a:solidFill>
+                  <a:srgbClr val="BDBDBD"/>
+                </a:solidFill>
+              </a:rPr>
+              <a:t>i</a:t>
+            </a:r>
+            <a:r>
+              <a:rPr lang="en-US" sz="1200" dirty="0">
+                <a:solidFill>
+                  <a:srgbClr val="BDBDBD"/>
+                </a:solidFill>
+              </a:rPr>
+              <a:t>++)</a:t>
+            </a:r>
+            <a:br>
+              <a:rPr lang="en-US" sz="1200" dirty="0">
+                <a:solidFill>
+                  <a:srgbClr val="BDBDBD"/>
+                </a:solidFill>
+              </a:rPr>
+            </a:br>
+            <a:r>
+              <a:rPr lang="en-US" sz="1200" dirty="0">
+                <a:solidFill>
+                  <a:srgbClr val="BDBDBD"/>
+                </a:solidFill>
+              </a:rPr>
+              <a:t>        {</a:t>
+            </a:r>
+            <a:br>
+              <a:rPr lang="en-US" sz="1200" dirty="0">
+                <a:solidFill>
+                  <a:srgbClr val="BDBDBD"/>
+                </a:solidFill>
+              </a:rPr>
+            </a:br>
+            <a:r>
+              <a:rPr lang="en-US" sz="1200" dirty="0">
+                <a:solidFill>
+                  <a:srgbClr val="BDBDBD"/>
+                </a:solidFill>
+              </a:rPr>
+              <a:t>            </a:t>
+            </a:r>
+            <a:r>
+              <a:rPr lang="en-US" sz="1200" dirty="0">
+                <a:solidFill>
+                  <a:srgbClr val="66C3CC"/>
+                </a:solidFill>
+              </a:rPr>
+              <a:t>temp </a:t>
+            </a:r>
+            <a:r>
+              <a:rPr lang="en-US" sz="1200" dirty="0">
+                <a:solidFill>
+                  <a:srgbClr val="BDBDBD"/>
+                </a:solidFill>
+              </a:rPr>
+              <a:t>= </a:t>
+            </a:r>
+            <a:r>
+              <a:rPr lang="en-US" sz="1200" dirty="0" err="1">
+                <a:solidFill>
+                  <a:srgbClr val="66C3CC"/>
+                </a:solidFill>
+              </a:rPr>
+              <a:t>temp</a:t>
+            </a:r>
+            <a:r>
+              <a:rPr lang="en-US" sz="1200" dirty="0" err="1">
+                <a:solidFill>
+                  <a:srgbClr val="BDBDBD"/>
+                </a:solidFill>
+              </a:rPr>
+              <a:t>.</a:t>
+            </a:r>
+            <a:r>
+              <a:rPr lang="en-US" sz="1200" dirty="0" err="1">
+                <a:solidFill>
+                  <a:srgbClr val="66C3CC"/>
+                </a:solidFill>
+              </a:rPr>
+              <a:t>rptr</a:t>
+            </a:r>
+            <a:r>
+              <a:rPr lang="en-US" sz="1200" dirty="0">
+                <a:solidFill>
+                  <a:srgbClr val="BDBDBD"/>
+                </a:solidFill>
+              </a:rPr>
+              <a:t>;</a:t>
+            </a:r>
+            <a:br>
+              <a:rPr lang="en-US" sz="1200" dirty="0">
+                <a:solidFill>
+                  <a:srgbClr val="BDBDBD"/>
+                </a:solidFill>
+              </a:rPr>
+            </a:br>
+            <a:r>
+              <a:rPr lang="en-US" sz="1200" dirty="0">
+                <a:solidFill>
+                  <a:srgbClr val="BDBDBD"/>
+                </a:solidFill>
+              </a:rPr>
+              <a:t>        }</a:t>
+            </a:r>
+            <a:br>
+              <a:rPr lang="en-US" sz="1200" dirty="0">
+                <a:solidFill>
+                  <a:srgbClr val="BDBDBD"/>
+                </a:solidFill>
+              </a:rPr>
+            </a:br>
+            <a:r>
+              <a:rPr lang="en-US" sz="1200" dirty="0">
+                <a:solidFill>
+                  <a:srgbClr val="BDBDBD"/>
+                </a:solidFill>
+              </a:rPr>
+              <a:t>        ele = </a:t>
+            </a:r>
+            <a:r>
+              <a:rPr lang="en-US" sz="1200" dirty="0" err="1">
+                <a:solidFill>
+                  <a:srgbClr val="66C3CC"/>
+                </a:solidFill>
+              </a:rPr>
+              <a:t>temp</a:t>
+            </a:r>
+            <a:r>
+              <a:rPr lang="en-US" sz="1200" dirty="0" err="1">
+                <a:solidFill>
+                  <a:srgbClr val="BDBDBD"/>
+                </a:solidFill>
+              </a:rPr>
+              <a:t>.</a:t>
+            </a:r>
+            <a:r>
+              <a:rPr lang="en-US" sz="1200" dirty="0" err="1">
+                <a:solidFill>
+                  <a:srgbClr val="66C3CC"/>
+                </a:solidFill>
+              </a:rPr>
+              <a:t>info</a:t>
+            </a:r>
+            <a:r>
+              <a:rPr lang="en-US" sz="1200" dirty="0">
+                <a:solidFill>
+                  <a:srgbClr val="BDBDBD"/>
+                </a:solidFill>
+              </a:rPr>
+              <a:t>;</a:t>
+            </a:r>
+            <a:br>
+              <a:rPr lang="en-US" sz="1200" dirty="0">
+                <a:solidFill>
+                  <a:srgbClr val="BDBDBD"/>
+                </a:solidFill>
+              </a:rPr>
+            </a:br>
+            <a:r>
+              <a:rPr lang="en-US" sz="1200" dirty="0">
+                <a:solidFill>
+                  <a:srgbClr val="BDBDBD"/>
+                </a:solidFill>
+              </a:rPr>
+              <a:t>        </a:t>
+            </a:r>
+            <a:r>
+              <a:rPr lang="en-US" sz="1200" dirty="0" err="1">
+                <a:solidFill>
+                  <a:srgbClr val="66C3CC"/>
+                </a:solidFill>
+              </a:rPr>
+              <a:t>temp</a:t>
+            </a:r>
+            <a:r>
+              <a:rPr lang="en-US" sz="1200" dirty="0" err="1">
+                <a:solidFill>
+                  <a:srgbClr val="BDBDBD"/>
+                </a:solidFill>
+              </a:rPr>
+              <a:t>.</a:t>
+            </a:r>
+            <a:r>
+              <a:rPr lang="en-US" sz="1200" dirty="0" err="1">
+                <a:solidFill>
+                  <a:srgbClr val="66C3CC"/>
+                </a:solidFill>
+              </a:rPr>
+              <a:t>rptr</a:t>
+            </a:r>
+            <a:r>
+              <a:rPr lang="en-US" sz="1200" dirty="0" err="1">
+                <a:solidFill>
+                  <a:srgbClr val="BDBDBD"/>
+                </a:solidFill>
+              </a:rPr>
+              <a:t>.</a:t>
+            </a:r>
+            <a:r>
+              <a:rPr lang="en-US" sz="1200" dirty="0" err="1">
+                <a:solidFill>
+                  <a:srgbClr val="66C3CC"/>
+                </a:solidFill>
+              </a:rPr>
+              <a:t>lptr</a:t>
+            </a:r>
+            <a:r>
+              <a:rPr lang="en-US" sz="1200" dirty="0">
+                <a:solidFill>
+                  <a:srgbClr val="66C3CC"/>
+                </a:solidFill>
+              </a:rPr>
+              <a:t> </a:t>
+            </a:r>
+            <a:r>
+              <a:rPr lang="en-US" sz="1200" dirty="0">
+                <a:solidFill>
+                  <a:srgbClr val="BDBDBD"/>
+                </a:solidFill>
+              </a:rPr>
+              <a:t>= </a:t>
+            </a:r>
+            <a:r>
+              <a:rPr lang="en-US" sz="1200" dirty="0" err="1">
+                <a:solidFill>
+                  <a:srgbClr val="66C3CC"/>
+                </a:solidFill>
+              </a:rPr>
+              <a:t>temp</a:t>
+            </a:r>
+            <a:r>
+              <a:rPr lang="en-US" sz="1200" dirty="0" err="1">
+                <a:solidFill>
+                  <a:srgbClr val="BDBDBD"/>
+                </a:solidFill>
+              </a:rPr>
+              <a:t>.</a:t>
+            </a:r>
+            <a:r>
+              <a:rPr lang="en-US" sz="1200" dirty="0" err="1">
+                <a:solidFill>
+                  <a:srgbClr val="66C3CC"/>
+                </a:solidFill>
+              </a:rPr>
+              <a:t>lptr</a:t>
+            </a:r>
+            <a:r>
+              <a:rPr lang="en-US" sz="1200" dirty="0">
+                <a:solidFill>
+                  <a:srgbClr val="BDBDBD"/>
+                </a:solidFill>
+              </a:rPr>
+              <a:t>;</a:t>
+            </a:r>
+            <a:br>
+              <a:rPr lang="en-US" sz="1200" dirty="0">
+                <a:solidFill>
+                  <a:srgbClr val="BDBDBD"/>
+                </a:solidFill>
+              </a:rPr>
+            </a:br>
+            <a:r>
+              <a:rPr lang="en-US" sz="1200" dirty="0">
+                <a:solidFill>
+                  <a:srgbClr val="BDBDBD"/>
+                </a:solidFill>
+              </a:rPr>
+              <a:t>        </a:t>
+            </a:r>
+            <a:r>
+              <a:rPr lang="en-US" sz="1200" dirty="0" err="1">
+                <a:solidFill>
+                  <a:srgbClr val="66C3CC"/>
+                </a:solidFill>
+              </a:rPr>
+              <a:t>temp</a:t>
+            </a:r>
+            <a:r>
+              <a:rPr lang="en-US" sz="1200" dirty="0" err="1">
+                <a:solidFill>
+                  <a:srgbClr val="BDBDBD"/>
+                </a:solidFill>
+              </a:rPr>
+              <a:t>.</a:t>
+            </a:r>
+            <a:r>
+              <a:rPr lang="en-US" sz="1200" dirty="0" err="1">
+                <a:solidFill>
+                  <a:srgbClr val="66C3CC"/>
+                </a:solidFill>
+              </a:rPr>
+              <a:t>lptr</a:t>
+            </a:r>
+            <a:r>
+              <a:rPr lang="en-US" sz="1200" dirty="0" err="1">
+                <a:solidFill>
+                  <a:srgbClr val="BDBDBD"/>
+                </a:solidFill>
+              </a:rPr>
+              <a:t>.</a:t>
+            </a:r>
+            <a:r>
+              <a:rPr lang="en-US" sz="1200" dirty="0" err="1">
+                <a:solidFill>
+                  <a:srgbClr val="66C3CC"/>
+                </a:solidFill>
+              </a:rPr>
+              <a:t>rptr</a:t>
+            </a:r>
+            <a:r>
+              <a:rPr lang="en-US" sz="1200" dirty="0">
+                <a:solidFill>
+                  <a:srgbClr val="66C3CC"/>
+                </a:solidFill>
+              </a:rPr>
+              <a:t> </a:t>
+            </a:r>
+            <a:r>
+              <a:rPr lang="en-US" sz="1200" dirty="0">
+                <a:solidFill>
+                  <a:srgbClr val="BDBDBD"/>
+                </a:solidFill>
+              </a:rPr>
+              <a:t>= </a:t>
+            </a:r>
+            <a:r>
+              <a:rPr lang="en-US" sz="1200" dirty="0" err="1">
+                <a:solidFill>
+                  <a:srgbClr val="66C3CC"/>
+                </a:solidFill>
+              </a:rPr>
+              <a:t>temp</a:t>
+            </a:r>
+            <a:r>
+              <a:rPr lang="en-US" sz="1200" dirty="0" err="1">
+                <a:solidFill>
+                  <a:srgbClr val="BDBDBD"/>
+                </a:solidFill>
+              </a:rPr>
+              <a:t>.</a:t>
+            </a:r>
+            <a:r>
+              <a:rPr lang="en-US" sz="1200" dirty="0" err="1">
+                <a:solidFill>
+                  <a:srgbClr val="66C3CC"/>
+                </a:solidFill>
+              </a:rPr>
+              <a:t>rptr</a:t>
+            </a:r>
+            <a:r>
+              <a:rPr lang="en-US" sz="1200" dirty="0">
+                <a:solidFill>
+                  <a:srgbClr val="BDBDBD"/>
+                </a:solidFill>
+              </a:rPr>
+              <a:t>;</a:t>
+            </a:r>
+            <a:br>
+              <a:rPr lang="en-US" sz="1200" dirty="0">
+                <a:solidFill>
+                  <a:srgbClr val="BDBDBD"/>
+                </a:solidFill>
+              </a:rPr>
+            </a:br>
+            <a:r>
+              <a:rPr lang="en-US" sz="1200" dirty="0">
+                <a:solidFill>
+                  <a:srgbClr val="BDBDBD"/>
+                </a:solidFill>
+              </a:rPr>
+              <a:t>    }</a:t>
+            </a:r>
+            <a:br>
+              <a:rPr lang="en-US" sz="1200" dirty="0">
+                <a:solidFill>
+                  <a:srgbClr val="BDBDBD"/>
+                </a:solidFill>
+              </a:rPr>
+            </a:br>
+            <a:r>
+              <a:rPr lang="en-US" sz="1200" dirty="0">
+                <a:solidFill>
+                  <a:srgbClr val="BDBDBD"/>
+                </a:solidFill>
+              </a:rPr>
+              <a:t>    </a:t>
+            </a:r>
+            <a:r>
+              <a:rPr lang="en-US" sz="1200" dirty="0">
+                <a:solidFill>
+                  <a:srgbClr val="66C3CC"/>
+                </a:solidFill>
+              </a:rPr>
+              <a:t>length</a:t>
+            </a:r>
+            <a:r>
+              <a:rPr lang="en-US" sz="1200" dirty="0">
+                <a:solidFill>
+                  <a:srgbClr val="BDBDBD"/>
+                </a:solidFill>
+              </a:rPr>
+              <a:t>--;</a:t>
+            </a:r>
+            <a:br>
+              <a:rPr lang="en-US" sz="1200" dirty="0">
+                <a:solidFill>
+                  <a:srgbClr val="BDBDBD"/>
+                </a:solidFill>
+              </a:rPr>
+            </a:br>
+            <a:br>
+              <a:rPr lang="en-US" sz="1200" dirty="0">
+                <a:solidFill>
+                  <a:srgbClr val="BDBDBD"/>
+                </a:solidFill>
+              </a:rPr>
+            </a:br>
+            <a:r>
+              <a:rPr lang="en-US" sz="1200" dirty="0">
+                <a:solidFill>
+                  <a:srgbClr val="BDBDBD"/>
+                </a:solidFill>
+              </a:rPr>
+              <a:t>    </a:t>
+            </a:r>
+            <a:r>
+              <a:rPr lang="en-US" sz="1200" dirty="0">
+                <a:solidFill>
+                  <a:srgbClr val="6C95EB"/>
+                </a:solidFill>
+              </a:rPr>
+              <a:t>return </a:t>
+            </a:r>
+            <a:r>
+              <a:rPr lang="en-US" sz="1200" dirty="0">
+                <a:solidFill>
+                  <a:srgbClr val="BDBDBD"/>
+                </a:solidFill>
+              </a:rPr>
+              <a:t>ele;</a:t>
+            </a:r>
+            <a:br>
+              <a:rPr lang="en-US" sz="1200" dirty="0">
+                <a:solidFill>
+                  <a:srgbClr val="BDBDBD"/>
+                </a:solidFill>
+              </a:rPr>
+            </a:br>
+            <a:r>
+              <a:rPr lang="en-US" sz="1200" dirty="0">
+                <a:solidFill>
+                  <a:srgbClr val="BDBDBD"/>
+                </a:solidFill>
+              </a:rPr>
+              <a:t>}</a:t>
+            </a:r>
+            <a:endParaRPr lang="en-US" sz="1200" dirty="0"/>
+          </a:p>
+        </p:txBody>
+      </p:sp>
     </p:spTree>
     <p:extLst>
       <p:ext uri="{BB962C8B-B14F-4D97-AF65-F5344CB8AC3E}">
@@ -44545,6 +46348,309 @@
           </a:fontRef>
         </p:style>
       </p:cxnSp>
+      <p:sp>
+        <p:nvSpPr>
+          <p:cNvPr id="34" name="Rectangle 33">
+            <a:extLst>
+              <a:ext uri="{FF2B5EF4-FFF2-40B4-BE49-F238E27FC236}">
+                <a16:creationId xmlns:a16="http://schemas.microsoft.com/office/drawing/2014/main" id="{80CD44EA-95C1-958B-4B39-EBCF6267D205}"/>
+              </a:ext>
+            </a:extLst>
+          </p:cNvPr>
+          <p:cNvSpPr/>
+          <p:nvPr/>
+        </p:nvSpPr>
+        <p:spPr>
+          <a:xfrm>
+            <a:off x="8563397" y="304719"/>
+            <a:ext cx="2318592" cy="1309759"/>
+          </a:xfrm>
+          <a:prstGeom prst="rect">
+            <a:avLst/>
+          </a:prstGeom>
+          <a:solidFill>
+            <a:schemeClr val="tx1"/>
+          </a:solidFill>
+          <a:ln>
+            <a:solidFill>
+              <a:schemeClr val="tx2"/>
+            </a:solidFill>
+          </a:ln>
+          <a:effectLst>
+            <a:innerShdw blurRad="63500" dist="50800" dir="18900000">
+              <a:prstClr val="black">
+                <a:alpha val="50000"/>
+              </a:prstClr>
+            </a:innerShdw>
+          </a:effectLst>
+        </p:spPr>
+        <p:style>
+          <a:lnRef idx="2">
+            <a:schemeClr val="accent1">
+              <a:shade val="50000"/>
+            </a:schemeClr>
+          </a:lnRef>
+          <a:fillRef idx="1">
+            <a:schemeClr val="accent1"/>
+          </a:fillRef>
+          <a:effectRef idx="0">
+            <a:schemeClr val="accent1"/>
+          </a:effectRef>
+          <a:fontRef idx="minor">
+            <a:schemeClr val="lt1"/>
+          </a:fontRef>
+        </p:style>
+        <p:txBody>
+          <a:bodyPr rtlCol="0" anchor="ctr"/>
+          <a:lstStyle/>
+          <a:p>
+            <a:r>
+              <a:rPr lang="en-US" sz="1200" dirty="0">
+                <a:solidFill>
+                  <a:srgbClr val="BDBDBD"/>
+                </a:solidFill>
+              </a:rPr>
+              <a:t>    </a:t>
+            </a:r>
+            <a:r>
+              <a:rPr lang="en-US" sz="1200" dirty="0">
+                <a:solidFill>
+                  <a:srgbClr val="6C95EB"/>
+                </a:solidFill>
+              </a:rPr>
+              <a:t>else if </a:t>
+            </a:r>
+            <a:r>
+              <a:rPr lang="en-US" sz="1200" dirty="0">
+                <a:solidFill>
+                  <a:srgbClr val="BDBDBD"/>
+                </a:solidFill>
+              </a:rPr>
+              <a:t>(index == </a:t>
+            </a:r>
+            <a:r>
+              <a:rPr lang="en-US" sz="1200" dirty="0">
+                <a:solidFill>
+                  <a:srgbClr val="ED94C0"/>
+                </a:solidFill>
+              </a:rPr>
+              <a:t>0</a:t>
+            </a:r>
+            <a:r>
+              <a:rPr lang="en-US" sz="1200" dirty="0">
+                <a:solidFill>
+                  <a:srgbClr val="BDBDBD"/>
+                </a:solidFill>
+              </a:rPr>
+              <a:t>)</a:t>
+            </a:r>
+            <a:br>
+              <a:rPr lang="en-US" sz="1200" dirty="0">
+                <a:solidFill>
+                  <a:srgbClr val="BDBDBD"/>
+                </a:solidFill>
+              </a:rPr>
+            </a:br>
+            <a:r>
+              <a:rPr lang="en-US" sz="1200" dirty="0">
+                <a:solidFill>
+                  <a:srgbClr val="BDBDBD"/>
+                </a:solidFill>
+              </a:rPr>
+              <a:t>    {</a:t>
+            </a:r>
+            <a:br>
+              <a:rPr lang="en-US" sz="1200" dirty="0">
+                <a:solidFill>
+                  <a:srgbClr val="BDBDBD"/>
+                </a:solidFill>
+              </a:rPr>
+            </a:br>
+            <a:r>
+              <a:rPr lang="en-US" sz="1200" dirty="0">
+                <a:solidFill>
+                  <a:srgbClr val="BDBDBD"/>
+                </a:solidFill>
+              </a:rPr>
+              <a:t>        ele = </a:t>
+            </a:r>
+            <a:r>
+              <a:rPr lang="en-US" sz="1200" dirty="0" err="1">
+                <a:solidFill>
+                  <a:srgbClr val="66C3CC"/>
+                </a:solidFill>
+              </a:rPr>
+              <a:t>head</a:t>
+            </a:r>
+            <a:r>
+              <a:rPr lang="en-US" sz="1200" dirty="0" err="1">
+                <a:solidFill>
+                  <a:srgbClr val="BDBDBD"/>
+                </a:solidFill>
+              </a:rPr>
+              <a:t>.</a:t>
+            </a:r>
+            <a:r>
+              <a:rPr lang="en-US" sz="1200" dirty="0" err="1">
+                <a:solidFill>
+                  <a:srgbClr val="66C3CC"/>
+                </a:solidFill>
+              </a:rPr>
+              <a:t>info</a:t>
+            </a:r>
+            <a:r>
+              <a:rPr lang="en-US" sz="1200" dirty="0">
+                <a:solidFill>
+                  <a:srgbClr val="BDBDBD"/>
+                </a:solidFill>
+              </a:rPr>
+              <a:t>;</a:t>
+            </a:r>
+            <a:br>
+              <a:rPr lang="en-US" sz="1200" dirty="0">
+                <a:solidFill>
+                  <a:srgbClr val="BDBDBD"/>
+                </a:solidFill>
+              </a:rPr>
+            </a:br>
+            <a:r>
+              <a:rPr lang="en-US" sz="1200" dirty="0">
+                <a:solidFill>
+                  <a:srgbClr val="BDBDBD"/>
+                </a:solidFill>
+              </a:rPr>
+              <a:t>        </a:t>
+            </a:r>
+            <a:r>
+              <a:rPr lang="en-US" sz="1200" dirty="0">
+                <a:solidFill>
+                  <a:srgbClr val="66C3CC"/>
+                </a:solidFill>
+              </a:rPr>
+              <a:t>head </a:t>
+            </a:r>
+            <a:r>
+              <a:rPr lang="en-US" sz="1200" dirty="0">
+                <a:solidFill>
+                  <a:srgbClr val="BDBDBD"/>
+                </a:solidFill>
+              </a:rPr>
+              <a:t>= </a:t>
+            </a:r>
+            <a:r>
+              <a:rPr lang="en-US" sz="1200" dirty="0" err="1">
+                <a:solidFill>
+                  <a:srgbClr val="66C3CC"/>
+                </a:solidFill>
+              </a:rPr>
+              <a:t>head</a:t>
+            </a:r>
+            <a:r>
+              <a:rPr lang="en-US" sz="1200" dirty="0" err="1">
+                <a:solidFill>
+                  <a:srgbClr val="BDBDBD"/>
+                </a:solidFill>
+              </a:rPr>
+              <a:t>.</a:t>
+            </a:r>
+            <a:r>
+              <a:rPr lang="en-US" sz="1200" dirty="0" err="1">
+                <a:solidFill>
+                  <a:srgbClr val="66C3CC"/>
+                </a:solidFill>
+              </a:rPr>
+              <a:t>rptr</a:t>
+            </a:r>
+            <a:r>
+              <a:rPr lang="en-US" sz="1200" dirty="0">
+                <a:solidFill>
+                  <a:srgbClr val="BDBDBD"/>
+                </a:solidFill>
+              </a:rPr>
+              <a:t>;</a:t>
+            </a:r>
+            <a:br>
+              <a:rPr lang="en-US" sz="1200" dirty="0">
+                <a:solidFill>
+                  <a:srgbClr val="BDBDBD"/>
+                </a:solidFill>
+              </a:rPr>
+            </a:br>
+            <a:r>
+              <a:rPr lang="en-US" sz="1200" dirty="0">
+                <a:solidFill>
+                  <a:srgbClr val="BDBDBD"/>
+                </a:solidFill>
+              </a:rPr>
+              <a:t>        </a:t>
+            </a:r>
+            <a:r>
+              <a:rPr lang="en-US" sz="1200" dirty="0">
+                <a:solidFill>
+                  <a:srgbClr val="66C3CC"/>
+                </a:solidFill>
+              </a:rPr>
+              <a:t>head</a:t>
+            </a:r>
+            <a:r>
+              <a:rPr lang="en-US" sz="1200" dirty="0">
+                <a:solidFill>
+                  <a:srgbClr val="BDBDBD"/>
+                </a:solidFill>
+              </a:rPr>
+              <a:t>.</a:t>
+            </a:r>
+            <a:r>
+              <a:rPr lang="en-US" sz="1200" dirty="0">
+                <a:solidFill>
+                  <a:srgbClr val="66C3CC"/>
+                </a:solidFill>
+              </a:rPr>
+              <a:t>lptr </a:t>
+            </a:r>
+            <a:r>
+              <a:rPr lang="en-US" sz="1200" dirty="0">
+                <a:solidFill>
+                  <a:srgbClr val="BDBDBD"/>
+                </a:solidFill>
+              </a:rPr>
+              <a:t>= </a:t>
+            </a:r>
+            <a:r>
+              <a:rPr lang="en-US" sz="1200" dirty="0">
+                <a:solidFill>
+                  <a:srgbClr val="6C95EB"/>
+                </a:solidFill>
+              </a:rPr>
+              <a:t>null</a:t>
+            </a:r>
+            <a:r>
+              <a:rPr lang="en-US" sz="1200" dirty="0">
+                <a:solidFill>
+                  <a:srgbClr val="BDBDBD"/>
+                </a:solidFill>
+              </a:rPr>
+              <a:t>;</a:t>
+            </a:r>
+            <a:br>
+              <a:rPr lang="en-US" sz="1200" dirty="0">
+                <a:solidFill>
+                  <a:srgbClr val="BDBDBD"/>
+                </a:solidFill>
+              </a:rPr>
+            </a:br>
+            <a:r>
+              <a:rPr lang="en-US" sz="1200" dirty="0">
+                <a:solidFill>
+                  <a:srgbClr val="BDBDBD"/>
+                </a:solidFill>
+              </a:rPr>
+              <a:t>    }</a:t>
+            </a:r>
+            <a:endParaRPr lang="en-US" sz="1200" dirty="0"/>
+          </a:p>
+        </p:txBody>
+      </p:sp>
     </p:spTree>
     <p:extLst>
       <p:ext uri="{BB962C8B-B14F-4D97-AF65-F5344CB8AC3E}">
@@ -47490,8 +49596,8 @@
         </p:nvSpPr>
         <p:spPr>
           <a:xfrm>
-            <a:off x="551874" y="3320348"/>
-            <a:ext cx="5772798" cy="400110"/>
+            <a:off x="551873" y="3320348"/>
+            <a:ext cx="8613147" cy="400110"/>
           </a:xfrm>
           <a:prstGeom prst="rect">
             <a:avLst/>
@@ -47533,8 +49639,334 @@
                   <a:schemeClr val="tx1"/>
                 </a:solidFill>
               </a:rPr>
-              <a:t>When we want to delete 2 index elements</a:t>
-            </a:r>
+              <a:t>When we want to delete last element element or 2nd element in the list</a:t>
+            </a:r>
+          </a:p>
+        </p:txBody>
+      </p:sp>
+      <p:sp>
+        <p:nvSpPr>
+          <p:cNvPr id="30" name="Rectangle 29">
+            <a:extLst>
+              <a:ext uri="{FF2B5EF4-FFF2-40B4-BE49-F238E27FC236}">
+                <a16:creationId xmlns:a16="http://schemas.microsoft.com/office/drawing/2014/main" id="{F89F4E71-9CED-8007-BC5C-E01CF7388A62}"/>
+              </a:ext>
+            </a:extLst>
+          </p:cNvPr>
+          <p:cNvSpPr/>
+          <p:nvPr/>
+        </p:nvSpPr>
+        <p:spPr>
+          <a:xfrm>
+            <a:off x="8623654" y="4115781"/>
+            <a:ext cx="2777775" cy="1289604"/>
+          </a:xfrm>
+          <a:prstGeom prst="rect">
+            <a:avLst/>
+          </a:prstGeom>
+          <a:solidFill>
+            <a:schemeClr val="tx1"/>
+          </a:solidFill>
+          <a:ln>
+            <a:solidFill>
+              <a:schemeClr val="tx2"/>
+            </a:solidFill>
+          </a:ln>
+          <a:effectLst>
+            <a:innerShdw blurRad="63500" dist="50800" dir="18900000">
+              <a:prstClr val="black">
+                <a:alpha val="50000"/>
+              </a:prstClr>
+            </a:innerShdw>
+          </a:effectLst>
+        </p:spPr>
+        <p:style>
+          <a:lnRef idx="2">
+            <a:schemeClr val="accent1">
+              <a:shade val="50000"/>
+            </a:schemeClr>
+          </a:lnRef>
+          <a:fillRef idx="1">
+            <a:schemeClr val="accent1"/>
+          </a:fillRef>
+          <a:effectRef idx="0">
+            <a:schemeClr val="accent1"/>
+          </a:effectRef>
+          <a:fontRef idx="minor">
+            <a:schemeClr val="lt1"/>
+          </a:fontRef>
+        </p:style>
+        <p:txBody>
+          <a:bodyPr rtlCol="0" anchor="ctr"/>
+          <a:lstStyle/>
+          <a:p>
+            <a:br>
+              <a:rPr lang="en-US" sz="1200" dirty="0">
+                <a:solidFill>
+                  <a:srgbClr val="BDBDBD"/>
+                </a:solidFill>
+              </a:rPr>
+            </a:br>
+            <a:r>
+              <a:rPr lang="en-US" sz="1200" dirty="0">
+                <a:solidFill>
+                  <a:srgbClr val="BDBDBD"/>
+                </a:solidFill>
+              </a:rPr>
+              <a:t>    </a:t>
+            </a:r>
+            <a:r>
+              <a:rPr lang="en-US" sz="1200" dirty="0">
+                <a:solidFill>
+                  <a:srgbClr val="6C95EB"/>
+                </a:solidFill>
+              </a:rPr>
+              <a:t>else if </a:t>
+            </a:r>
+            <a:r>
+              <a:rPr lang="en-US" sz="1200" dirty="0">
+                <a:solidFill>
+                  <a:srgbClr val="BDBDBD"/>
+                </a:solidFill>
+              </a:rPr>
+              <a:t>(index == </a:t>
+            </a:r>
+            <a:r>
+              <a:rPr lang="en-US" sz="1200" dirty="0">
+                <a:solidFill>
+                  <a:srgbClr val="66C3CC"/>
+                </a:solidFill>
+              </a:rPr>
+              <a:t>length </a:t>
+            </a:r>
+            <a:r>
+              <a:rPr lang="en-US" sz="1200" dirty="0">
+                <a:solidFill>
+                  <a:srgbClr val="BDBDBD"/>
+                </a:solidFill>
+              </a:rPr>
+              <a:t>- </a:t>
+            </a:r>
+            <a:r>
+              <a:rPr lang="en-US" sz="1200" dirty="0">
+                <a:solidFill>
+                  <a:srgbClr val="ED94C0"/>
+                </a:solidFill>
+              </a:rPr>
+              <a:t>1</a:t>
+            </a:r>
+            <a:r>
+              <a:rPr lang="en-US" sz="1200" dirty="0">
+                <a:solidFill>
+                  <a:srgbClr val="BDBDBD"/>
+                </a:solidFill>
+              </a:rPr>
+              <a:t>)</a:t>
+            </a:r>
+            <a:br>
+              <a:rPr lang="en-US" sz="1200" dirty="0">
+                <a:solidFill>
+                  <a:srgbClr val="BDBDBD"/>
+                </a:solidFill>
+              </a:rPr>
+            </a:br>
+            <a:r>
+              <a:rPr lang="en-US" sz="1200" dirty="0">
+                <a:solidFill>
+                  <a:srgbClr val="BDBDBD"/>
+                </a:solidFill>
+              </a:rPr>
+              <a:t>    {</a:t>
+            </a:r>
+            <a:br>
+              <a:rPr lang="en-US" sz="1200" dirty="0">
+                <a:solidFill>
+                  <a:srgbClr val="BDBDBD"/>
+                </a:solidFill>
+              </a:rPr>
+            </a:br>
+            <a:r>
+              <a:rPr lang="en-US" sz="1200" dirty="0">
+                <a:solidFill>
+                  <a:srgbClr val="BDBDBD"/>
+                </a:solidFill>
+              </a:rPr>
+              <a:t>        ele = </a:t>
+            </a:r>
+            <a:r>
+              <a:rPr lang="en-US" sz="1200" dirty="0" err="1">
+                <a:solidFill>
+                  <a:srgbClr val="66C3CC"/>
+                </a:solidFill>
+              </a:rPr>
+              <a:t>tail</a:t>
+            </a:r>
+            <a:r>
+              <a:rPr lang="en-US" sz="1200" dirty="0" err="1">
+                <a:solidFill>
+                  <a:srgbClr val="BDBDBD"/>
+                </a:solidFill>
+              </a:rPr>
+              <a:t>.</a:t>
+            </a:r>
+            <a:r>
+              <a:rPr lang="en-US" sz="1200" dirty="0" err="1">
+                <a:solidFill>
+                  <a:srgbClr val="66C3CC"/>
+                </a:solidFill>
+              </a:rPr>
+              <a:t>info</a:t>
+            </a:r>
+            <a:r>
+              <a:rPr lang="en-US" sz="1200" dirty="0">
+                <a:solidFill>
+                  <a:srgbClr val="BDBDBD"/>
+                </a:solidFill>
+              </a:rPr>
+              <a:t>;</a:t>
+            </a:r>
+            <a:br>
+              <a:rPr lang="en-US" sz="1200" dirty="0">
+                <a:solidFill>
+                  <a:srgbClr val="BDBDBD"/>
+                </a:solidFill>
+              </a:rPr>
+            </a:br>
+            <a:r>
+              <a:rPr lang="en-US" sz="1200" dirty="0">
+                <a:solidFill>
+                  <a:srgbClr val="BDBDBD"/>
+                </a:solidFill>
+              </a:rPr>
+              <a:t>        </a:t>
+            </a:r>
+            <a:r>
+              <a:rPr lang="en-US" sz="1200" dirty="0">
+                <a:solidFill>
+                  <a:srgbClr val="66C3CC"/>
+                </a:solidFill>
+              </a:rPr>
+              <a:t>tail </a:t>
+            </a:r>
+            <a:r>
+              <a:rPr lang="en-US" sz="1200" dirty="0">
+                <a:solidFill>
+                  <a:srgbClr val="BDBDBD"/>
+                </a:solidFill>
+              </a:rPr>
+              <a:t>= </a:t>
+            </a:r>
+            <a:r>
+              <a:rPr lang="en-US" sz="1200" dirty="0" err="1">
+                <a:solidFill>
+                  <a:srgbClr val="66C3CC"/>
+                </a:solidFill>
+              </a:rPr>
+              <a:t>tail</a:t>
+            </a:r>
+            <a:r>
+              <a:rPr lang="en-US" sz="1200" dirty="0" err="1">
+                <a:solidFill>
+                  <a:srgbClr val="BDBDBD"/>
+                </a:solidFill>
+              </a:rPr>
+              <a:t>.</a:t>
+            </a:r>
+            <a:r>
+              <a:rPr lang="en-US" sz="1200" dirty="0" err="1">
+                <a:solidFill>
+                  <a:srgbClr val="66C3CC"/>
+                </a:solidFill>
+              </a:rPr>
+              <a:t>lptr</a:t>
+            </a:r>
+            <a:r>
+              <a:rPr lang="en-US" sz="1200" dirty="0">
+                <a:solidFill>
+                  <a:srgbClr val="BDBDBD"/>
+                </a:solidFill>
+              </a:rPr>
+              <a:t>;</a:t>
+            </a:r>
+            <a:br>
+              <a:rPr lang="en-US" sz="1200" dirty="0">
+                <a:solidFill>
+                  <a:srgbClr val="BDBDBD"/>
+                </a:solidFill>
+              </a:rPr>
+            </a:br>
+            <a:r>
+              <a:rPr lang="en-US" sz="1200" dirty="0">
+                <a:solidFill>
+                  <a:srgbClr val="BDBDBD"/>
+                </a:solidFill>
+              </a:rPr>
+              <a:t>        </a:t>
+            </a:r>
+            <a:r>
+              <a:rPr lang="en-US" sz="1200" dirty="0">
+                <a:solidFill>
+                  <a:srgbClr val="66C3CC"/>
+                </a:solidFill>
+              </a:rPr>
+              <a:t>tail</a:t>
+            </a:r>
+            <a:r>
+              <a:rPr lang="en-US" sz="1200" dirty="0">
+                <a:solidFill>
+                  <a:srgbClr val="BDBDBD"/>
+                </a:solidFill>
+              </a:rPr>
+              <a:t>.</a:t>
+            </a:r>
+            <a:r>
+              <a:rPr lang="en-US" sz="1200" dirty="0">
+                <a:solidFill>
+                  <a:srgbClr val="66C3CC"/>
+                </a:solidFill>
+              </a:rPr>
+              <a:t>rptr </a:t>
+            </a:r>
+            <a:r>
+              <a:rPr lang="en-US" sz="1200" dirty="0">
+                <a:solidFill>
+                  <a:srgbClr val="BDBDBD"/>
+                </a:solidFill>
+              </a:rPr>
+              <a:t>= </a:t>
+            </a:r>
+            <a:r>
+              <a:rPr lang="en-US" sz="1200" dirty="0">
+                <a:solidFill>
+                  <a:srgbClr val="6C95EB"/>
+                </a:solidFill>
+              </a:rPr>
+              <a:t>null</a:t>
+            </a:r>
+            <a:r>
+              <a:rPr lang="en-US" sz="1200" dirty="0">
+                <a:solidFill>
+                  <a:srgbClr val="BDBDBD"/>
+                </a:solidFill>
+              </a:rPr>
+              <a:t>;</a:t>
+            </a:r>
+            <a:br>
+              <a:rPr lang="en-US" sz="1200" dirty="0">
+                <a:solidFill>
+                  <a:srgbClr val="BDBDBD"/>
+                </a:solidFill>
+              </a:rPr>
+            </a:br>
+            <a:r>
+              <a:rPr lang="en-US" sz="1200" dirty="0">
+                <a:solidFill>
+                  <a:srgbClr val="BDBDBD"/>
+                </a:solidFill>
+              </a:rPr>
+              <a:t>    }</a:t>
+            </a:r>
+            <a:endParaRPr lang="en-US" sz="1200" dirty="0"/>
           </a:p>
         </p:txBody>
       </p:sp>

--- a/Data Structures using C#/data-structures-using-.net-core-csharp/Linked List/Double Linked List/Double Linked List.pptx
+++ b/Data Structures using C#/data-structures-using-.net-core-csharp/Linked List/Double Linked List/Double Linked List.pptx
@@ -26438,7 +26438,7 @@
         </p:nvSpPr>
         <p:spPr>
           <a:xfrm>
-            <a:off x="5431384" y="500451"/>
+            <a:off x="2731366" y="592639"/>
             <a:ext cx="5400033" cy="400110"/>
           </a:xfrm>
           <a:prstGeom prst="rect">
@@ -26476,7 +26476,7 @@
               <a:buChar char="•"/>
             </a:pPr>
             <a:r>
-              <a:rPr lang="en-US" dirty="0">
+              <a:rPr lang="en-US" b="1" dirty="0">
                 <a:solidFill>
                   <a:schemeClr val="tx1"/>
                 </a:solidFill>
@@ -26559,8 +26559,8 @@
         </p:nvSpPr>
         <p:spPr>
           <a:xfrm>
-            <a:off x="5533802" y="3575168"/>
-            <a:ext cx="5400033" cy="707886"/>
+            <a:off x="2731367" y="3819698"/>
+            <a:ext cx="5400033" cy="400110"/>
           </a:xfrm>
           <a:prstGeom prst="rect">
             <a:avLst/>
@@ -26596,19 +26596,8 @@
               <a:buFont typeface="Arial" panose="020B0604020202020204" pitchFamily="34" charset="0"/>
               <a:buChar char="•"/>
             </a:pPr>
-            <a:endParaRPr lang="en-US" dirty="0">
-              <a:solidFill>
-                <a:schemeClr val="tx1"/>
-              </a:solidFill>
-            </a:endParaRPr>
-          </a:p>
-          <a:p>
-            <a:pPr marL="285750" indent="-285750" fontAlgn="base">
-              <a:buFont typeface="Arial" panose="020B0604020202020204" pitchFamily="34" charset="0"/>
-              <a:buChar char="•"/>
-            </a:pPr>
-            <a:r>
-              <a:rPr lang="en-US" dirty="0">
+            <a:r>
+              <a:rPr lang="en-US" b="1" dirty="0">
                 <a:solidFill>
                   <a:schemeClr val="tx1"/>
                 </a:solidFill>
@@ -32223,8 +32212,8 @@
         </p:nvSpPr>
         <p:spPr>
           <a:xfrm>
-            <a:off x="6119518" y="1167483"/>
-            <a:ext cx="5626314" cy="400110"/>
+            <a:off x="6119517" y="1167483"/>
+            <a:ext cx="5778183" cy="400110"/>
           </a:xfrm>
           <a:prstGeom prst="rect">
             <a:avLst/>
@@ -32261,7 +32250,7 @@
               <a:buChar char="•"/>
             </a:pPr>
             <a:r>
-              <a:rPr lang="en-US" dirty="0">
+              <a:rPr lang="en-US" b="1" dirty="0">
                 <a:solidFill>
                   <a:schemeClr val="tx1"/>
                 </a:solidFill>
@@ -32562,7 +32551,7 @@
         </p:nvSpPr>
         <p:spPr>
           <a:xfrm>
-            <a:off x="6119517" y="3959916"/>
+            <a:off x="3844435" y="3920692"/>
             <a:ext cx="5400033" cy="400110"/>
           </a:xfrm>
           <a:prstGeom prst="rect">
@@ -32600,7 +32589,7 @@
               <a:buChar char="•"/>
             </a:pPr>
             <a:r>
-              <a:rPr lang="en-US" dirty="0">
+              <a:rPr lang="en-US" b="1" dirty="0">
                 <a:solidFill>
                   <a:schemeClr val="tx1"/>
                 </a:solidFill>
@@ -35850,7 +35839,7 @@
         </p:nvSpPr>
         <p:spPr>
           <a:xfrm>
-            <a:off x="5433278" y="257865"/>
+            <a:off x="2554560" y="321642"/>
             <a:ext cx="5400033" cy="400110"/>
           </a:xfrm>
           <a:prstGeom prst="rect">
@@ -35888,7 +35877,7 @@
               <a:buChar char="•"/>
             </a:pPr>
             <a:r>
-              <a:rPr lang="en-US" dirty="0">
+              <a:rPr lang="en-US" b="1" dirty="0">
                 <a:solidFill>
                   <a:schemeClr val="tx1"/>
                 </a:solidFill>
@@ -35896,7 +35885,7 @@
               <a:t>When inserting third element at 2</a:t>
             </a:r>
             <a:r>
-              <a:rPr lang="en-US" baseline="30000" dirty="0">
+              <a:rPr lang="en-US" b="1" baseline="30000" dirty="0">
                 <a:solidFill>
                   <a:schemeClr val="tx1"/>
                 </a:solidFill>
@@ -35904,7 +35893,7 @@
               <a:t>nd</a:t>
             </a:r>
             <a:r>
-              <a:rPr lang="en-US" dirty="0">
+              <a:rPr lang="en-US" b="1" dirty="0">
                 <a:solidFill>
                   <a:schemeClr val="tx1"/>
                 </a:solidFill>
@@ -35928,7 +35917,7 @@
         </p:nvSpPr>
         <p:spPr>
           <a:xfrm>
-            <a:off x="5533802" y="3575168"/>
+            <a:off x="2554559" y="3564587"/>
             <a:ext cx="5400033" cy="400110"/>
           </a:xfrm>
           <a:prstGeom prst="rect">
@@ -35966,7 +35955,7 @@
               <a:buChar char="•"/>
             </a:pPr>
             <a:r>
-              <a:rPr lang="en-US" dirty="0">
+              <a:rPr lang="en-US" b="1" dirty="0">
                 <a:solidFill>
                   <a:schemeClr val="tx1"/>
                 </a:solidFill>
@@ -35974,7 +35963,7 @@
               <a:t>When pushing fourth element at 2</a:t>
             </a:r>
             <a:r>
-              <a:rPr lang="en-US" baseline="30000" dirty="0">
+              <a:rPr lang="en-US" b="1" baseline="30000" dirty="0">
                 <a:solidFill>
                   <a:schemeClr val="tx1"/>
                 </a:solidFill>
@@ -35982,7 +35971,7 @@
               <a:t>nd</a:t>
             </a:r>
             <a:r>
-              <a:rPr lang="en-US" dirty="0">
+              <a:rPr lang="en-US" b="1" dirty="0">
                 <a:solidFill>
                   <a:schemeClr val="tx1"/>
                 </a:solidFill>
@@ -40388,8 +40377,8 @@
         </p:nvSpPr>
         <p:spPr>
           <a:xfrm>
-            <a:off x="3857790" y="1221867"/>
-            <a:ext cx="3419807" cy="4096015"/>
+            <a:off x="3930029" y="958329"/>
+            <a:ext cx="3395682" cy="4020454"/>
           </a:xfrm>
           <a:prstGeom prst="rect">
             <a:avLst/>
@@ -42435,8 +42424,8 @@
         </p:nvSpPr>
         <p:spPr>
           <a:xfrm>
-            <a:off x="7470427" y="1188243"/>
-            <a:ext cx="3719126" cy="4129640"/>
+            <a:off x="7579391" y="969033"/>
+            <a:ext cx="3496862" cy="4020453"/>
           </a:xfrm>
           <a:prstGeom prst="rect">
             <a:avLst/>
@@ -42477,13 +42466,6 @@
           <a:bodyPr rtlCol="0" anchor="ctr"/>
           <a:lstStyle/>
           <a:p>
-            <a:br>
-              <a:rPr lang="en-US" sz="1200" dirty="0">
-                <a:solidFill>
-                  <a:srgbClr val="BDBDBD"/>
-                </a:solidFill>
-              </a:rPr>
-            </a:br>
             <a:r>
               <a:rPr lang="en-US" sz="1200" dirty="0">
                 <a:solidFill>
